--- a/FFPM/FFPM 377.pptx
+++ b/FFPM/FFPM 377.pptx
@@ -7,9 +7,13 @@
   <p:sldIdLst>
     <p:sldId id="256" r:id="rId2"/>
     <p:sldId id="260" r:id="rId3"/>
-    <p:sldId id="257" r:id="rId4"/>
-    <p:sldId id="258" r:id="rId5"/>
-    <p:sldId id="259" r:id="rId6"/>
+    <p:sldId id="261" r:id="rId4"/>
+    <p:sldId id="257" r:id="rId5"/>
+    <p:sldId id="262" r:id="rId6"/>
+    <p:sldId id="258" r:id="rId7"/>
+    <p:sldId id="263" r:id="rId8"/>
+    <p:sldId id="259" r:id="rId9"/>
+    <p:sldId id="264" r:id="rId10"/>
   </p:sldIdLst>
   <p:sldSz cx="9144000" cy="5143500" type="screen16x9"/>
   <p:notesSz cx="6858000" cy="9144000"/>
@@ -108,6 +112,22 @@
       </a:defRPr>
     </a:lvl9pPr>
   </p:defaultTextStyle>
+  <p:extLst>
+    <p:ext uri="{EFAFB233-063F-42B5-8137-9DF3F51BA10A}">
+      <p15:sldGuideLst xmlns:p15="http://schemas.microsoft.com/office/powerpoint/2012/main">
+        <p15:guide id="1" orient="horz" pos="1620">
+          <p15:clr>
+            <a:srgbClr val="A4A3A4"/>
+          </p15:clr>
+        </p15:guide>
+        <p15:guide id="2" pos="2880">
+          <p15:clr>
+            <a:srgbClr val="A4A3A4"/>
+          </p15:clr>
+        </p15:guide>
+      </p15:sldGuideLst>
+    </p:ext>
+  </p:extLst>
 </p:presentation>
 </file>
 
@@ -149,10 +169,9 @@
           <a:lstStyle/>
           <a:p>
             <a:r>
-              <a:rPr lang="fr-FR" smtClean="0"/>
+              <a:rPr lang="fr-FR"/>
               <a:t>Modifiez le style du titre</a:t>
             </a:r>
-            <a:endParaRPr lang="fr-FR"/>
           </a:p>
         </p:txBody>
       </p:sp>
@@ -268,10 +287,9 @@
           </a:lstStyle>
           <a:p>
             <a:r>
-              <a:rPr lang="fr-FR" smtClean="0"/>
+              <a:rPr lang="fr-FR"/>
               <a:t>Modifiez le style des sous-titres du masque</a:t>
             </a:r>
-            <a:endParaRPr lang="fr-FR"/>
           </a:p>
         </p:txBody>
       </p:sp>
@@ -292,7 +310,7 @@
           <a:p>
             <a:fld id="{464C9B00-38DF-4FFE-95F9-F19C9239BACB}" type="datetimeFigureOut">
               <a:rPr lang="fr-FR" smtClean="0"/>
-              <a:t>24/10/2014</a:t>
+              <a:t>16/09/2023</a:t>
             </a:fld>
             <a:endParaRPr lang="fr-FR"/>
           </a:p>
@@ -386,10 +404,9 @@
           <a:lstStyle/>
           <a:p>
             <a:r>
-              <a:rPr lang="fr-FR" smtClean="0"/>
+              <a:rPr lang="fr-FR"/>
               <a:t>Modifiez le style du titre</a:t>
             </a:r>
-            <a:endParaRPr lang="fr-FR"/>
           </a:p>
         </p:txBody>
       </p:sp>
@@ -410,38 +427,37 @@
           <a:p>
             <a:pPr lvl="0"/>
             <a:r>
-              <a:rPr lang="fr-FR" smtClean="0"/>
+              <a:rPr lang="fr-FR"/>
               <a:t>Modifiez les styles du texte du masque</a:t>
             </a:r>
           </a:p>
           <a:p>
             <a:pPr lvl="1"/>
             <a:r>
-              <a:rPr lang="fr-FR" smtClean="0"/>
+              <a:rPr lang="fr-FR"/>
               <a:t>Deuxième niveau</a:t>
             </a:r>
           </a:p>
           <a:p>
             <a:pPr lvl="2"/>
             <a:r>
-              <a:rPr lang="fr-FR" smtClean="0"/>
+              <a:rPr lang="fr-FR"/>
               <a:t>Troisième niveau</a:t>
             </a:r>
           </a:p>
           <a:p>
             <a:pPr lvl="3"/>
             <a:r>
-              <a:rPr lang="fr-FR" smtClean="0"/>
+              <a:rPr lang="fr-FR"/>
               <a:t>Quatrième niveau</a:t>
             </a:r>
           </a:p>
           <a:p>
             <a:pPr lvl="4"/>
             <a:r>
-              <a:rPr lang="fr-FR" smtClean="0"/>
+              <a:rPr lang="fr-FR"/>
               <a:t>Cinquième niveau</a:t>
             </a:r>
-            <a:endParaRPr lang="fr-FR"/>
           </a:p>
         </p:txBody>
       </p:sp>
@@ -462,7 +478,7 @@
           <a:p>
             <a:fld id="{464C9B00-38DF-4FFE-95F9-F19C9239BACB}" type="datetimeFigureOut">
               <a:rPr lang="fr-FR" smtClean="0"/>
-              <a:t>24/10/2014</a:t>
+              <a:t>16/09/2023</a:t>
             </a:fld>
             <a:endParaRPr lang="fr-FR"/>
           </a:p>
@@ -561,10 +577,9 @@
           <a:lstStyle/>
           <a:p>
             <a:r>
-              <a:rPr lang="fr-FR" smtClean="0"/>
+              <a:rPr lang="fr-FR"/>
               <a:t>Modifiez le style du titre</a:t>
             </a:r>
-            <a:endParaRPr lang="fr-FR"/>
           </a:p>
         </p:txBody>
       </p:sp>
@@ -590,38 +605,37 @@
           <a:p>
             <a:pPr lvl="0"/>
             <a:r>
-              <a:rPr lang="fr-FR" smtClean="0"/>
+              <a:rPr lang="fr-FR"/>
               <a:t>Modifiez les styles du texte du masque</a:t>
             </a:r>
           </a:p>
           <a:p>
             <a:pPr lvl="1"/>
             <a:r>
-              <a:rPr lang="fr-FR" smtClean="0"/>
+              <a:rPr lang="fr-FR"/>
               <a:t>Deuxième niveau</a:t>
             </a:r>
           </a:p>
           <a:p>
             <a:pPr lvl="2"/>
             <a:r>
-              <a:rPr lang="fr-FR" smtClean="0"/>
+              <a:rPr lang="fr-FR"/>
               <a:t>Troisième niveau</a:t>
             </a:r>
           </a:p>
           <a:p>
             <a:pPr lvl="3"/>
             <a:r>
-              <a:rPr lang="fr-FR" smtClean="0"/>
+              <a:rPr lang="fr-FR"/>
               <a:t>Quatrième niveau</a:t>
             </a:r>
           </a:p>
           <a:p>
             <a:pPr lvl="4"/>
             <a:r>
-              <a:rPr lang="fr-FR" smtClean="0"/>
+              <a:rPr lang="fr-FR"/>
               <a:t>Cinquième niveau</a:t>
             </a:r>
-            <a:endParaRPr lang="fr-FR"/>
           </a:p>
         </p:txBody>
       </p:sp>
@@ -642,7 +656,7 @@
           <a:p>
             <a:fld id="{464C9B00-38DF-4FFE-95F9-F19C9239BACB}" type="datetimeFigureOut">
               <a:rPr lang="fr-FR" smtClean="0"/>
-              <a:t>24/10/2014</a:t>
+              <a:t>16/09/2023</a:t>
             </a:fld>
             <a:endParaRPr lang="fr-FR"/>
           </a:p>
@@ -736,10 +750,9 @@
           <a:lstStyle/>
           <a:p>
             <a:r>
-              <a:rPr lang="fr-FR" smtClean="0"/>
+              <a:rPr lang="fr-FR"/>
               <a:t>Modifiez le style du titre</a:t>
             </a:r>
-            <a:endParaRPr lang="fr-FR"/>
           </a:p>
         </p:txBody>
       </p:sp>
@@ -760,38 +773,37 @@
           <a:p>
             <a:pPr lvl="0"/>
             <a:r>
-              <a:rPr lang="fr-FR" smtClean="0"/>
+              <a:rPr lang="fr-FR"/>
               <a:t>Modifiez les styles du texte du masque</a:t>
             </a:r>
           </a:p>
           <a:p>
             <a:pPr lvl="1"/>
             <a:r>
-              <a:rPr lang="fr-FR" smtClean="0"/>
+              <a:rPr lang="fr-FR"/>
               <a:t>Deuxième niveau</a:t>
             </a:r>
           </a:p>
           <a:p>
             <a:pPr lvl="2"/>
             <a:r>
-              <a:rPr lang="fr-FR" smtClean="0"/>
+              <a:rPr lang="fr-FR"/>
               <a:t>Troisième niveau</a:t>
             </a:r>
           </a:p>
           <a:p>
             <a:pPr lvl="3"/>
             <a:r>
-              <a:rPr lang="fr-FR" smtClean="0"/>
+              <a:rPr lang="fr-FR"/>
               <a:t>Quatrième niveau</a:t>
             </a:r>
           </a:p>
           <a:p>
             <a:pPr lvl="4"/>
             <a:r>
-              <a:rPr lang="fr-FR" smtClean="0"/>
+              <a:rPr lang="fr-FR"/>
               <a:t>Cinquième niveau</a:t>
             </a:r>
-            <a:endParaRPr lang="fr-FR"/>
           </a:p>
         </p:txBody>
       </p:sp>
@@ -812,7 +824,7 @@
           <a:p>
             <a:fld id="{464C9B00-38DF-4FFE-95F9-F19C9239BACB}" type="datetimeFigureOut">
               <a:rPr lang="fr-FR" smtClean="0"/>
-              <a:t>24/10/2014</a:t>
+              <a:t>16/09/2023</a:t>
             </a:fld>
             <a:endParaRPr lang="fr-FR"/>
           </a:p>
@@ -915,10 +927,9 @@
           </a:lstStyle>
           <a:p>
             <a:r>
-              <a:rPr lang="fr-FR" smtClean="0"/>
+              <a:rPr lang="fr-FR"/>
               <a:t>Modifiez le style du titre</a:t>
             </a:r>
-            <a:endParaRPr lang="fr-FR"/>
           </a:p>
         </p:txBody>
       </p:sp>
@@ -1035,7 +1046,7 @@
           <a:p>
             <a:pPr lvl="0"/>
             <a:r>
-              <a:rPr lang="fr-FR" smtClean="0"/>
+              <a:rPr lang="fr-FR"/>
               <a:t>Modifiez les styles du texte du masque</a:t>
             </a:r>
           </a:p>
@@ -1058,7 +1069,7 @@
           <a:p>
             <a:fld id="{464C9B00-38DF-4FFE-95F9-F19C9239BACB}" type="datetimeFigureOut">
               <a:rPr lang="fr-FR" smtClean="0"/>
-              <a:t>24/10/2014</a:t>
+              <a:t>16/09/2023</a:t>
             </a:fld>
             <a:endParaRPr lang="fr-FR"/>
           </a:p>
@@ -1152,10 +1163,9 @@
           <a:lstStyle/>
           <a:p>
             <a:r>
-              <a:rPr lang="fr-FR" smtClean="0"/>
+              <a:rPr lang="fr-FR"/>
               <a:t>Modifiez le style du titre</a:t>
             </a:r>
-            <a:endParaRPr lang="fr-FR"/>
           </a:p>
         </p:txBody>
       </p:sp>
@@ -1209,38 +1219,37 @@
           <a:p>
             <a:pPr lvl="0"/>
             <a:r>
-              <a:rPr lang="fr-FR" smtClean="0"/>
+              <a:rPr lang="fr-FR"/>
               <a:t>Modifiez les styles du texte du masque</a:t>
             </a:r>
           </a:p>
           <a:p>
             <a:pPr lvl="1"/>
             <a:r>
-              <a:rPr lang="fr-FR" smtClean="0"/>
+              <a:rPr lang="fr-FR"/>
               <a:t>Deuxième niveau</a:t>
             </a:r>
           </a:p>
           <a:p>
             <a:pPr lvl="2"/>
             <a:r>
-              <a:rPr lang="fr-FR" smtClean="0"/>
+              <a:rPr lang="fr-FR"/>
               <a:t>Troisième niveau</a:t>
             </a:r>
           </a:p>
           <a:p>
             <a:pPr lvl="3"/>
             <a:r>
-              <a:rPr lang="fr-FR" smtClean="0"/>
+              <a:rPr lang="fr-FR"/>
               <a:t>Quatrième niveau</a:t>
             </a:r>
           </a:p>
           <a:p>
             <a:pPr lvl="4"/>
             <a:r>
-              <a:rPr lang="fr-FR" smtClean="0"/>
+              <a:rPr lang="fr-FR"/>
               <a:t>Cinquième niveau</a:t>
             </a:r>
-            <a:endParaRPr lang="fr-FR"/>
           </a:p>
         </p:txBody>
       </p:sp>
@@ -1294,38 +1303,37 @@
           <a:p>
             <a:pPr lvl="0"/>
             <a:r>
-              <a:rPr lang="fr-FR" smtClean="0"/>
+              <a:rPr lang="fr-FR"/>
               <a:t>Modifiez les styles du texte du masque</a:t>
             </a:r>
           </a:p>
           <a:p>
             <a:pPr lvl="1"/>
             <a:r>
-              <a:rPr lang="fr-FR" smtClean="0"/>
+              <a:rPr lang="fr-FR"/>
               <a:t>Deuxième niveau</a:t>
             </a:r>
           </a:p>
           <a:p>
             <a:pPr lvl="2"/>
             <a:r>
-              <a:rPr lang="fr-FR" smtClean="0"/>
+              <a:rPr lang="fr-FR"/>
               <a:t>Troisième niveau</a:t>
             </a:r>
           </a:p>
           <a:p>
             <a:pPr lvl="3"/>
             <a:r>
-              <a:rPr lang="fr-FR" smtClean="0"/>
+              <a:rPr lang="fr-FR"/>
               <a:t>Quatrième niveau</a:t>
             </a:r>
           </a:p>
           <a:p>
             <a:pPr lvl="4"/>
             <a:r>
-              <a:rPr lang="fr-FR" smtClean="0"/>
+              <a:rPr lang="fr-FR"/>
               <a:t>Cinquième niveau</a:t>
             </a:r>
-            <a:endParaRPr lang="fr-FR"/>
           </a:p>
         </p:txBody>
       </p:sp>
@@ -1346,7 +1354,7 @@
           <a:p>
             <a:fld id="{464C9B00-38DF-4FFE-95F9-F19C9239BACB}" type="datetimeFigureOut">
               <a:rPr lang="fr-FR" smtClean="0"/>
-              <a:t>24/10/2014</a:t>
+              <a:t>16/09/2023</a:t>
             </a:fld>
             <a:endParaRPr lang="fr-FR"/>
           </a:p>
@@ -1449,10 +1457,9 @@
           </a:lstStyle>
           <a:p>
             <a:r>
-              <a:rPr lang="fr-FR" smtClean="0"/>
+              <a:rPr lang="fr-FR"/>
               <a:t>Modifiez le style du titre</a:t>
             </a:r>
-            <a:endParaRPr lang="fr-FR"/>
           </a:p>
         </p:txBody>
       </p:sp>
@@ -1515,7 +1522,7 @@
           <a:p>
             <a:pPr lvl="0"/>
             <a:r>
-              <a:rPr lang="fr-FR" smtClean="0"/>
+              <a:rPr lang="fr-FR"/>
               <a:t>Modifiez les styles du texte du masque</a:t>
             </a:r>
           </a:p>
@@ -1571,38 +1578,37 @@
           <a:p>
             <a:pPr lvl="0"/>
             <a:r>
-              <a:rPr lang="fr-FR" smtClean="0"/>
+              <a:rPr lang="fr-FR"/>
               <a:t>Modifiez les styles du texte du masque</a:t>
             </a:r>
           </a:p>
           <a:p>
             <a:pPr lvl="1"/>
             <a:r>
-              <a:rPr lang="fr-FR" smtClean="0"/>
+              <a:rPr lang="fr-FR"/>
               <a:t>Deuxième niveau</a:t>
             </a:r>
           </a:p>
           <a:p>
             <a:pPr lvl="2"/>
             <a:r>
-              <a:rPr lang="fr-FR" smtClean="0"/>
+              <a:rPr lang="fr-FR"/>
               <a:t>Troisième niveau</a:t>
             </a:r>
           </a:p>
           <a:p>
             <a:pPr lvl="3"/>
             <a:r>
-              <a:rPr lang="fr-FR" smtClean="0"/>
+              <a:rPr lang="fr-FR"/>
               <a:t>Quatrième niveau</a:t>
             </a:r>
           </a:p>
           <a:p>
             <a:pPr lvl="4"/>
             <a:r>
-              <a:rPr lang="fr-FR" smtClean="0"/>
+              <a:rPr lang="fr-FR"/>
               <a:t>Cinquième niveau</a:t>
             </a:r>
-            <a:endParaRPr lang="fr-FR"/>
           </a:p>
         </p:txBody>
       </p:sp>
@@ -1665,7 +1671,7 @@
           <a:p>
             <a:pPr lvl="0"/>
             <a:r>
-              <a:rPr lang="fr-FR" smtClean="0"/>
+              <a:rPr lang="fr-FR"/>
               <a:t>Modifiez les styles du texte du masque</a:t>
             </a:r>
           </a:p>
@@ -1721,38 +1727,37 @@
           <a:p>
             <a:pPr lvl="0"/>
             <a:r>
-              <a:rPr lang="fr-FR" smtClean="0"/>
+              <a:rPr lang="fr-FR"/>
               <a:t>Modifiez les styles du texte du masque</a:t>
             </a:r>
           </a:p>
           <a:p>
             <a:pPr lvl="1"/>
             <a:r>
-              <a:rPr lang="fr-FR" smtClean="0"/>
+              <a:rPr lang="fr-FR"/>
               <a:t>Deuxième niveau</a:t>
             </a:r>
           </a:p>
           <a:p>
             <a:pPr lvl="2"/>
             <a:r>
-              <a:rPr lang="fr-FR" smtClean="0"/>
+              <a:rPr lang="fr-FR"/>
               <a:t>Troisième niveau</a:t>
             </a:r>
           </a:p>
           <a:p>
             <a:pPr lvl="3"/>
             <a:r>
-              <a:rPr lang="fr-FR" smtClean="0"/>
+              <a:rPr lang="fr-FR"/>
               <a:t>Quatrième niveau</a:t>
             </a:r>
           </a:p>
           <a:p>
             <a:pPr lvl="4"/>
             <a:r>
-              <a:rPr lang="fr-FR" smtClean="0"/>
+              <a:rPr lang="fr-FR"/>
               <a:t>Cinquième niveau</a:t>
             </a:r>
-            <a:endParaRPr lang="fr-FR"/>
           </a:p>
         </p:txBody>
       </p:sp>
@@ -1773,7 +1778,7 @@
           <a:p>
             <a:fld id="{464C9B00-38DF-4FFE-95F9-F19C9239BACB}" type="datetimeFigureOut">
               <a:rPr lang="fr-FR" smtClean="0"/>
-              <a:t>24/10/2014</a:t>
+              <a:t>16/09/2023</a:t>
             </a:fld>
             <a:endParaRPr lang="fr-FR"/>
           </a:p>
@@ -1867,10 +1872,9 @@
           <a:lstStyle/>
           <a:p>
             <a:r>
-              <a:rPr lang="fr-FR" smtClean="0"/>
+              <a:rPr lang="fr-FR"/>
               <a:t>Modifiez le style du titre</a:t>
             </a:r>
-            <a:endParaRPr lang="fr-FR"/>
           </a:p>
         </p:txBody>
       </p:sp>
@@ -1891,7 +1895,7 @@
           <a:p>
             <a:fld id="{464C9B00-38DF-4FFE-95F9-F19C9239BACB}" type="datetimeFigureOut">
               <a:rPr lang="fr-FR" smtClean="0"/>
-              <a:t>24/10/2014</a:t>
+              <a:t>16/09/2023</a:t>
             </a:fld>
             <a:endParaRPr lang="fr-FR"/>
           </a:p>
@@ -1986,7 +1990,7 @@
           <a:p>
             <a:fld id="{464C9B00-38DF-4FFE-95F9-F19C9239BACB}" type="datetimeFigureOut">
               <a:rPr lang="fr-FR" smtClean="0"/>
-              <a:t>24/10/2014</a:t>
+              <a:t>16/09/2023</a:t>
             </a:fld>
             <a:endParaRPr lang="fr-FR"/>
           </a:p>
@@ -2089,10 +2093,9 @@
           </a:lstStyle>
           <a:p>
             <a:r>
-              <a:rPr lang="fr-FR" smtClean="0"/>
+              <a:rPr lang="fr-FR"/>
               <a:t>Modifiez le style du titre</a:t>
             </a:r>
-            <a:endParaRPr lang="fr-FR"/>
           </a:p>
         </p:txBody>
       </p:sp>
@@ -2146,38 +2149,37 @@
           <a:p>
             <a:pPr lvl="0"/>
             <a:r>
-              <a:rPr lang="fr-FR" smtClean="0"/>
+              <a:rPr lang="fr-FR"/>
               <a:t>Modifiez les styles du texte du masque</a:t>
             </a:r>
           </a:p>
           <a:p>
             <a:pPr lvl="1"/>
             <a:r>
-              <a:rPr lang="fr-FR" smtClean="0"/>
+              <a:rPr lang="fr-FR"/>
               <a:t>Deuxième niveau</a:t>
             </a:r>
           </a:p>
           <a:p>
             <a:pPr lvl="2"/>
             <a:r>
-              <a:rPr lang="fr-FR" smtClean="0"/>
+              <a:rPr lang="fr-FR"/>
               <a:t>Troisième niveau</a:t>
             </a:r>
           </a:p>
           <a:p>
             <a:pPr lvl="3"/>
             <a:r>
-              <a:rPr lang="fr-FR" smtClean="0"/>
+              <a:rPr lang="fr-FR"/>
               <a:t>Quatrième niveau</a:t>
             </a:r>
           </a:p>
           <a:p>
             <a:pPr lvl="4"/>
             <a:r>
-              <a:rPr lang="fr-FR" smtClean="0"/>
+              <a:rPr lang="fr-FR"/>
               <a:t>Cinquième niveau</a:t>
             </a:r>
-            <a:endParaRPr lang="fr-FR"/>
           </a:p>
         </p:txBody>
       </p:sp>
@@ -2240,7 +2242,7 @@
           <a:p>
             <a:pPr lvl="0"/>
             <a:r>
-              <a:rPr lang="fr-FR" smtClean="0"/>
+              <a:rPr lang="fr-FR"/>
               <a:t>Modifiez les styles du texte du masque</a:t>
             </a:r>
           </a:p>
@@ -2263,7 +2265,7 @@
           <a:p>
             <a:fld id="{464C9B00-38DF-4FFE-95F9-F19C9239BACB}" type="datetimeFigureOut">
               <a:rPr lang="fr-FR" smtClean="0"/>
-              <a:t>24/10/2014</a:t>
+              <a:t>16/09/2023</a:t>
             </a:fld>
             <a:endParaRPr lang="fr-FR"/>
           </a:p>
@@ -2366,10 +2368,9 @@
           </a:lstStyle>
           <a:p>
             <a:r>
-              <a:rPr lang="fr-FR" smtClean="0"/>
+              <a:rPr lang="fr-FR"/>
               <a:t>Modifiez le style du titre</a:t>
             </a:r>
-            <a:endParaRPr lang="fr-FR"/>
           </a:p>
         </p:txBody>
       </p:sp>
@@ -2493,7 +2494,7 @@
           <a:p>
             <a:pPr lvl="0"/>
             <a:r>
-              <a:rPr lang="fr-FR" smtClean="0"/>
+              <a:rPr lang="fr-FR"/>
               <a:t>Modifiez les styles du texte du masque</a:t>
             </a:r>
           </a:p>
@@ -2516,7 +2517,7 @@
           <a:p>
             <a:fld id="{464C9B00-38DF-4FFE-95F9-F19C9239BACB}" type="datetimeFigureOut">
               <a:rPr lang="fr-FR" smtClean="0"/>
-              <a:t>24/10/2014</a:t>
+              <a:t>16/09/2023</a:t>
             </a:fld>
             <a:endParaRPr lang="fr-FR"/>
           </a:p>
@@ -2625,10 +2626,9 @@
           <a:lstStyle/>
           <a:p>
             <a:r>
-              <a:rPr lang="fr-FR" smtClean="0"/>
+              <a:rPr lang="fr-FR"/>
               <a:t>Modifiez le style du titre</a:t>
             </a:r>
-            <a:endParaRPr lang="fr-FR"/>
           </a:p>
         </p:txBody>
       </p:sp>
@@ -2659,38 +2659,37 @@
           <a:p>
             <a:pPr lvl="0"/>
             <a:r>
-              <a:rPr lang="fr-FR" smtClean="0"/>
+              <a:rPr lang="fr-FR"/>
               <a:t>Modifiez les styles du texte du masque</a:t>
             </a:r>
           </a:p>
           <a:p>
             <a:pPr lvl="1"/>
             <a:r>
-              <a:rPr lang="fr-FR" smtClean="0"/>
+              <a:rPr lang="fr-FR"/>
               <a:t>Deuxième niveau</a:t>
             </a:r>
           </a:p>
           <a:p>
             <a:pPr lvl="2"/>
             <a:r>
-              <a:rPr lang="fr-FR" smtClean="0"/>
+              <a:rPr lang="fr-FR"/>
               <a:t>Troisième niveau</a:t>
             </a:r>
           </a:p>
           <a:p>
             <a:pPr lvl="3"/>
             <a:r>
-              <a:rPr lang="fr-FR" smtClean="0"/>
+              <a:rPr lang="fr-FR"/>
               <a:t>Quatrième niveau</a:t>
             </a:r>
           </a:p>
           <a:p>
             <a:pPr lvl="4"/>
             <a:r>
-              <a:rPr lang="fr-FR" smtClean="0"/>
+              <a:rPr lang="fr-FR"/>
               <a:t>Cinquième niveau</a:t>
             </a:r>
-            <a:endParaRPr lang="fr-FR"/>
           </a:p>
         </p:txBody>
       </p:sp>
@@ -2729,7 +2728,7 @@
           <a:p>
             <a:fld id="{464C9B00-38DF-4FFE-95F9-F19C9239BACB}" type="datetimeFigureOut">
               <a:rPr lang="fr-FR" smtClean="0"/>
-              <a:t>24/10/2014</a:t>
+              <a:t>16/09/2023</a:t>
             </a:fld>
             <a:endParaRPr lang="fr-FR"/>
           </a:p>
@@ -3127,7 +3126,7 @@
           <a:lstStyle/>
           <a:p>
             <a:r>
-              <a:rPr lang="fr-FR" sz="4800" b="1" dirty="0" smtClean="0">
+              <a:rPr lang="fr-FR" sz="4800" b="1" dirty="0">
                 <a:effectLst>
                   <a:outerShdw blurRad="38100" dist="38100" dir="2700000" algn="tl">
                     <a:srgbClr val="000000">
@@ -3137,18 +3136,6 @@
                 </a:effectLst>
               </a:rPr>
               <a:t> FFPM 377</a:t>
-            </a:r>
-            <a:r>
-              <a:rPr lang="fr-FR" sz="4800" b="1" dirty="0">
-                <a:effectLst>
-                  <a:outerShdw blurRad="38100" dist="38100" dir="2700000" algn="tl">
-                    <a:srgbClr val="000000">
-                      <a:alpha val="43137"/>
-                    </a:srgbClr>
-                  </a:outerShdw>
-                </a:effectLst>
-              </a:rPr>
-              <a:t/>
             </a:r>
             <a:br>
               <a:rPr lang="fr-FR" sz="4800" b="1" dirty="0">
@@ -3162,7 +3149,7 @@
               </a:rPr>
             </a:br>
             <a:r>
-              <a:rPr lang="fr-FR" sz="4800" b="1" dirty="0" err="1" smtClean="0">
+              <a:rPr lang="fr-FR" sz="4800" b="1" dirty="0" err="1">
                 <a:effectLst>
                   <a:outerShdw blurRad="38100" dist="38100" dir="2700000" algn="tl">
                     <a:srgbClr val="000000">
@@ -3174,19 +3161,19 @@
               <a:t>Tsy</a:t>
             </a:r>
             <a:r>
-              <a:rPr lang="fr-FR" sz="4800" b="1" dirty="0" smtClean="0">
-                <a:effectLst>
-                  <a:outerShdw blurRad="38100" dist="38100" dir="2700000" algn="tl">
-                    <a:srgbClr val="000000">
-                      <a:alpha val="43137"/>
-                    </a:srgbClr>
-                  </a:outerShdw>
-                </a:effectLst>
-              </a:rPr>
-              <a:t> </a:t>
-            </a:r>
-            <a:r>
-              <a:rPr lang="fr-FR" sz="4800" b="1" dirty="0" err="1" smtClean="0">
+              <a:rPr lang="fr-FR" sz="4800" b="1" dirty="0">
+                <a:effectLst>
+                  <a:outerShdw blurRad="38100" dist="38100" dir="2700000" algn="tl">
+                    <a:srgbClr val="000000">
+                      <a:alpha val="43137"/>
+                    </a:srgbClr>
+                  </a:outerShdw>
+                </a:effectLst>
+              </a:rPr>
+              <a:t> </a:t>
+            </a:r>
+            <a:r>
+              <a:rPr lang="fr-FR" sz="4800" b="1" dirty="0" err="1">
                 <a:effectLst>
                   <a:outerShdw blurRad="38100" dist="38100" dir="2700000" algn="tl">
                     <a:srgbClr val="000000">
@@ -3198,19 +3185,19 @@
               <a:t>mba</a:t>
             </a:r>
             <a:r>
-              <a:rPr lang="fr-FR" sz="4800" b="1" dirty="0" smtClean="0">
-                <a:effectLst>
-                  <a:outerShdw blurRad="38100" dist="38100" dir="2700000" algn="tl">
-                    <a:srgbClr val="000000">
-                      <a:alpha val="43137"/>
-                    </a:srgbClr>
-                  </a:outerShdw>
-                </a:effectLst>
-              </a:rPr>
-              <a:t> </a:t>
-            </a:r>
-            <a:r>
-              <a:rPr lang="fr-FR" sz="4800" b="1" dirty="0" err="1" smtClean="0">
+              <a:rPr lang="fr-FR" sz="4800" b="1" dirty="0">
+                <a:effectLst>
+                  <a:outerShdw blurRad="38100" dist="38100" dir="2700000" algn="tl">
+                    <a:srgbClr val="000000">
+                      <a:alpha val="43137"/>
+                    </a:srgbClr>
+                  </a:outerShdw>
+                </a:effectLst>
+              </a:rPr>
+              <a:t> </a:t>
+            </a:r>
+            <a:r>
+              <a:rPr lang="fr-FR" sz="4800" b="1" dirty="0" err="1">
                 <a:effectLst>
                   <a:outerShdw blurRad="38100" dist="38100" dir="2700000" algn="tl">
                     <a:srgbClr val="000000">
@@ -3222,19 +3209,19 @@
               <a:t>hisy</a:t>
             </a:r>
             <a:r>
-              <a:rPr lang="fr-FR" sz="4800" b="1" dirty="0" smtClean="0">
-                <a:effectLst>
-                  <a:outerShdw blurRad="38100" dist="38100" dir="2700000" algn="tl">
-                    <a:srgbClr val="000000">
-                      <a:alpha val="43137"/>
-                    </a:srgbClr>
-                  </a:outerShdw>
-                </a:effectLst>
-              </a:rPr>
-              <a:t> </a:t>
-            </a:r>
-            <a:r>
-              <a:rPr lang="fr-FR" sz="4800" b="1" dirty="0" err="1" smtClean="0">
+              <a:rPr lang="fr-FR" sz="4800" b="1" dirty="0">
+                <a:effectLst>
+                  <a:outerShdw blurRad="38100" dist="38100" dir="2700000" algn="tl">
+                    <a:srgbClr val="000000">
+                      <a:alpha val="43137"/>
+                    </a:srgbClr>
+                  </a:outerShdw>
+                </a:effectLst>
+              </a:rPr>
+              <a:t> </a:t>
+            </a:r>
+            <a:r>
+              <a:rPr lang="fr-FR" sz="4800" b="1" dirty="0" err="1">
                 <a:effectLst>
                   <a:outerShdw blurRad="38100" dist="38100" dir="2700000" algn="tl">
                     <a:srgbClr val="000000">
@@ -3246,19 +3233,19 @@
               <a:t>tonga</a:t>
             </a:r>
             <a:r>
-              <a:rPr lang="fr-FR" sz="4800" b="1" dirty="0" smtClean="0">
-                <a:effectLst>
-                  <a:outerShdw blurRad="38100" dist="38100" dir="2700000" algn="tl">
-                    <a:srgbClr val="000000">
-                      <a:alpha val="43137"/>
-                    </a:srgbClr>
-                  </a:outerShdw>
-                </a:effectLst>
-              </a:rPr>
-              <a:t> </a:t>
-            </a:r>
-            <a:r>
-              <a:rPr lang="fr-FR" sz="4800" b="1" dirty="0" err="1" smtClean="0">
+              <a:rPr lang="fr-FR" sz="4800" b="1" dirty="0">
+                <a:effectLst>
+                  <a:outerShdw blurRad="38100" dist="38100" dir="2700000" algn="tl">
+                    <a:srgbClr val="000000">
+                      <a:alpha val="43137"/>
+                    </a:srgbClr>
+                  </a:outerShdw>
+                </a:effectLst>
+              </a:rPr>
+              <a:t> </a:t>
+            </a:r>
+            <a:r>
+              <a:rPr lang="fr-FR" sz="4800" b="1" dirty="0" err="1">
                 <a:effectLst>
                   <a:outerShdw blurRad="38100" dist="38100" dir="2700000" algn="tl">
                     <a:srgbClr val="000000">
@@ -3270,7 +3257,7 @@
               <a:t>arý</a:t>
             </a:r>
             <a:r>
-              <a:rPr lang="fr-FR" sz="4800" b="1" dirty="0" smtClean="0">
+              <a:rPr lang="fr-FR" sz="4800" b="1" dirty="0">
                 <a:effectLst>
                   <a:outerShdw blurRad="38100" dist="38100" dir="2700000" algn="tl">
                     <a:srgbClr val="000000">
@@ -3282,7 +3269,7 @@
               <a:t> an-</a:t>
             </a:r>
             <a:r>
-              <a:rPr lang="fr-FR" sz="4800" b="1" dirty="0" err="1" smtClean="0">
+              <a:rPr lang="fr-FR" sz="4800" b="1" dirty="0" err="1">
                 <a:effectLst>
                   <a:outerShdw blurRad="38100" dist="38100" dir="2700000" algn="tl">
                     <a:srgbClr val="000000">
@@ -3353,24 +3340,48 @@
         </p:spPr>
         <p:txBody>
           <a:bodyPr>
-            <a:normAutofit fontScale="90000"/>
+            <a:normAutofit/>
           </a:bodyPr>
           <a:lstStyle/>
           <a:p>
             <a:r>
-              <a:rPr lang="fr-FR" b="1" dirty="0" smtClean="0">
-                <a:effectLst>
-                  <a:outerShdw blurRad="38100" dist="38100" dir="2700000" algn="tl">
-                    <a:srgbClr val="000000">
-                      <a:alpha val="43137"/>
-                    </a:srgbClr>
-                  </a:outerShdw>
-                </a:effectLst>
-              </a:rPr>
-              <a:t>1.Tsy </a:t>
-            </a:r>
-            <a:r>
-              <a:rPr lang="fr-FR" b="1" dirty="0" err="1" smtClean="0">
+              <a:rPr lang="fr-FR" sz="5400" b="1" dirty="0">
+                <a:effectLst>
+                  <a:outerShdw blurRad="38100" dist="38100" dir="2700000" algn="tl">
+                    <a:srgbClr val="000000">
+                      <a:alpha val="43137"/>
+                    </a:srgbClr>
+                  </a:outerShdw>
+                </a:effectLst>
+              </a:rPr>
+              <a:t>1. </a:t>
+            </a:r>
+            <a:r>
+              <a:rPr lang="fr-FR" sz="5400" b="1" dirty="0" err="1">
+                <a:effectLst>
+                  <a:outerShdw blurRad="38100" dist="38100" dir="2700000" algn="tl">
+                    <a:srgbClr val="000000">
+                      <a:alpha val="43137"/>
+                    </a:srgbClr>
+                  </a:outerShdw>
+                </a:effectLst>
+              </a:rPr>
+              <a:t>Tsy</a:t>
+            </a:r>
+            <a:r>
+              <a:rPr lang="fr-FR" sz="5400" b="1" dirty="0">
+                <a:effectLst>
+                  <a:outerShdw blurRad="38100" dist="38100" dir="2700000" algn="tl">
+                    <a:srgbClr val="000000">
+                      <a:alpha val="43137"/>
+                    </a:srgbClr>
+                  </a:outerShdw>
+                </a:effectLst>
+              </a:rPr>
+              <a:t> </a:t>
+            </a:r>
+            <a:r>
+              <a:rPr lang="fr-FR" sz="5400" b="1" dirty="0" err="1">
                 <a:effectLst>
                   <a:outerShdw blurRad="38100" dist="38100" dir="2700000" algn="tl">
                     <a:srgbClr val="000000">
@@ -3382,19 +3393,19 @@
               <a:t>mba</a:t>
             </a:r>
             <a:r>
-              <a:rPr lang="fr-FR" b="1" dirty="0" smtClean="0">
-                <a:effectLst>
-                  <a:outerShdw blurRad="38100" dist="38100" dir="2700000" algn="tl">
-                    <a:srgbClr val="000000">
-                      <a:alpha val="43137"/>
-                    </a:srgbClr>
-                  </a:outerShdw>
-                </a:effectLst>
-              </a:rPr>
-              <a:t> </a:t>
-            </a:r>
-            <a:r>
-              <a:rPr lang="fr-FR" b="1" dirty="0" err="1" smtClean="0">
+              <a:rPr lang="fr-FR" sz="5400" b="1" dirty="0">
+                <a:effectLst>
+                  <a:outerShdw blurRad="38100" dist="38100" dir="2700000" algn="tl">
+                    <a:srgbClr val="000000">
+                      <a:alpha val="43137"/>
+                    </a:srgbClr>
+                  </a:outerShdw>
+                </a:effectLst>
+              </a:rPr>
+              <a:t> </a:t>
+            </a:r>
+            <a:r>
+              <a:rPr lang="fr-FR" sz="5400" b="1" dirty="0" err="1">
                 <a:effectLst>
                   <a:outerShdw blurRad="38100" dist="38100" dir="2700000" algn="tl">
                     <a:srgbClr val="000000">
@@ -3406,43 +3417,19 @@
               <a:t>hisy</a:t>
             </a:r>
             <a:r>
-              <a:rPr lang="fr-FR" b="1" dirty="0" smtClean="0">
-                <a:effectLst>
-                  <a:outerShdw blurRad="38100" dist="38100" dir="2700000" algn="tl">
-                    <a:srgbClr val="000000">
-                      <a:alpha val="43137"/>
-                    </a:srgbClr>
-                  </a:outerShdw>
-                </a:effectLst>
-              </a:rPr>
-              <a:t> </a:t>
-            </a:r>
-            <a:r>
-              <a:rPr lang="fr-FR" b="1" dirty="0" err="1" smtClean="0">
-                <a:effectLst>
-                  <a:outerShdw blurRad="38100" dist="38100" dir="2700000" algn="tl">
-                    <a:srgbClr val="000000">
-                      <a:alpha val="43137"/>
-                    </a:srgbClr>
-                  </a:outerShdw>
-                </a:effectLst>
-              </a:rPr>
-              <a:t>tonga</a:t>
-            </a:r>
-            <a:r>
-              <a:rPr lang="fr-FR" b="1" dirty="0" smtClean="0">
-                <a:effectLst>
-                  <a:outerShdw blurRad="38100" dist="38100" dir="2700000" algn="tl">
-                    <a:srgbClr val="000000">
-                      <a:alpha val="43137"/>
-                    </a:srgbClr>
-                  </a:outerShdw>
-                </a:effectLst>
-              </a:rPr>
-              <a:t> </a:t>
-            </a:r>
-            <a:r>
-              <a:rPr lang="fr-FR" b="1" dirty="0" err="1" smtClean="0">
+              <a:rPr lang="fr-FR" sz="5400" b="1" dirty="0">
+                <a:effectLst>
+                  <a:outerShdw blurRad="38100" dist="38100" dir="2700000" algn="tl">
+                    <a:srgbClr val="000000">
+                      <a:alpha val="43137"/>
+                    </a:srgbClr>
+                  </a:outerShdw>
+                </a:effectLst>
+              </a:rPr>
+              <a:t> tonga </a:t>
+            </a:r>
+            <a:r>
+              <a:rPr lang="fr-FR" sz="5400" b="1" dirty="0" err="1">
                 <a:effectLst>
                   <a:outerShdw blurRad="38100" dist="38100" dir="2700000" algn="tl">
                     <a:srgbClr val="000000">
@@ -3454,31 +3441,19 @@
               <a:t>arý</a:t>
             </a:r>
             <a:r>
-              <a:rPr lang="fr-FR" b="1" dirty="0">
-                <a:effectLst>
-                  <a:outerShdw blurRad="38100" dist="38100" dir="2700000" algn="tl">
-                    <a:srgbClr val="000000">
-                      <a:alpha val="43137"/>
-                    </a:srgbClr>
-                  </a:outerShdw>
-                </a:effectLst>
-              </a:rPr>
-              <a:t> </a:t>
-            </a:r>
-            <a:r>
-              <a:rPr lang="fr-FR" b="1" dirty="0" smtClean="0">
-                <a:effectLst>
-                  <a:outerShdw blurRad="38100" dist="38100" dir="2700000" algn="tl">
-                    <a:srgbClr val="000000">
-                      <a:alpha val="43137"/>
-                    </a:srgbClr>
-                  </a:outerShdw>
-                </a:effectLst>
-              </a:rPr>
-              <a:t>an-</a:t>
-            </a:r>
-            <a:r>
-              <a:rPr lang="fr-FR" b="1" dirty="0" err="1" smtClean="0">
+              <a:rPr lang="fr-FR" sz="5400" b="1" dirty="0">
+                <a:effectLst>
+                  <a:outerShdw blurRad="38100" dist="38100" dir="2700000" algn="tl">
+                    <a:srgbClr val="000000">
+                      <a:alpha val="43137"/>
+                    </a:srgbClr>
+                  </a:outerShdw>
+                </a:effectLst>
+              </a:rPr>
+              <a:t> an-</a:t>
+            </a:r>
+            <a:r>
+              <a:rPr lang="fr-FR" sz="5400" b="1" dirty="0" err="1">
                 <a:effectLst>
                   <a:outerShdw blurRad="38100" dist="38100" dir="2700000" algn="tl">
                     <a:srgbClr val="000000">
@@ -3489,20 +3464,8 @@
               </a:rPr>
               <a:t>danitra</a:t>
             </a:r>
-            <a:r>
-              <a:rPr lang="fr-FR" b="1" dirty="0" smtClean="0">
-                <a:effectLst>
-                  <a:outerShdw blurRad="38100" dist="38100" dir="2700000" algn="tl">
-                    <a:srgbClr val="000000">
-                      <a:alpha val="43137"/>
-                    </a:srgbClr>
-                  </a:outerShdw>
-                </a:effectLst>
-              </a:rPr>
-              <a:t/>
-            </a:r>
             <a:br>
-              <a:rPr lang="fr-FR" b="1" dirty="0" smtClean="0">
+              <a:rPr lang="fr-FR" sz="5400" b="1" dirty="0">
                 <a:effectLst>
                   <a:outerShdw blurRad="38100" dist="38100" dir="2700000" algn="tl">
                     <a:srgbClr val="000000">
@@ -3513,19 +3476,7 @@
               </a:rPr>
             </a:br>
             <a:r>
-              <a:rPr lang="fr-FR" b="1" dirty="0" smtClean="0">
-                <a:effectLst>
-                  <a:outerShdw blurRad="38100" dist="38100" dir="2700000" algn="tl">
-                    <a:srgbClr val="000000">
-                      <a:alpha val="43137"/>
-                    </a:srgbClr>
-                  </a:outerShdw>
-                </a:effectLst>
-              </a:rPr>
-              <a:t>   </a:t>
-            </a:r>
-            <a:r>
-              <a:rPr lang="fr-FR" b="1" dirty="0" err="1" smtClean="0">
+              <a:rPr lang="fr-FR" sz="5400" b="1" dirty="0" err="1">
                 <a:effectLst>
                   <a:outerShdw blurRad="38100" dist="38100" dir="2700000" algn="tl">
                     <a:srgbClr val="000000">
@@ -3537,19 +3488,19 @@
               <a:t>Raha</a:t>
             </a:r>
             <a:r>
-              <a:rPr lang="fr-FR" b="1" dirty="0" smtClean="0">
-                <a:effectLst>
-                  <a:outerShdw blurRad="38100" dist="38100" dir="2700000" algn="tl">
-                    <a:srgbClr val="000000">
-                      <a:alpha val="43137"/>
-                    </a:srgbClr>
-                  </a:outerShdw>
-                </a:effectLst>
-              </a:rPr>
-              <a:t> </a:t>
-            </a:r>
-            <a:r>
-              <a:rPr lang="fr-FR" b="1" dirty="0" err="1" smtClean="0">
+              <a:rPr lang="fr-FR" sz="5400" b="1" dirty="0">
+                <a:effectLst>
+                  <a:outerShdw blurRad="38100" dist="38100" dir="2700000" algn="tl">
+                    <a:srgbClr val="000000">
+                      <a:alpha val="43137"/>
+                    </a:srgbClr>
+                  </a:outerShdw>
+                </a:effectLst>
+              </a:rPr>
+              <a:t> </a:t>
+            </a:r>
+            <a:r>
+              <a:rPr lang="fr-FR" sz="5400" b="1" dirty="0" err="1">
                 <a:effectLst>
                   <a:outerShdw blurRad="38100" dist="38100" dir="2700000" algn="tl">
                     <a:srgbClr val="000000">
@@ -3561,19 +3512,19 @@
               <a:t>tsy</a:t>
             </a:r>
             <a:r>
-              <a:rPr lang="fr-FR" b="1" dirty="0" smtClean="0">
-                <a:effectLst>
-                  <a:outerShdw blurRad="38100" dist="38100" dir="2700000" algn="tl">
-                    <a:srgbClr val="000000">
-                      <a:alpha val="43137"/>
-                    </a:srgbClr>
-                  </a:outerShdw>
-                </a:effectLst>
-              </a:rPr>
-              <a:t> </a:t>
-            </a:r>
-            <a:r>
-              <a:rPr lang="fr-FR" b="1" dirty="0" err="1" smtClean="0">
+              <a:rPr lang="fr-FR" sz="5400" b="1" dirty="0">
+                <a:effectLst>
+                  <a:outerShdw blurRad="38100" dist="38100" dir="2700000" algn="tl">
+                    <a:srgbClr val="000000">
+                      <a:alpha val="43137"/>
+                    </a:srgbClr>
+                  </a:outerShdw>
+                </a:effectLst>
+              </a:rPr>
+              <a:t> </a:t>
+            </a:r>
+            <a:r>
+              <a:rPr lang="fr-FR" sz="5400" b="1" dirty="0" err="1">
                 <a:effectLst>
                   <a:outerShdw blurRad="38100" dist="38100" dir="2700000" algn="tl">
                     <a:srgbClr val="000000">
@@ -3585,19 +3536,19 @@
               <a:t>mandrombaka</a:t>
             </a:r>
             <a:r>
-              <a:rPr lang="fr-FR" b="1" dirty="0">
-                <a:effectLst>
-                  <a:outerShdw blurRad="38100" dist="38100" dir="2700000" algn="tl">
-                    <a:srgbClr val="000000">
-                      <a:alpha val="43137"/>
-                    </a:srgbClr>
-                  </a:outerShdw>
-                </a:effectLst>
-              </a:rPr>
-              <a:t> </a:t>
-            </a:r>
-            <a:r>
-              <a:rPr lang="fr-FR" b="1" dirty="0" err="1" smtClean="0">
+              <a:rPr lang="fr-FR" sz="5400" b="1" dirty="0">
+                <a:effectLst>
+                  <a:outerShdw blurRad="38100" dist="38100" dir="2700000" algn="tl">
+                    <a:srgbClr val="000000">
+                      <a:alpha val="43137"/>
+                    </a:srgbClr>
+                  </a:outerShdw>
+                </a:effectLst>
+              </a:rPr>
+              <a:t> </a:t>
+            </a:r>
+            <a:r>
+              <a:rPr lang="fr-FR" sz="5400" b="1" dirty="0" err="1">
                 <a:effectLst>
                   <a:outerShdw blurRad="38100" dist="38100" dir="2700000" algn="tl">
                     <a:srgbClr val="000000">
@@ -3609,7 +3560,7 @@
               <a:t>tokoa</a:t>
             </a:r>
             <a:r>
-              <a:rPr lang="fr-FR" b="1" dirty="0" smtClean="0">
+              <a:rPr lang="fr-FR" sz="5400" b="1" dirty="0">
                 <a:effectLst>
                   <a:outerShdw blurRad="38100" dist="38100" dir="2700000" algn="tl">
                     <a:srgbClr val="000000">
@@ -3621,7 +3572,7 @@
               <a:t> ;</a:t>
             </a:r>
             <a:br>
-              <a:rPr lang="fr-FR" b="1" dirty="0" smtClean="0">
+              <a:rPr lang="fr-FR" sz="5400" b="1" dirty="0">
                 <a:effectLst>
                   <a:outerShdw blurRad="38100" dist="38100" dir="2700000" algn="tl">
                     <a:srgbClr val="000000">
@@ -3632,43 +3583,19 @@
               </a:rPr>
             </a:br>
             <a:r>
-              <a:rPr lang="fr-FR" b="1" dirty="0" smtClean="0">
-                <a:effectLst>
-                  <a:outerShdw blurRad="38100" dist="38100" dir="2700000" algn="tl">
-                    <a:srgbClr val="000000">
-                      <a:alpha val="43137"/>
-                    </a:srgbClr>
-                  </a:outerShdw>
-                </a:effectLst>
-              </a:rPr>
-              <a:t>   </a:t>
-            </a:r>
-            <a:r>
-              <a:rPr lang="fr-FR" b="1" dirty="0" err="1" smtClean="0">
-                <a:effectLst>
-                  <a:outerShdw blurRad="38100" dist="38100" dir="2700000" algn="tl">
-                    <a:srgbClr val="000000">
-                      <a:alpha val="43137"/>
-                    </a:srgbClr>
-                  </a:outerShdw>
-                </a:effectLst>
-              </a:rPr>
-              <a:t>Ny</a:t>
-            </a:r>
-            <a:r>
-              <a:rPr lang="fr-FR" b="1" dirty="0" smtClean="0">
-                <a:effectLst>
-                  <a:outerShdw blurRad="38100" dist="38100" dir="2700000" algn="tl">
-                    <a:srgbClr val="000000">
-                      <a:alpha val="43137"/>
-                    </a:srgbClr>
-                  </a:outerShdw>
-                </a:effectLst>
-              </a:rPr>
-              <a:t> </a:t>
-            </a:r>
-            <a:r>
-              <a:rPr lang="fr-FR" b="1" dirty="0" err="1" smtClean="0">
+              <a:rPr lang="fr-FR" sz="5400" b="1" dirty="0">
+                <a:effectLst>
+                  <a:outerShdw blurRad="38100" dist="38100" dir="2700000" algn="tl">
+                    <a:srgbClr val="000000">
+                      <a:alpha val="43137"/>
+                    </a:srgbClr>
+                  </a:outerShdw>
+                </a:effectLst>
+              </a:rPr>
+              <a:t>Ny </a:t>
+            </a:r>
+            <a:r>
+              <a:rPr lang="fr-FR" sz="5400" b="1" dirty="0" err="1">
                 <a:effectLst>
                   <a:outerShdw blurRad="38100" dist="38100" dir="2700000" algn="tl">
                     <a:srgbClr val="000000">
@@ -3680,19 +3607,19 @@
               <a:t>mpiady</a:t>
             </a:r>
             <a:r>
-              <a:rPr lang="fr-FR" b="1" dirty="0" smtClean="0">
-                <a:effectLst>
-                  <a:outerShdw blurRad="38100" dist="38100" dir="2700000" algn="tl">
-                    <a:srgbClr val="000000">
-                      <a:alpha val="43137"/>
-                    </a:srgbClr>
-                  </a:outerShdw>
-                </a:effectLst>
-              </a:rPr>
-              <a:t> </a:t>
-            </a:r>
-            <a:r>
-              <a:rPr lang="fr-FR" b="1" dirty="0" err="1" smtClean="0">
+              <a:rPr lang="fr-FR" sz="5400" b="1" dirty="0">
+                <a:effectLst>
+                  <a:outerShdw blurRad="38100" dist="38100" dir="2700000" algn="tl">
+                    <a:srgbClr val="000000">
+                      <a:alpha val="43137"/>
+                    </a:srgbClr>
+                  </a:outerShdw>
+                </a:effectLst>
+              </a:rPr>
+              <a:t> </a:t>
+            </a:r>
+            <a:r>
+              <a:rPr lang="fr-FR" sz="5400" b="1" dirty="0" err="1">
                 <a:effectLst>
                   <a:outerShdw blurRad="38100" dist="38100" dir="2700000" algn="tl">
                     <a:srgbClr val="000000">
@@ -3704,19 +3631,19 @@
               <a:t>tsara</a:t>
             </a:r>
             <a:r>
-              <a:rPr lang="fr-FR" b="1" dirty="0" smtClean="0">
-                <a:effectLst>
-                  <a:outerShdw blurRad="38100" dist="38100" dir="2700000" algn="tl">
-                    <a:srgbClr val="000000">
-                      <a:alpha val="43137"/>
-                    </a:srgbClr>
-                  </a:outerShdw>
-                </a:effectLst>
-              </a:rPr>
-              <a:t> </a:t>
-            </a:r>
-            <a:r>
-              <a:rPr lang="fr-FR" b="1" dirty="0" err="1" smtClean="0">
+              <a:rPr lang="fr-FR" sz="5400" b="1" dirty="0">
+                <a:effectLst>
+                  <a:outerShdw blurRad="38100" dist="38100" dir="2700000" algn="tl">
+                    <a:srgbClr val="000000">
+                      <a:alpha val="43137"/>
+                    </a:srgbClr>
+                  </a:outerShdw>
+                </a:effectLst>
+              </a:rPr>
+              <a:t> </a:t>
+            </a:r>
+            <a:r>
+              <a:rPr lang="fr-FR" sz="5400" b="1" dirty="0" err="1">
                 <a:effectLst>
                   <a:outerShdw blurRad="38100" dist="38100" dir="2700000" algn="tl">
                     <a:srgbClr val="000000">
@@ -3728,19 +3655,19 @@
               <a:t>izay</a:t>
             </a:r>
             <a:r>
-              <a:rPr lang="fr-FR" b="1" dirty="0" smtClean="0">
-                <a:effectLst>
-                  <a:outerShdw blurRad="38100" dist="38100" dir="2700000" algn="tl">
-                    <a:srgbClr val="000000">
-                      <a:alpha val="43137"/>
-                    </a:srgbClr>
-                  </a:outerShdw>
-                </a:effectLst>
-              </a:rPr>
-              <a:t> </a:t>
-            </a:r>
-            <a:r>
-              <a:rPr lang="fr-FR" b="1" dirty="0" err="1" smtClean="0">
+              <a:rPr lang="fr-FR" sz="5400" b="1" dirty="0">
+                <a:effectLst>
+                  <a:outerShdw blurRad="38100" dist="38100" dir="2700000" algn="tl">
+                    <a:srgbClr val="000000">
+                      <a:alpha val="43137"/>
+                    </a:srgbClr>
+                  </a:outerShdw>
+                </a:effectLst>
+              </a:rPr>
+              <a:t> </a:t>
+            </a:r>
+            <a:r>
+              <a:rPr lang="fr-FR" sz="5400" b="1" dirty="0" err="1">
                 <a:effectLst>
                   <a:outerShdw blurRad="38100" dist="38100" dir="2700000" algn="tl">
                     <a:srgbClr val="000000">
@@ -3751,20 +3678,8 @@
               </a:rPr>
               <a:t>maharitra</a:t>
             </a:r>
-            <a:r>
-              <a:rPr lang="fr-FR" b="1" dirty="0" smtClean="0">
-                <a:effectLst>
-                  <a:outerShdw blurRad="38100" dist="38100" dir="2700000" algn="tl">
-                    <a:srgbClr val="000000">
-                      <a:alpha val="43137"/>
-                    </a:srgbClr>
-                  </a:outerShdw>
-                </a:effectLst>
-              </a:rPr>
-              <a:t/>
-            </a:r>
             <a:br>
-              <a:rPr lang="fr-FR" b="1" dirty="0" smtClean="0">
+              <a:rPr lang="fr-FR" sz="5400" b="1" dirty="0">
                 <a:effectLst>
                   <a:outerShdw blurRad="38100" dist="38100" dir="2700000" algn="tl">
                     <a:srgbClr val="000000">
@@ -3775,19 +3690,19 @@
               </a:rPr>
             </a:br>
             <a:r>
-              <a:rPr lang="fr-FR" b="1" dirty="0" smtClean="0">
-                <a:effectLst>
-                  <a:outerShdw blurRad="38100" dist="38100" dir="2700000" algn="tl">
-                    <a:srgbClr val="000000">
-                      <a:alpha val="43137"/>
-                    </a:srgbClr>
-                  </a:outerShdw>
-                </a:effectLst>
-              </a:rPr>
-              <a:t>   No </a:t>
-            </a:r>
-            <a:r>
-              <a:rPr lang="fr-FR" b="1" dirty="0" err="1" smtClean="0">
+              <a:rPr lang="fr-FR" sz="5400" b="1" dirty="0">
+                <a:effectLst>
+                  <a:outerShdw blurRad="38100" dist="38100" dir="2700000" algn="tl">
+                    <a:srgbClr val="000000">
+                      <a:alpha val="43137"/>
+                    </a:srgbClr>
+                  </a:outerShdw>
+                </a:effectLst>
+              </a:rPr>
+              <a:t>No </a:t>
+            </a:r>
+            <a:r>
+              <a:rPr lang="fr-FR" sz="5400" b="1" dirty="0" err="1">
                 <a:effectLst>
                   <a:outerShdw blurRad="38100" dist="38100" dir="2700000" algn="tl">
                     <a:srgbClr val="000000">
@@ -3799,19 +3714,19 @@
               <a:t>handray</a:t>
             </a:r>
             <a:r>
-              <a:rPr lang="fr-FR" b="1" dirty="0" smtClean="0">
-                <a:effectLst>
-                  <a:outerShdw blurRad="38100" dist="38100" dir="2700000" algn="tl">
-                    <a:srgbClr val="000000">
-                      <a:alpha val="43137"/>
-                    </a:srgbClr>
-                  </a:outerShdw>
-                </a:effectLst>
-              </a:rPr>
-              <a:t> </a:t>
-            </a:r>
-            <a:r>
-              <a:rPr lang="fr-FR" b="1" dirty="0" err="1" smtClean="0">
+              <a:rPr lang="fr-FR" sz="5400" b="1" dirty="0">
+                <a:effectLst>
+                  <a:outerShdw blurRad="38100" dist="38100" dir="2700000" algn="tl">
+                    <a:srgbClr val="000000">
+                      <a:alpha val="43137"/>
+                    </a:srgbClr>
+                  </a:outerShdw>
+                </a:effectLst>
+              </a:rPr>
+              <a:t> </a:t>
+            </a:r>
+            <a:r>
+              <a:rPr lang="fr-FR" sz="5400" b="1" dirty="0" err="1">
                 <a:effectLst>
                   <a:outerShdw blurRad="38100" dist="38100" dir="2700000" algn="tl">
                     <a:srgbClr val="000000">
@@ -3823,7 +3738,7 @@
               <a:t>anjara</a:t>
             </a:r>
             <a:r>
-              <a:rPr lang="fr-FR" b="1" dirty="0" smtClean="0">
+              <a:rPr lang="fr-FR" sz="5400" b="1" dirty="0">
                 <a:effectLst>
                   <a:outerShdw blurRad="38100" dist="38100" dir="2700000" algn="tl">
                     <a:srgbClr val="000000">
@@ -3835,7 +3750,7 @@
               <a:t> lova </a:t>
             </a:r>
             <a:r>
-              <a:rPr lang="fr-FR" b="1" dirty="0" err="1" smtClean="0">
+              <a:rPr lang="fr-FR" sz="5400" b="1" dirty="0" err="1">
                 <a:effectLst>
                   <a:outerShdw blurRad="38100" dist="38100" dir="2700000" algn="tl">
                     <a:srgbClr val="000000">
@@ -3847,7 +3762,7 @@
               <a:t>soa</a:t>
             </a:r>
             <a:r>
-              <a:rPr lang="fr-FR" b="1" dirty="0" smtClean="0">
+              <a:rPr lang="fr-FR" sz="5400" b="1" dirty="0">
                 <a:effectLst>
                   <a:outerShdw blurRad="38100" dist="38100" dir="2700000" algn="tl">
                     <a:srgbClr val="000000">
@@ -3858,611 +3773,6 @@
               </a:rPr>
               <a:t>.</a:t>
             </a:r>
-            <a:br>
-              <a:rPr lang="fr-FR" b="1" dirty="0" smtClean="0">
-                <a:effectLst>
-                  <a:outerShdw blurRad="38100" dist="38100" dir="2700000" algn="tl">
-                    <a:srgbClr val="000000">
-                      <a:alpha val="43137"/>
-                    </a:srgbClr>
-                  </a:outerShdw>
-                </a:effectLst>
-              </a:rPr>
-            </a:br>
-            <a:r>
-              <a:rPr lang="fr-FR" b="1" dirty="0" smtClean="0">
-                <a:effectLst>
-                  <a:outerShdw blurRad="38100" dist="38100" dir="2700000" algn="tl">
-                    <a:srgbClr val="000000">
-                      <a:alpha val="43137"/>
-                    </a:srgbClr>
-                  </a:outerShdw>
-                </a:effectLst>
-              </a:rPr>
-              <a:t>   </a:t>
-            </a:r>
-            <a:r>
-              <a:rPr lang="fr-FR" b="1" dirty="0" err="1" smtClean="0">
-                <a:effectLst>
-                  <a:outerShdw blurRad="38100" dist="38100" dir="2700000" algn="tl">
-                    <a:srgbClr val="000000">
-                      <a:alpha val="43137"/>
-                    </a:srgbClr>
-                  </a:outerShdw>
-                </a:effectLst>
-              </a:rPr>
-              <a:t>Ety</a:t>
-            </a:r>
-            <a:r>
-              <a:rPr lang="fr-FR" b="1" dirty="0" smtClean="0">
-                <a:effectLst>
-                  <a:outerShdw blurRad="38100" dist="38100" dir="2700000" algn="tl">
-                    <a:srgbClr val="000000">
-                      <a:alpha val="43137"/>
-                    </a:srgbClr>
-                  </a:outerShdw>
-                </a:effectLst>
-              </a:rPr>
-              <a:t> </a:t>
-            </a:r>
-            <a:r>
-              <a:rPr lang="fr-FR" b="1" dirty="0" err="1" smtClean="0">
-                <a:effectLst>
-                  <a:outerShdw blurRad="38100" dist="38100" dir="2700000" algn="tl">
-                    <a:srgbClr val="000000">
-                      <a:alpha val="43137"/>
-                    </a:srgbClr>
-                  </a:outerShdw>
-                </a:effectLst>
-              </a:rPr>
-              <a:t>sady</a:t>
-            </a:r>
-            <a:r>
-              <a:rPr lang="fr-FR" b="1" dirty="0" smtClean="0">
-                <a:effectLst>
-                  <a:outerShdw blurRad="38100" dist="38100" dir="2700000" algn="tl">
-                    <a:srgbClr val="000000">
-                      <a:alpha val="43137"/>
-                    </a:srgbClr>
-                  </a:outerShdw>
-                </a:effectLst>
-              </a:rPr>
-              <a:t> </a:t>
-            </a:r>
-            <a:r>
-              <a:rPr lang="fr-FR" b="1" dirty="0" err="1" smtClean="0">
-                <a:effectLst>
-                  <a:outerShdw blurRad="38100" dist="38100" dir="2700000" algn="tl">
-                    <a:srgbClr val="000000">
-                      <a:alpha val="43137"/>
-                    </a:srgbClr>
-                  </a:outerShdw>
-                </a:effectLst>
-              </a:rPr>
-              <a:t>tery</a:t>
-            </a:r>
-            <a:r>
-              <a:rPr lang="fr-FR" b="1" dirty="0" smtClean="0">
-                <a:effectLst>
-                  <a:outerShdw blurRad="38100" dist="38100" dir="2700000" algn="tl">
-                    <a:srgbClr val="000000">
-                      <a:alpha val="43137"/>
-                    </a:srgbClr>
-                  </a:outerShdw>
-                </a:effectLst>
-              </a:rPr>
-              <a:t> </a:t>
-            </a:r>
-            <a:r>
-              <a:rPr lang="fr-FR" b="1" dirty="0" err="1" smtClean="0">
-                <a:effectLst>
-                  <a:outerShdw blurRad="38100" dist="38100" dir="2700000" algn="tl">
-                    <a:srgbClr val="000000">
-                      <a:alpha val="43137"/>
-                    </a:srgbClr>
-                  </a:outerShdw>
-                </a:effectLst>
-              </a:rPr>
-              <a:t>ny</a:t>
-            </a:r>
-            <a:r>
-              <a:rPr lang="fr-FR" b="1" dirty="0" smtClean="0">
-                <a:effectLst>
-                  <a:outerShdw blurRad="38100" dist="38100" dir="2700000" algn="tl">
-                    <a:srgbClr val="000000">
-                      <a:alpha val="43137"/>
-                    </a:srgbClr>
-                  </a:outerShdw>
-                </a:effectLst>
-              </a:rPr>
-              <a:t> </a:t>
-            </a:r>
-            <a:r>
-              <a:rPr lang="fr-FR" b="1" dirty="0" err="1" smtClean="0">
-                <a:effectLst>
-                  <a:outerShdw blurRad="38100" dist="38100" dir="2700000" algn="tl">
-                    <a:srgbClr val="000000">
-                      <a:alpha val="43137"/>
-                    </a:srgbClr>
-                  </a:outerShdw>
-                </a:effectLst>
-              </a:rPr>
-              <a:t>vavahady</a:t>
-            </a:r>
-            <a:r>
-              <a:rPr lang="fr-FR" b="1" dirty="0" smtClean="0">
-                <a:effectLst>
-                  <a:outerShdw blurRad="38100" dist="38100" dir="2700000" algn="tl">
-                    <a:srgbClr val="000000">
-                      <a:alpha val="43137"/>
-                    </a:srgbClr>
-                  </a:outerShdw>
-                </a:effectLst>
-              </a:rPr>
-              <a:t> </a:t>
-            </a:r>
-            <a:r>
-              <a:rPr lang="fr-FR" b="1" dirty="0" err="1" smtClean="0">
-                <a:effectLst>
-                  <a:outerShdw blurRad="38100" dist="38100" dir="2700000" algn="tl">
-                    <a:srgbClr val="000000">
-                      <a:alpha val="43137"/>
-                    </a:srgbClr>
-                  </a:outerShdw>
-                </a:effectLst>
-              </a:rPr>
-              <a:t>ao</a:t>
-            </a:r>
-            <a:r>
-              <a:rPr lang="fr-FR" b="1" dirty="0" smtClean="0">
-                <a:effectLst>
-                  <a:outerShdw blurRad="38100" dist="38100" dir="2700000" algn="tl">
-                    <a:srgbClr val="000000">
-                      <a:alpha val="43137"/>
-                    </a:srgbClr>
-                  </a:outerShdw>
-                </a:effectLst>
-              </a:rPr>
-              <a:t>,</a:t>
-            </a:r>
-            <a:br>
-              <a:rPr lang="fr-FR" b="1" dirty="0" smtClean="0">
-                <a:effectLst>
-                  <a:outerShdw blurRad="38100" dist="38100" dir="2700000" algn="tl">
-                    <a:srgbClr val="000000">
-                      <a:alpha val="43137"/>
-                    </a:srgbClr>
-                  </a:outerShdw>
-                </a:effectLst>
-              </a:rPr>
-            </a:br>
-            <a:r>
-              <a:rPr lang="fr-FR" b="1" dirty="0" smtClean="0">
-                <a:effectLst>
-                  <a:outerShdw blurRad="38100" dist="38100" dir="2700000" algn="tl">
-                    <a:srgbClr val="000000">
-                      <a:alpha val="43137"/>
-                    </a:srgbClr>
-                  </a:outerShdw>
-                </a:effectLst>
-              </a:rPr>
-              <a:t>   </a:t>
-            </a:r>
-            <a:r>
-              <a:rPr lang="fr-FR" b="1" dirty="0" err="1" smtClean="0">
-                <a:effectLst>
-                  <a:outerShdw blurRad="38100" dist="38100" dir="2700000" algn="tl">
-                    <a:srgbClr val="000000">
-                      <a:alpha val="43137"/>
-                    </a:srgbClr>
-                  </a:outerShdw>
-                </a:effectLst>
-              </a:rPr>
-              <a:t>Kely</a:t>
-            </a:r>
-            <a:r>
-              <a:rPr lang="fr-FR" b="1" dirty="0" smtClean="0">
-                <a:effectLst>
-                  <a:outerShdw blurRad="38100" dist="38100" dir="2700000" algn="tl">
-                    <a:srgbClr val="000000">
-                      <a:alpha val="43137"/>
-                    </a:srgbClr>
-                  </a:outerShdw>
-                </a:effectLst>
-              </a:rPr>
-              <a:t> </a:t>
-            </a:r>
-            <a:r>
-              <a:rPr lang="fr-FR" b="1" dirty="0" err="1" smtClean="0">
-                <a:effectLst>
-                  <a:outerShdw blurRad="38100" dist="38100" dir="2700000" algn="tl">
-                    <a:srgbClr val="000000">
-                      <a:alpha val="43137"/>
-                    </a:srgbClr>
-                  </a:outerShdw>
-                </a:effectLst>
-              </a:rPr>
-              <a:t>sy</a:t>
-            </a:r>
-            <a:r>
-              <a:rPr lang="fr-FR" b="1" dirty="0" smtClean="0">
-                <a:effectLst>
-                  <a:outerShdw blurRad="38100" dist="38100" dir="2700000" algn="tl">
-                    <a:srgbClr val="000000">
-                      <a:alpha val="43137"/>
-                    </a:srgbClr>
-                  </a:outerShdw>
-                </a:effectLst>
-              </a:rPr>
-              <a:t> </a:t>
-            </a:r>
-            <a:r>
-              <a:rPr lang="fr-FR" b="1" dirty="0" err="1" smtClean="0">
-                <a:effectLst>
-                  <a:outerShdw blurRad="38100" dist="38100" dir="2700000" algn="tl">
-                    <a:srgbClr val="000000">
-                      <a:alpha val="43137"/>
-                    </a:srgbClr>
-                  </a:outerShdw>
-                </a:effectLst>
-              </a:rPr>
-              <a:t>mideza</a:t>
-            </a:r>
-            <a:r>
-              <a:rPr lang="fr-FR" b="1" dirty="0" smtClean="0">
-                <a:effectLst>
-                  <a:outerShdw blurRad="38100" dist="38100" dir="2700000" algn="tl">
-                    <a:srgbClr val="000000">
-                      <a:alpha val="43137"/>
-                    </a:srgbClr>
-                  </a:outerShdw>
-                </a:effectLst>
-              </a:rPr>
-              <a:t> </a:t>
-            </a:r>
-            <a:r>
-              <a:rPr lang="fr-FR" b="1" dirty="0" err="1" smtClean="0">
-                <a:effectLst>
-                  <a:outerShdw blurRad="38100" dist="38100" dir="2700000" algn="tl">
-                    <a:srgbClr val="000000">
-                      <a:alpha val="43137"/>
-                    </a:srgbClr>
-                  </a:outerShdw>
-                </a:effectLst>
-              </a:rPr>
-              <a:t>ny</a:t>
-            </a:r>
-            <a:r>
-              <a:rPr lang="fr-FR" b="1" dirty="0" smtClean="0">
-                <a:effectLst>
-                  <a:outerShdw blurRad="38100" dist="38100" dir="2700000" algn="tl">
-                    <a:srgbClr val="000000">
-                      <a:alpha val="43137"/>
-                    </a:srgbClr>
-                  </a:outerShdw>
-                </a:effectLst>
-              </a:rPr>
-              <a:t> </a:t>
-            </a:r>
-            <a:r>
-              <a:rPr lang="fr-FR" b="1" dirty="0" err="1" smtClean="0">
-                <a:effectLst>
-                  <a:outerShdw blurRad="38100" dist="38100" dir="2700000" algn="tl">
-                    <a:srgbClr val="000000">
-                      <a:alpha val="43137"/>
-                    </a:srgbClr>
-                  </a:outerShdw>
-                </a:effectLst>
-              </a:rPr>
-              <a:t>lalana</a:t>
-            </a:r>
-            <a:r>
-              <a:rPr lang="fr-FR" b="1" dirty="0">
-                <a:effectLst>
-                  <a:outerShdw blurRad="38100" dist="38100" dir="2700000" algn="tl">
-                    <a:srgbClr val="000000">
-                      <a:alpha val="43137"/>
-                    </a:srgbClr>
-                  </a:outerShdw>
-                </a:effectLst>
-              </a:rPr>
-              <a:t> </a:t>
-            </a:r>
-            <a:r>
-              <a:rPr lang="fr-FR" b="1" dirty="0" err="1" smtClean="0">
-                <a:effectLst>
-                  <a:outerShdw blurRad="38100" dist="38100" dir="2700000" algn="tl">
-                    <a:srgbClr val="000000">
-                      <a:alpha val="43137"/>
-                    </a:srgbClr>
-                  </a:outerShdw>
-                </a:effectLst>
-              </a:rPr>
-              <a:t>mankao</a:t>
-            </a:r>
-            <a:r>
-              <a:rPr lang="fr-FR" b="1" dirty="0" smtClean="0">
-                <a:effectLst>
-                  <a:outerShdw blurRad="38100" dist="38100" dir="2700000" algn="tl">
-                    <a:srgbClr val="000000">
-                      <a:alpha val="43137"/>
-                    </a:srgbClr>
-                  </a:outerShdw>
-                </a:effectLst>
-              </a:rPr>
-              <a:t> ;</a:t>
-            </a:r>
-            <a:br>
-              <a:rPr lang="fr-FR" b="1" dirty="0" smtClean="0">
-                <a:effectLst>
-                  <a:outerShdw blurRad="38100" dist="38100" dir="2700000" algn="tl">
-                    <a:srgbClr val="000000">
-                      <a:alpha val="43137"/>
-                    </a:srgbClr>
-                  </a:outerShdw>
-                </a:effectLst>
-              </a:rPr>
-            </a:br>
-            <a:r>
-              <a:rPr lang="fr-FR" b="1" dirty="0" smtClean="0">
-                <a:effectLst>
-                  <a:outerShdw blurRad="38100" dist="38100" dir="2700000" algn="tl">
-                    <a:srgbClr val="000000">
-                      <a:alpha val="43137"/>
-                    </a:srgbClr>
-                  </a:outerShdw>
-                </a:effectLst>
-              </a:rPr>
-              <a:t>   </a:t>
-            </a:r>
-            <a:r>
-              <a:rPr lang="fr-FR" b="1" dirty="0" err="1" smtClean="0">
-                <a:effectLst>
-                  <a:outerShdw blurRad="38100" dist="38100" dir="2700000" algn="tl">
-                    <a:srgbClr val="000000">
-                      <a:alpha val="43137"/>
-                    </a:srgbClr>
-                  </a:outerShdw>
-                </a:effectLst>
-              </a:rPr>
-              <a:t>Nefa</a:t>
-            </a:r>
-            <a:r>
-              <a:rPr lang="fr-FR" b="1" dirty="0" smtClean="0">
-                <a:effectLst>
-                  <a:outerShdw blurRad="38100" dist="38100" dir="2700000" algn="tl">
-                    <a:srgbClr val="000000">
-                      <a:alpha val="43137"/>
-                    </a:srgbClr>
-                  </a:outerShdw>
-                </a:effectLst>
-              </a:rPr>
-              <a:t> </a:t>
-            </a:r>
-            <a:r>
-              <a:rPr lang="fr-FR" b="1" dirty="0" err="1" smtClean="0">
-                <a:effectLst>
-                  <a:outerShdw blurRad="38100" dist="38100" dir="2700000" algn="tl">
-                    <a:srgbClr val="000000">
-                      <a:alpha val="43137"/>
-                    </a:srgbClr>
-                  </a:outerShdw>
-                </a:effectLst>
-              </a:rPr>
-              <a:t>aza</a:t>
-            </a:r>
-            <a:r>
-              <a:rPr lang="fr-FR" b="1" dirty="0" smtClean="0">
-                <a:effectLst>
-                  <a:outerShdw blurRad="38100" dist="38100" dir="2700000" algn="tl">
-                    <a:srgbClr val="000000">
-                      <a:alpha val="43137"/>
-                    </a:srgbClr>
-                  </a:outerShdw>
-                </a:effectLst>
-              </a:rPr>
-              <a:t> </a:t>
-            </a:r>
-            <a:r>
-              <a:rPr lang="fr-FR" b="1" dirty="0" err="1" smtClean="0">
-                <a:effectLst>
-                  <a:outerShdw blurRad="38100" dist="38100" dir="2700000" algn="tl">
-                    <a:srgbClr val="000000">
-                      <a:alpha val="43137"/>
-                    </a:srgbClr>
-                  </a:outerShdw>
-                </a:effectLst>
-              </a:rPr>
-              <a:t>kivy</a:t>
-            </a:r>
-            <a:r>
-              <a:rPr lang="fr-FR" b="1" dirty="0" smtClean="0">
-                <a:effectLst>
-                  <a:outerShdw blurRad="38100" dist="38100" dir="2700000" algn="tl">
-                    <a:srgbClr val="000000">
-                      <a:alpha val="43137"/>
-                    </a:srgbClr>
-                  </a:outerShdw>
-                </a:effectLst>
-              </a:rPr>
-              <a:t>, </a:t>
-            </a:r>
-            <a:r>
-              <a:rPr lang="fr-FR" b="1" dirty="0" err="1" smtClean="0">
-                <a:effectLst>
-                  <a:outerShdw blurRad="38100" dist="38100" dir="2700000" algn="tl">
-                    <a:srgbClr val="000000">
-                      <a:alpha val="43137"/>
-                    </a:srgbClr>
-                  </a:outerShdw>
-                </a:effectLst>
-              </a:rPr>
-              <a:t>ry</a:t>
-            </a:r>
-            <a:r>
-              <a:rPr lang="fr-FR" b="1" dirty="0" smtClean="0">
-                <a:effectLst>
-                  <a:outerShdw blurRad="38100" dist="38100" dir="2700000" algn="tl">
-                    <a:srgbClr val="000000">
-                      <a:alpha val="43137"/>
-                    </a:srgbClr>
-                  </a:outerShdw>
-                </a:effectLst>
-              </a:rPr>
-              <a:t> </a:t>
-            </a:r>
-            <a:r>
-              <a:rPr lang="fr-FR" b="1" dirty="0" err="1" smtClean="0">
-                <a:effectLst>
-                  <a:outerShdw blurRad="38100" dist="38100" dir="2700000" algn="tl">
-                    <a:srgbClr val="000000">
-                      <a:alpha val="43137"/>
-                    </a:srgbClr>
-                  </a:outerShdw>
-                </a:effectLst>
-              </a:rPr>
-              <a:t>havako</a:t>
-            </a:r>
-            <a:r>
-              <a:rPr lang="fr-FR" b="1" dirty="0" smtClean="0">
-                <a:effectLst>
-                  <a:outerShdw blurRad="38100" dist="38100" dir="2700000" algn="tl">
-                    <a:srgbClr val="000000">
-                      <a:alpha val="43137"/>
-                    </a:srgbClr>
-                  </a:outerShdw>
-                </a:effectLst>
-              </a:rPr>
-              <a:t> </a:t>
-            </a:r>
-            <a:r>
-              <a:rPr lang="fr-FR" b="1" dirty="0" err="1" smtClean="0">
-                <a:effectLst>
-                  <a:outerShdw blurRad="38100" dist="38100" dir="2700000" algn="tl">
-                    <a:srgbClr val="000000">
-                      <a:alpha val="43137"/>
-                    </a:srgbClr>
-                  </a:outerShdw>
-                </a:effectLst>
-              </a:rPr>
-              <a:t>izao</a:t>
-            </a:r>
-            <a:r>
-              <a:rPr lang="fr-FR" b="1" dirty="0" smtClean="0">
-                <a:effectLst>
-                  <a:outerShdw blurRad="38100" dist="38100" dir="2700000" algn="tl">
-                    <a:srgbClr val="000000">
-                      <a:alpha val="43137"/>
-                    </a:srgbClr>
-                  </a:outerShdw>
-                </a:effectLst>
-              </a:rPr>
-              <a:t>,</a:t>
-            </a:r>
-            <a:br>
-              <a:rPr lang="fr-FR" b="1" dirty="0" smtClean="0">
-                <a:effectLst>
-                  <a:outerShdw blurRad="38100" dist="38100" dir="2700000" algn="tl">
-                    <a:srgbClr val="000000">
-                      <a:alpha val="43137"/>
-                    </a:srgbClr>
-                  </a:outerShdw>
-                </a:effectLst>
-              </a:rPr>
-            </a:br>
-            <a:r>
-              <a:rPr lang="fr-FR" b="1" dirty="0" smtClean="0">
-                <a:effectLst>
-                  <a:outerShdw blurRad="38100" dist="38100" dir="2700000" algn="tl">
-                    <a:srgbClr val="000000">
-                      <a:alpha val="43137"/>
-                    </a:srgbClr>
-                  </a:outerShdw>
-                </a:effectLst>
-              </a:rPr>
-              <a:t>   Fa </a:t>
-            </a:r>
-            <a:r>
-              <a:rPr lang="fr-FR" b="1" dirty="0" err="1" smtClean="0">
-                <a:effectLst>
-                  <a:outerShdw blurRad="38100" dist="38100" dir="2700000" algn="tl">
-                    <a:srgbClr val="000000">
-                      <a:alpha val="43137"/>
-                    </a:srgbClr>
-                  </a:outerShdw>
-                </a:effectLst>
-              </a:rPr>
-              <a:t>izay</a:t>
-            </a:r>
-            <a:r>
-              <a:rPr lang="fr-FR" b="1" dirty="0" smtClean="0">
-                <a:effectLst>
-                  <a:outerShdw blurRad="38100" dist="38100" dir="2700000" algn="tl">
-                    <a:srgbClr val="000000">
-                      <a:alpha val="43137"/>
-                    </a:srgbClr>
-                  </a:outerShdw>
-                </a:effectLst>
-              </a:rPr>
-              <a:t> </a:t>
-            </a:r>
-            <a:r>
-              <a:rPr lang="fr-FR" b="1" dirty="0" err="1" smtClean="0">
-                <a:effectLst>
-                  <a:outerShdw blurRad="38100" dist="38100" dir="2700000" algn="tl">
-                    <a:srgbClr val="000000">
-                      <a:alpha val="43137"/>
-                    </a:srgbClr>
-                  </a:outerShdw>
-                </a:effectLst>
-              </a:rPr>
-              <a:t>malaina</a:t>
-            </a:r>
-            <a:r>
-              <a:rPr lang="fr-FR" b="1" dirty="0" smtClean="0">
-                <a:effectLst>
-                  <a:outerShdw blurRad="38100" dist="38100" dir="2700000" algn="tl">
-                    <a:srgbClr val="000000">
-                      <a:alpha val="43137"/>
-                    </a:srgbClr>
-                  </a:outerShdw>
-                </a:effectLst>
-              </a:rPr>
-              <a:t> dia ho </a:t>
-            </a:r>
-            <a:r>
-              <a:rPr lang="fr-FR" b="1" dirty="0" err="1" smtClean="0">
-                <a:effectLst>
-                  <a:outerShdw blurRad="38100" dist="38100" dir="2700000" algn="tl">
-                    <a:srgbClr val="000000">
-                      <a:alpha val="43137"/>
-                    </a:srgbClr>
-                  </a:outerShdw>
-                </a:effectLst>
-              </a:rPr>
-              <a:t>very</a:t>
-            </a:r>
-            <a:r>
-              <a:rPr lang="fr-FR" b="1" dirty="0" smtClean="0">
-                <a:effectLst>
-                  <a:outerShdw blurRad="38100" dist="38100" dir="2700000" algn="tl">
-                    <a:srgbClr val="000000">
-                      <a:alpha val="43137"/>
-                    </a:srgbClr>
-                  </a:outerShdw>
-                </a:effectLst>
-              </a:rPr>
-              <a:t>.</a:t>
-            </a:r>
-            <a:endParaRPr lang="fr-FR" b="1" dirty="0">
-              <a:effectLst>
-                <a:outerShdw blurRad="38100" dist="38100" dir="2700000" algn="tl">
-                  <a:srgbClr val="000000">
-                    <a:alpha val="43137"/>
-                  </a:srgbClr>
-                </a:outerShdw>
-              </a:effectLst>
-            </a:endParaRPr>
           </a:p>
         </p:txBody>
       </p:sp>
@@ -4498,124 +3808,453 @@
       </p:grpSpPr>
       <p:sp>
         <p:nvSpPr>
-          <p:cNvPr id="2" name="Titre 1"/>
-          <p:cNvSpPr>
-            <a:spLocks noGrp="1"/>
-          </p:cNvSpPr>
-          <p:nvPr>
-            <p:ph type="ctrTitle"/>
-          </p:nvPr>
+          <p:cNvPr id="5" name="ZoneTexte 4">
+            <a:extLst>
+              <a:ext uri="{FF2B5EF4-FFF2-40B4-BE49-F238E27FC236}">
+                <a16:creationId xmlns:a16="http://schemas.microsoft.com/office/drawing/2014/main" id="{369CF3C9-D04C-A22B-A52D-60F391514414}"/>
+              </a:ext>
+            </a:extLst>
+          </p:cNvPr>
+          <p:cNvSpPr txBox="1"/>
+          <p:nvPr/>
         </p:nvSpPr>
         <p:spPr>
           <a:xfrm>
-            <a:off x="0" y="0"/>
-            <a:ext cx="9144000" cy="5143499"/>
+            <a:off x="0" y="339502"/>
+            <a:ext cx="9144000" cy="4247317"/>
           </a:xfrm>
+          <a:prstGeom prst="rect">
+            <a:avLst/>
+          </a:prstGeom>
+          <a:noFill/>
         </p:spPr>
         <p:txBody>
-          <a:bodyPr>
-            <a:noAutofit/>
+          <a:bodyPr wrap="square">
+            <a:spAutoFit/>
           </a:bodyPr>
           <a:lstStyle/>
           <a:p>
-            <a:r>
-              <a:rPr lang="fr-FR" b="1" dirty="0" smtClean="0">
-                <a:effectLst>
-                  <a:outerShdw blurRad="38100" dist="38100" dir="2700000" algn="tl">
-                    <a:srgbClr val="000000">
-                      <a:alpha val="43137"/>
-                    </a:srgbClr>
-                  </a:outerShdw>
-                </a:effectLst>
-              </a:rPr>
-              <a:t>2. </a:t>
-            </a:r>
-            <a:r>
-              <a:rPr lang="fr-FR" b="1" dirty="0" err="1" smtClean="0">
-                <a:effectLst>
-                  <a:outerShdw blurRad="38100" dist="38100" dir="2700000" algn="tl">
-                    <a:srgbClr val="000000">
-                      <a:alpha val="43137"/>
-                    </a:srgbClr>
-                  </a:outerShdw>
-                </a:effectLst>
-              </a:rPr>
-              <a:t>Maro</a:t>
-            </a:r>
-            <a:r>
-              <a:rPr lang="fr-FR" b="1" dirty="0" smtClean="0">
-                <a:effectLst>
-                  <a:outerShdw blurRad="38100" dist="38100" dir="2700000" algn="tl">
-                    <a:srgbClr val="000000">
-                      <a:alpha val="43137"/>
-                    </a:srgbClr>
-                  </a:outerShdw>
-                </a:effectLst>
-              </a:rPr>
-              <a:t> no </a:t>
-            </a:r>
-            <a:r>
-              <a:rPr lang="fr-FR" b="1" dirty="0" err="1" smtClean="0">
-                <a:effectLst>
-                  <a:outerShdw blurRad="38100" dist="38100" dir="2700000" algn="tl">
-                    <a:srgbClr val="000000">
-                      <a:alpha val="43137"/>
-                    </a:srgbClr>
-                  </a:outerShdw>
-                </a:effectLst>
-              </a:rPr>
-              <a:t>mitady</a:t>
-            </a:r>
-            <a:r>
-              <a:rPr lang="fr-FR" b="1" dirty="0" smtClean="0">
-                <a:effectLst>
-                  <a:outerShdw blurRad="38100" dist="38100" dir="2700000" algn="tl">
-                    <a:srgbClr val="000000">
-                      <a:alpha val="43137"/>
-                    </a:srgbClr>
-                  </a:outerShdw>
-                </a:effectLst>
-              </a:rPr>
-              <a:t> </a:t>
-            </a:r>
-            <a:r>
-              <a:rPr lang="fr-FR" b="1" dirty="0" err="1" smtClean="0">
-                <a:effectLst>
-                  <a:outerShdw blurRad="38100" dist="38100" dir="2700000" algn="tl">
-                    <a:srgbClr val="000000">
-                      <a:alpha val="43137"/>
-                    </a:srgbClr>
-                  </a:outerShdw>
-                </a:effectLst>
-              </a:rPr>
-              <a:t>hisakana</a:t>
-            </a:r>
-            <a:r>
-              <a:rPr lang="fr-FR" b="1" dirty="0">
-                <a:effectLst>
-                  <a:outerShdw blurRad="38100" dist="38100" dir="2700000" algn="tl">
-                    <a:srgbClr val="000000">
-                      <a:alpha val="43137"/>
-                    </a:srgbClr>
-                  </a:outerShdw>
-                </a:effectLst>
-              </a:rPr>
-              <a:t> </a:t>
-            </a:r>
-            <a:r>
-              <a:rPr lang="fr-FR" b="1" dirty="0" err="1" smtClean="0">
-                <a:effectLst>
-                  <a:outerShdw blurRad="38100" dist="38100" dir="2700000" algn="tl">
-                    <a:srgbClr val="000000">
-                      <a:alpha val="43137"/>
-                    </a:srgbClr>
-                  </a:outerShdw>
-                </a:effectLst>
-              </a:rPr>
-              <a:t>anao</a:t>
-            </a:r>
-            <a:r>
-              <a:rPr lang="fr-FR" b="1" dirty="0" smtClean="0">
+            <a:pPr algn="ctr"/>
+            <a:r>
+              <a:rPr lang="fr-FR" sz="5400" b="1" dirty="0" err="1">
+                <a:effectLst>
+                  <a:outerShdw blurRad="38100" dist="38100" dir="2700000" algn="tl">
+                    <a:srgbClr val="000000">
+                      <a:alpha val="43137"/>
+                    </a:srgbClr>
+                  </a:outerShdw>
+                </a:effectLst>
+              </a:rPr>
+              <a:t>Ety</a:t>
+            </a:r>
+            <a:r>
+              <a:rPr lang="fr-FR" sz="5400" b="1" dirty="0">
+                <a:effectLst>
+                  <a:outerShdw blurRad="38100" dist="38100" dir="2700000" algn="tl">
+                    <a:srgbClr val="000000">
+                      <a:alpha val="43137"/>
+                    </a:srgbClr>
+                  </a:outerShdw>
+                </a:effectLst>
+              </a:rPr>
+              <a:t> </a:t>
+            </a:r>
+            <a:r>
+              <a:rPr lang="fr-FR" sz="5400" b="1" dirty="0" err="1">
+                <a:effectLst>
+                  <a:outerShdw blurRad="38100" dist="38100" dir="2700000" algn="tl">
+                    <a:srgbClr val="000000">
+                      <a:alpha val="43137"/>
+                    </a:srgbClr>
+                  </a:outerShdw>
+                </a:effectLst>
+              </a:rPr>
+              <a:t>sady</a:t>
+            </a:r>
+            <a:r>
+              <a:rPr lang="fr-FR" sz="5400" b="1" dirty="0">
+                <a:effectLst>
+                  <a:outerShdw blurRad="38100" dist="38100" dir="2700000" algn="tl">
+                    <a:srgbClr val="000000">
+                      <a:alpha val="43137"/>
+                    </a:srgbClr>
+                  </a:outerShdw>
+                </a:effectLst>
+              </a:rPr>
+              <a:t> </a:t>
+            </a:r>
+            <a:r>
+              <a:rPr lang="fr-FR" sz="5400" b="1" dirty="0" err="1">
+                <a:effectLst>
+                  <a:outerShdw blurRad="38100" dist="38100" dir="2700000" algn="tl">
+                    <a:srgbClr val="000000">
+                      <a:alpha val="43137"/>
+                    </a:srgbClr>
+                  </a:outerShdw>
+                </a:effectLst>
+              </a:rPr>
+              <a:t>tery</a:t>
+            </a:r>
+            <a:r>
+              <a:rPr lang="fr-FR" sz="5400" b="1" dirty="0">
+                <a:effectLst>
+                  <a:outerShdw blurRad="38100" dist="38100" dir="2700000" algn="tl">
+                    <a:srgbClr val="000000">
+                      <a:alpha val="43137"/>
+                    </a:srgbClr>
+                  </a:outerShdw>
+                </a:effectLst>
+              </a:rPr>
+              <a:t> </a:t>
+            </a:r>
+            <a:r>
+              <a:rPr lang="fr-FR" sz="5400" b="1" dirty="0" err="1">
+                <a:effectLst>
+                  <a:outerShdw blurRad="38100" dist="38100" dir="2700000" algn="tl">
+                    <a:srgbClr val="000000">
+                      <a:alpha val="43137"/>
+                    </a:srgbClr>
+                  </a:outerShdw>
+                </a:effectLst>
+              </a:rPr>
+              <a:t>ny</a:t>
+            </a:r>
+            <a:r>
+              <a:rPr lang="fr-FR" sz="5400" b="1" dirty="0">
+                <a:effectLst>
+                  <a:outerShdw blurRad="38100" dist="38100" dir="2700000" algn="tl">
+                    <a:srgbClr val="000000">
+                      <a:alpha val="43137"/>
+                    </a:srgbClr>
+                  </a:outerShdw>
+                </a:effectLst>
+              </a:rPr>
+              <a:t> </a:t>
+            </a:r>
+            <a:r>
+              <a:rPr lang="fr-FR" sz="5400" b="1" dirty="0" err="1">
+                <a:effectLst>
+                  <a:outerShdw blurRad="38100" dist="38100" dir="2700000" algn="tl">
+                    <a:srgbClr val="000000">
+                      <a:alpha val="43137"/>
+                    </a:srgbClr>
+                  </a:outerShdw>
+                </a:effectLst>
+              </a:rPr>
+              <a:t>vavahady</a:t>
+            </a:r>
+            <a:r>
+              <a:rPr lang="fr-FR" sz="5400" b="1" dirty="0">
+                <a:effectLst>
+                  <a:outerShdw blurRad="38100" dist="38100" dir="2700000" algn="tl">
+                    <a:srgbClr val="000000">
+                      <a:alpha val="43137"/>
+                    </a:srgbClr>
+                  </a:outerShdw>
+                </a:effectLst>
+              </a:rPr>
+              <a:t> ao,</a:t>
+            </a:r>
+            <a:br>
+              <a:rPr lang="fr-FR" sz="5400" b="1" dirty="0">
+                <a:effectLst>
+                  <a:outerShdw blurRad="38100" dist="38100" dir="2700000" algn="tl">
+                    <a:srgbClr val="000000">
+                      <a:alpha val="43137"/>
+                    </a:srgbClr>
+                  </a:outerShdw>
+                </a:effectLst>
+              </a:rPr>
+            </a:br>
+            <a:r>
+              <a:rPr lang="fr-FR" sz="5400" b="1" dirty="0" err="1">
+                <a:effectLst>
+                  <a:outerShdw blurRad="38100" dist="38100" dir="2700000" algn="tl">
+                    <a:srgbClr val="000000">
+                      <a:alpha val="43137"/>
+                    </a:srgbClr>
+                  </a:outerShdw>
+                </a:effectLst>
+              </a:rPr>
+              <a:t>Kely</a:t>
+            </a:r>
+            <a:r>
+              <a:rPr lang="fr-FR" sz="5400" b="1" dirty="0">
+                <a:effectLst>
+                  <a:outerShdw blurRad="38100" dist="38100" dir="2700000" algn="tl">
+                    <a:srgbClr val="000000">
+                      <a:alpha val="43137"/>
+                    </a:srgbClr>
+                  </a:outerShdw>
+                </a:effectLst>
+              </a:rPr>
+              <a:t> </a:t>
+            </a:r>
+            <a:r>
+              <a:rPr lang="fr-FR" sz="5400" b="1" dirty="0" err="1">
+                <a:effectLst>
+                  <a:outerShdw blurRad="38100" dist="38100" dir="2700000" algn="tl">
+                    <a:srgbClr val="000000">
+                      <a:alpha val="43137"/>
+                    </a:srgbClr>
+                  </a:outerShdw>
+                </a:effectLst>
+              </a:rPr>
+              <a:t>sy</a:t>
+            </a:r>
+            <a:r>
+              <a:rPr lang="fr-FR" sz="5400" b="1" dirty="0">
+                <a:effectLst>
+                  <a:outerShdw blurRad="38100" dist="38100" dir="2700000" algn="tl">
+                    <a:srgbClr val="000000">
+                      <a:alpha val="43137"/>
+                    </a:srgbClr>
+                  </a:outerShdw>
+                </a:effectLst>
+              </a:rPr>
+              <a:t> </a:t>
+            </a:r>
+            <a:r>
+              <a:rPr lang="fr-FR" sz="5400" b="1" dirty="0" err="1">
+                <a:effectLst>
+                  <a:outerShdw blurRad="38100" dist="38100" dir="2700000" algn="tl">
+                    <a:srgbClr val="000000">
+                      <a:alpha val="43137"/>
+                    </a:srgbClr>
+                  </a:outerShdw>
+                </a:effectLst>
+              </a:rPr>
+              <a:t>mideza</a:t>
+            </a:r>
+            <a:r>
+              <a:rPr lang="fr-FR" sz="5400" b="1" dirty="0">
+                <a:effectLst>
+                  <a:outerShdw blurRad="38100" dist="38100" dir="2700000" algn="tl">
+                    <a:srgbClr val="000000">
+                      <a:alpha val="43137"/>
+                    </a:srgbClr>
+                  </a:outerShdw>
+                </a:effectLst>
+              </a:rPr>
+              <a:t> </a:t>
+            </a:r>
+            <a:r>
+              <a:rPr lang="fr-FR" sz="5400" b="1" dirty="0" err="1">
+                <a:effectLst>
+                  <a:outerShdw blurRad="38100" dist="38100" dir="2700000" algn="tl">
+                    <a:srgbClr val="000000">
+                      <a:alpha val="43137"/>
+                    </a:srgbClr>
+                  </a:outerShdw>
+                </a:effectLst>
+              </a:rPr>
+              <a:t>ny</a:t>
+            </a:r>
+            <a:r>
+              <a:rPr lang="fr-FR" sz="5400" b="1" dirty="0">
+                <a:effectLst>
+                  <a:outerShdw blurRad="38100" dist="38100" dir="2700000" algn="tl">
+                    <a:srgbClr val="000000">
+                      <a:alpha val="43137"/>
+                    </a:srgbClr>
+                  </a:outerShdw>
+                </a:effectLst>
+              </a:rPr>
+              <a:t> </a:t>
+            </a:r>
+            <a:r>
+              <a:rPr lang="fr-FR" sz="5400" b="1" dirty="0" err="1">
+                <a:effectLst>
+                  <a:outerShdw blurRad="38100" dist="38100" dir="2700000" algn="tl">
+                    <a:srgbClr val="000000">
+                      <a:alpha val="43137"/>
+                    </a:srgbClr>
+                  </a:outerShdw>
+                </a:effectLst>
+              </a:rPr>
+              <a:t>lalana</a:t>
+            </a:r>
+            <a:r>
+              <a:rPr lang="fr-FR" sz="5400" b="1" dirty="0">
+                <a:effectLst>
+                  <a:outerShdw blurRad="38100" dist="38100" dir="2700000" algn="tl">
+                    <a:srgbClr val="000000">
+                      <a:alpha val="43137"/>
+                    </a:srgbClr>
+                  </a:outerShdw>
+                </a:effectLst>
+              </a:rPr>
+              <a:t> </a:t>
+            </a:r>
+            <a:r>
+              <a:rPr lang="fr-FR" sz="5400" b="1" dirty="0" err="1">
+                <a:effectLst>
+                  <a:outerShdw blurRad="38100" dist="38100" dir="2700000" algn="tl">
+                    <a:srgbClr val="000000">
+                      <a:alpha val="43137"/>
+                    </a:srgbClr>
+                  </a:outerShdw>
+                </a:effectLst>
+              </a:rPr>
+              <a:t>mankao</a:t>
+            </a:r>
+            <a:r>
+              <a:rPr lang="fr-FR" sz="5400" b="1" dirty="0">
+                <a:effectLst>
+                  <a:outerShdw blurRad="38100" dist="38100" dir="2700000" algn="tl">
+                    <a:srgbClr val="000000">
+                      <a:alpha val="43137"/>
+                    </a:srgbClr>
+                  </a:outerShdw>
+                </a:effectLst>
+              </a:rPr>
+              <a:t> ;</a:t>
+            </a:r>
+            <a:br>
+              <a:rPr lang="fr-FR" sz="5400" b="1" dirty="0">
+                <a:effectLst>
+                  <a:outerShdw blurRad="38100" dist="38100" dir="2700000" algn="tl">
+                    <a:srgbClr val="000000">
+                      <a:alpha val="43137"/>
+                    </a:srgbClr>
+                  </a:outerShdw>
+                </a:effectLst>
+              </a:rPr>
+            </a:br>
+            <a:r>
+              <a:rPr lang="fr-FR" sz="5400" b="1" dirty="0" err="1">
+                <a:effectLst>
+                  <a:outerShdw blurRad="38100" dist="38100" dir="2700000" algn="tl">
+                    <a:srgbClr val="000000">
+                      <a:alpha val="43137"/>
+                    </a:srgbClr>
+                  </a:outerShdw>
+                </a:effectLst>
+              </a:rPr>
+              <a:t>Nefa</a:t>
+            </a:r>
+            <a:r>
+              <a:rPr lang="fr-FR" sz="5400" b="1" dirty="0">
+                <a:effectLst>
+                  <a:outerShdw blurRad="38100" dist="38100" dir="2700000" algn="tl">
+                    <a:srgbClr val="000000">
+                      <a:alpha val="43137"/>
+                    </a:srgbClr>
+                  </a:outerShdw>
+                </a:effectLst>
+              </a:rPr>
+              <a:t> </a:t>
+            </a:r>
+            <a:r>
+              <a:rPr lang="fr-FR" sz="5400" b="1" dirty="0" err="1">
+                <a:effectLst>
+                  <a:outerShdw blurRad="38100" dist="38100" dir="2700000" algn="tl">
+                    <a:srgbClr val="000000">
+                      <a:alpha val="43137"/>
+                    </a:srgbClr>
+                  </a:outerShdw>
+                </a:effectLst>
+              </a:rPr>
+              <a:t>aza</a:t>
+            </a:r>
+            <a:r>
+              <a:rPr lang="fr-FR" sz="5400" b="1" dirty="0">
+                <a:effectLst>
+                  <a:outerShdw blurRad="38100" dist="38100" dir="2700000" algn="tl">
+                    <a:srgbClr val="000000">
+                      <a:alpha val="43137"/>
+                    </a:srgbClr>
+                  </a:outerShdw>
+                </a:effectLst>
+              </a:rPr>
+              <a:t> </a:t>
+            </a:r>
+            <a:r>
+              <a:rPr lang="fr-FR" sz="5400" b="1" dirty="0" err="1">
+                <a:effectLst>
+                  <a:outerShdw blurRad="38100" dist="38100" dir="2700000" algn="tl">
+                    <a:srgbClr val="000000">
+                      <a:alpha val="43137"/>
+                    </a:srgbClr>
+                  </a:outerShdw>
+                </a:effectLst>
+              </a:rPr>
+              <a:t>kivy</a:t>
+            </a:r>
+            <a:r>
+              <a:rPr lang="fr-FR" sz="5400" b="1" dirty="0">
+                <a:effectLst>
+                  <a:outerShdw blurRad="38100" dist="38100" dir="2700000" algn="tl">
+                    <a:srgbClr val="000000">
+                      <a:alpha val="43137"/>
+                    </a:srgbClr>
+                  </a:outerShdw>
+                </a:effectLst>
+              </a:rPr>
+              <a:t>, </a:t>
+            </a:r>
+            <a:r>
+              <a:rPr lang="fr-FR" sz="5400" b="1" dirty="0" err="1">
+                <a:effectLst>
+                  <a:outerShdw blurRad="38100" dist="38100" dir="2700000" algn="tl">
+                    <a:srgbClr val="000000">
+                      <a:alpha val="43137"/>
+                    </a:srgbClr>
+                  </a:outerShdw>
+                </a:effectLst>
+              </a:rPr>
+              <a:t>ry</a:t>
+            </a:r>
+            <a:r>
+              <a:rPr lang="fr-FR" sz="5400" b="1" dirty="0">
+                <a:effectLst>
+                  <a:outerShdw blurRad="38100" dist="38100" dir="2700000" algn="tl">
+                    <a:srgbClr val="000000">
+                      <a:alpha val="43137"/>
+                    </a:srgbClr>
+                  </a:outerShdw>
+                </a:effectLst>
+              </a:rPr>
+              <a:t> </a:t>
+            </a:r>
+            <a:r>
+              <a:rPr lang="fr-FR" sz="5400" b="1" dirty="0" err="1">
+                <a:effectLst>
+                  <a:outerShdw blurRad="38100" dist="38100" dir="2700000" algn="tl">
+                    <a:srgbClr val="000000">
+                      <a:alpha val="43137"/>
+                    </a:srgbClr>
+                  </a:outerShdw>
+                </a:effectLst>
+              </a:rPr>
+              <a:t>havako</a:t>
+            </a:r>
+            <a:r>
+              <a:rPr lang="fr-FR" sz="5400" b="1" dirty="0">
+                <a:effectLst>
+                  <a:outerShdw blurRad="38100" dist="38100" dir="2700000" algn="tl">
+                    <a:srgbClr val="000000">
+                      <a:alpha val="43137"/>
+                    </a:srgbClr>
+                  </a:outerShdw>
+                </a:effectLst>
+              </a:rPr>
+              <a:t> </a:t>
+            </a:r>
+            <a:r>
+              <a:rPr lang="fr-FR" sz="5400" b="1" dirty="0" err="1">
+                <a:effectLst>
+                  <a:outerShdw blurRad="38100" dist="38100" dir="2700000" algn="tl">
+                    <a:srgbClr val="000000">
+                      <a:alpha val="43137"/>
+                    </a:srgbClr>
+                  </a:outerShdw>
+                </a:effectLst>
+              </a:rPr>
+              <a:t>izao</a:t>
+            </a:r>
+            <a:r>
+              <a:rPr lang="fr-FR" sz="5400" b="1" dirty="0">
                 <a:effectLst>
                   <a:outerShdw blurRad="38100" dist="38100" dir="2700000" algn="tl">
                     <a:srgbClr val="000000">
@@ -4627,7 +4266,7 @@
               <a:t>,</a:t>
             </a:r>
             <a:br>
-              <a:rPr lang="fr-FR" b="1" dirty="0" smtClean="0">
+              <a:rPr lang="fr-FR" sz="5400" b="1" dirty="0">
                 <a:effectLst>
                   <a:outerShdw blurRad="38100" dist="38100" dir="2700000" algn="tl">
                     <a:srgbClr val="000000">
@@ -4638,270 +4277,79 @@
               </a:rPr>
             </a:br>
             <a:r>
-              <a:rPr lang="fr-FR" b="1" dirty="0" smtClean="0">
-                <a:effectLst>
-                  <a:outerShdw blurRad="38100" dist="38100" dir="2700000" algn="tl">
-                    <a:srgbClr val="000000">
-                      <a:alpha val="43137"/>
-                    </a:srgbClr>
-                  </a:outerShdw>
-                </a:effectLst>
-              </a:rPr>
-              <a:t>   </a:t>
-            </a:r>
-            <a:r>
-              <a:rPr lang="fr-FR" b="1" dirty="0" err="1" smtClean="0">
-                <a:effectLst>
-                  <a:outerShdw blurRad="38100" dist="38100" dir="2700000" algn="tl">
-                    <a:srgbClr val="000000">
-                      <a:alpha val="43137"/>
-                    </a:srgbClr>
-                  </a:outerShdw>
-                </a:effectLst>
-              </a:rPr>
-              <a:t>Koa</a:t>
-            </a:r>
-            <a:r>
-              <a:rPr lang="fr-FR" b="1" dirty="0" smtClean="0">
-                <a:effectLst>
-                  <a:outerShdw blurRad="38100" dist="38100" dir="2700000" algn="tl">
-                    <a:srgbClr val="000000">
-                      <a:alpha val="43137"/>
-                    </a:srgbClr>
-                  </a:outerShdw>
-                </a:effectLst>
-              </a:rPr>
-              <a:t> </a:t>
-            </a:r>
-            <a:r>
-              <a:rPr lang="fr-FR" b="1" dirty="0" err="1" smtClean="0">
-                <a:effectLst>
-                  <a:outerShdw blurRad="38100" dist="38100" dir="2700000" algn="tl">
-                    <a:srgbClr val="000000">
-                      <a:alpha val="43137"/>
-                    </a:srgbClr>
-                  </a:outerShdw>
-                </a:effectLst>
-              </a:rPr>
-              <a:t>mba</a:t>
-            </a:r>
-            <a:r>
-              <a:rPr lang="fr-FR" b="1" dirty="0" smtClean="0">
-                <a:effectLst>
-                  <a:outerShdw blurRad="38100" dist="38100" dir="2700000" algn="tl">
-                    <a:srgbClr val="000000">
-                      <a:alpha val="43137"/>
-                    </a:srgbClr>
-                  </a:outerShdw>
-                </a:effectLst>
-              </a:rPr>
-              <a:t> </a:t>
-            </a:r>
-            <a:r>
-              <a:rPr lang="fr-FR" b="1" dirty="0" err="1" smtClean="0">
-                <a:effectLst>
-                  <a:outerShdw blurRad="38100" dist="38100" dir="2700000" algn="tl">
-                    <a:srgbClr val="000000">
-                      <a:alpha val="43137"/>
-                    </a:srgbClr>
-                  </a:outerShdw>
-                </a:effectLst>
-              </a:rPr>
-              <a:t>tohero</a:t>
-            </a:r>
-            <a:r>
-              <a:rPr lang="fr-FR" b="1" dirty="0" smtClean="0">
-                <a:effectLst>
-                  <a:outerShdw blurRad="38100" dist="38100" dir="2700000" algn="tl">
-                    <a:srgbClr val="000000">
-                      <a:alpha val="43137"/>
-                    </a:srgbClr>
-                  </a:outerShdw>
-                </a:effectLst>
-              </a:rPr>
-              <a:t>, </a:t>
-            </a:r>
-            <a:r>
-              <a:rPr lang="fr-FR" b="1" dirty="0" err="1" smtClean="0">
-                <a:effectLst>
-                  <a:outerShdw blurRad="38100" dist="38100" dir="2700000" algn="tl">
-                    <a:srgbClr val="000000">
-                      <a:alpha val="43137"/>
-                    </a:srgbClr>
-                  </a:outerShdw>
-                </a:effectLst>
-              </a:rPr>
-              <a:t>ry</a:t>
-            </a:r>
-            <a:r>
-              <a:rPr lang="fr-FR" b="1" dirty="0" smtClean="0">
-                <a:effectLst>
-                  <a:outerShdw blurRad="38100" dist="38100" dir="2700000" algn="tl">
-                    <a:srgbClr val="000000">
-                      <a:alpha val="43137"/>
-                    </a:srgbClr>
-                  </a:outerShdw>
-                </a:effectLst>
-              </a:rPr>
-              <a:t> </a:t>
-            </a:r>
-            <a:r>
-              <a:rPr lang="fr-FR" b="1" dirty="0" err="1" smtClean="0">
-                <a:effectLst>
-                  <a:outerShdw blurRad="38100" dist="38100" dir="2700000" algn="tl">
-                    <a:srgbClr val="000000">
-                      <a:alpha val="43137"/>
-                    </a:srgbClr>
-                  </a:outerShdw>
-                </a:effectLst>
-              </a:rPr>
-              <a:t>sakaiza</a:t>
-            </a:r>
-            <a:r>
-              <a:rPr lang="fr-FR" b="1" dirty="0" smtClean="0">
-                <a:effectLst>
-                  <a:outerShdw blurRad="38100" dist="38100" dir="2700000" algn="tl">
-                    <a:srgbClr val="000000">
-                      <a:alpha val="43137"/>
-                    </a:srgbClr>
-                  </a:outerShdw>
-                </a:effectLst>
-              </a:rPr>
-              <a:t> ;</a:t>
-            </a:r>
-            <a:br>
-              <a:rPr lang="fr-FR" b="1" dirty="0" smtClean="0">
-                <a:effectLst>
-                  <a:outerShdw blurRad="38100" dist="38100" dir="2700000" algn="tl">
-                    <a:srgbClr val="000000">
-                      <a:alpha val="43137"/>
-                    </a:srgbClr>
-                  </a:outerShdw>
-                </a:effectLst>
-              </a:rPr>
-            </a:br>
-            <a:r>
-              <a:rPr lang="fr-FR" b="1" dirty="0" smtClean="0">
-                <a:effectLst>
-                  <a:outerShdw blurRad="38100" dist="38100" dir="2700000" algn="tl">
-                    <a:srgbClr val="000000">
-                      <a:alpha val="43137"/>
-                    </a:srgbClr>
-                  </a:outerShdw>
-                </a:effectLst>
-              </a:rPr>
-              <a:t>   </a:t>
-            </a:r>
-            <a:r>
-              <a:rPr lang="fr-FR" b="1" dirty="0" err="1" smtClean="0">
-                <a:effectLst>
-                  <a:outerShdw blurRad="38100" dist="38100" dir="2700000" algn="tl">
-                    <a:srgbClr val="000000">
-                      <a:alpha val="43137"/>
-                    </a:srgbClr>
-                  </a:outerShdw>
-                </a:effectLst>
-              </a:rPr>
-              <a:t>Mba</a:t>
-            </a:r>
-            <a:r>
-              <a:rPr lang="fr-FR" b="1" dirty="0" smtClean="0">
-                <a:effectLst>
-                  <a:outerShdw blurRad="38100" dist="38100" dir="2700000" algn="tl">
-                    <a:srgbClr val="000000">
-                      <a:alpha val="43137"/>
-                    </a:srgbClr>
-                  </a:outerShdw>
-                </a:effectLst>
-              </a:rPr>
-              <a:t> </a:t>
-            </a:r>
-            <a:r>
-              <a:rPr lang="fr-FR" b="1" dirty="0" err="1" smtClean="0">
-                <a:effectLst>
-                  <a:outerShdw blurRad="38100" dist="38100" dir="2700000" algn="tl">
-                    <a:srgbClr val="000000">
-                      <a:alpha val="43137"/>
-                    </a:srgbClr>
-                  </a:outerShdw>
-                </a:effectLst>
-              </a:rPr>
-              <a:t>reseo</a:t>
-            </a:r>
-            <a:r>
-              <a:rPr lang="fr-FR" b="1" dirty="0" smtClean="0">
-                <a:effectLst>
-                  <a:outerShdw blurRad="38100" dist="38100" dir="2700000" algn="tl">
-                    <a:srgbClr val="000000">
-                      <a:alpha val="43137"/>
-                    </a:srgbClr>
-                  </a:outerShdw>
-                </a:effectLst>
-              </a:rPr>
-              <a:t> </a:t>
-            </a:r>
-            <a:r>
-              <a:rPr lang="fr-FR" b="1" dirty="0" err="1" smtClean="0">
-                <a:effectLst>
-                  <a:outerShdw blurRad="38100" dist="38100" dir="2700000" algn="tl">
-                    <a:srgbClr val="000000">
-                      <a:alpha val="43137"/>
-                    </a:srgbClr>
-                  </a:outerShdw>
-                </a:effectLst>
-              </a:rPr>
-              <a:t>mafy</a:t>
-            </a:r>
-            <a:r>
-              <a:rPr lang="fr-FR" b="1" dirty="0" smtClean="0">
-                <a:effectLst>
-                  <a:outerShdw blurRad="38100" dist="38100" dir="2700000" algn="tl">
-                    <a:srgbClr val="000000">
-                      <a:alpha val="43137"/>
-                    </a:srgbClr>
-                  </a:outerShdw>
-                </a:effectLst>
-              </a:rPr>
-              <a:t> </a:t>
-            </a:r>
-            <a:r>
-              <a:rPr lang="fr-FR" b="1" dirty="0" err="1" smtClean="0">
-                <a:effectLst>
-                  <a:outerShdw blurRad="38100" dist="38100" dir="2700000" algn="tl">
-                    <a:srgbClr val="000000">
-                      <a:alpha val="43137"/>
-                    </a:srgbClr>
-                  </a:outerShdw>
-                </a:effectLst>
-              </a:rPr>
-              <a:t>ny</a:t>
-            </a:r>
-            <a:r>
-              <a:rPr lang="fr-FR" b="1" dirty="0">
-                <a:effectLst>
-                  <a:outerShdw blurRad="38100" dist="38100" dir="2700000" algn="tl">
-                    <a:srgbClr val="000000">
-                      <a:alpha val="43137"/>
-                    </a:srgbClr>
-                  </a:outerShdw>
-                </a:effectLst>
-              </a:rPr>
-              <a:t> </a:t>
-            </a:r>
-            <a:r>
-              <a:rPr lang="fr-FR" b="1" dirty="0" err="1" smtClean="0">
-                <a:effectLst>
-                  <a:outerShdw blurRad="38100" dist="38100" dir="2700000" algn="tl">
-                    <a:srgbClr val="000000">
-                      <a:alpha val="43137"/>
-                    </a:srgbClr>
-                  </a:outerShdw>
-                </a:effectLst>
-              </a:rPr>
-              <a:t>fahavalonao</a:t>
-            </a:r>
-            <a:r>
-              <a:rPr lang="fr-FR" b="1" dirty="0" smtClean="0">
+              <a:rPr lang="fr-FR" sz="5400" b="1" dirty="0">
+                <a:effectLst>
+                  <a:outerShdw blurRad="38100" dist="38100" dir="2700000" algn="tl">
+                    <a:srgbClr val="000000">
+                      <a:alpha val="43137"/>
+                    </a:srgbClr>
+                  </a:outerShdw>
+                </a:effectLst>
+              </a:rPr>
+              <a:t>Fa </a:t>
+            </a:r>
+            <a:r>
+              <a:rPr lang="fr-FR" sz="5400" b="1" dirty="0" err="1">
+                <a:effectLst>
+                  <a:outerShdw blurRad="38100" dist="38100" dir="2700000" algn="tl">
+                    <a:srgbClr val="000000">
+                      <a:alpha val="43137"/>
+                    </a:srgbClr>
+                  </a:outerShdw>
+                </a:effectLst>
+              </a:rPr>
+              <a:t>izay</a:t>
+            </a:r>
+            <a:r>
+              <a:rPr lang="fr-FR" sz="5400" b="1" dirty="0">
+                <a:effectLst>
+                  <a:outerShdw blurRad="38100" dist="38100" dir="2700000" algn="tl">
+                    <a:srgbClr val="000000">
+                      <a:alpha val="43137"/>
+                    </a:srgbClr>
+                  </a:outerShdw>
+                </a:effectLst>
+              </a:rPr>
+              <a:t> </a:t>
+            </a:r>
+            <a:r>
+              <a:rPr lang="fr-FR" sz="5400" b="1" dirty="0" err="1">
+                <a:effectLst>
+                  <a:outerShdw blurRad="38100" dist="38100" dir="2700000" algn="tl">
+                    <a:srgbClr val="000000">
+                      <a:alpha val="43137"/>
+                    </a:srgbClr>
+                  </a:outerShdw>
+                </a:effectLst>
+              </a:rPr>
+              <a:t>malaina</a:t>
+            </a:r>
+            <a:r>
+              <a:rPr lang="fr-FR" sz="5400" b="1" dirty="0">
+                <a:effectLst>
+                  <a:outerShdw blurRad="38100" dist="38100" dir="2700000" algn="tl">
+                    <a:srgbClr val="000000">
+                      <a:alpha val="43137"/>
+                    </a:srgbClr>
+                  </a:outerShdw>
+                </a:effectLst>
+              </a:rPr>
+              <a:t> dia ho </a:t>
+            </a:r>
+            <a:r>
+              <a:rPr lang="fr-FR" sz="5400" b="1" dirty="0" err="1">
+                <a:effectLst>
+                  <a:outerShdw blurRad="38100" dist="38100" dir="2700000" algn="tl">
+                    <a:srgbClr val="000000">
+                      <a:alpha val="43137"/>
+                    </a:srgbClr>
+                  </a:outerShdw>
+                </a:effectLst>
+              </a:rPr>
+              <a:t>very</a:t>
+            </a:r>
+            <a:r>
+              <a:rPr lang="fr-FR" sz="5400" b="1" dirty="0">
                 <a:effectLst>
                   <a:outerShdw blurRad="38100" dist="38100" dir="2700000" algn="tl">
                     <a:srgbClr val="000000">
@@ -4912,593 +4360,14 @@
               </a:rPr>
               <a:t>.</a:t>
             </a:r>
-            <a:br>
-              <a:rPr lang="fr-FR" b="1" dirty="0" smtClean="0">
-                <a:effectLst>
-                  <a:outerShdw blurRad="38100" dist="38100" dir="2700000" algn="tl">
-                    <a:srgbClr val="000000">
-                      <a:alpha val="43137"/>
-                    </a:srgbClr>
-                  </a:outerShdw>
-                </a:effectLst>
-              </a:rPr>
-            </a:br>
-            <a:r>
-              <a:rPr lang="fr-FR" b="1" dirty="0" smtClean="0">
-                <a:effectLst>
-                  <a:outerShdw blurRad="38100" dist="38100" dir="2700000" algn="tl">
-                    <a:srgbClr val="000000">
-                      <a:alpha val="43137"/>
-                    </a:srgbClr>
-                  </a:outerShdw>
-                </a:effectLst>
-              </a:rPr>
-              <a:t>   </a:t>
-            </a:r>
-            <a:r>
-              <a:rPr lang="fr-FR" b="1" dirty="0" err="1" smtClean="0">
-                <a:effectLst>
-                  <a:outerShdw blurRad="38100" dist="38100" dir="2700000" algn="tl">
-                    <a:srgbClr val="000000">
-                      <a:alpha val="43137"/>
-                    </a:srgbClr>
-                  </a:outerShdw>
-                </a:effectLst>
-              </a:rPr>
-              <a:t>Fetsy</a:t>
-            </a:r>
-            <a:r>
-              <a:rPr lang="fr-FR" b="1" dirty="0" smtClean="0">
-                <a:effectLst>
-                  <a:outerShdw blurRad="38100" dist="38100" dir="2700000" algn="tl">
-                    <a:srgbClr val="000000">
-                      <a:alpha val="43137"/>
-                    </a:srgbClr>
-                  </a:outerShdw>
-                </a:effectLst>
-              </a:rPr>
-              <a:t> </a:t>
-            </a:r>
-            <a:r>
-              <a:rPr lang="fr-FR" b="1" dirty="0" err="1" smtClean="0">
-                <a:effectLst>
-                  <a:outerShdw blurRad="38100" dist="38100" dir="2700000" algn="tl">
-                    <a:srgbClr val="000000">
-                      <a:alpha val="43137"/>
-                    </a:srgbClr>
-                  </a:outerShdw>
-                </a:effectLst>
-              </a:rPr>
-              <a:t>izy</a:t>
-            </a:r>
-            <a:r>
-              <a:rPr lang="fr-FR" b="1" dirty="0" smtClean="0">
-                <a:effectLst>
-                  <a:outerShdw blurRad="38100" dist="38100" dir="2700000" algn="tl">
-                    <a:srgbClr val="000000">
-                      <a:alpha val="43137"/>
-                    </a:srgbClr>
-                  </a:outerShdw>
-                </a:effectLst>
-              </a:rPr>
-              <a:t>  </a:t>
-            </a:r>
-            <a:r>
-              <a:rPr lang="fr-FR" b="1" dirty="0" err="1" smtClean="0">
-                <a:effectLst>
-                  <a:outerShdw blurRad="38100" dist="38100" dir="2700000" algn="tl">
-                    <a:srgbClr val="000000">
-                      <a:alpha val="43137"/>
-                    </a:srgbClr>
-                  </a:outerShdw>
-                </a:effectLst>
-              </a:rPr>
-              <a:t>ireo</a:t>
-            </a:r>
-            <a:r>
-              <a:rPr lang="fr-FR" b="1" dirty="0" smtClean="0">
-                <a:effectLst>
-                  <a:outerShdw blurRad="38100" dist="38100" dir="2700000" algn="tl">
-                    <a:srgbClr val="000000">
-                      <a:alpha val="43137"/>
-                    </a:srgbClr>
-                  </a:outerShdw>
-                </a:effectLst>
-              </a:rPr>
-              <a:t> ka </a:t>
-            </a:r>
-            <a:r>
-              <a:rPr lang="fr-FR" b="1" dirty="0" err="1" smtClean="0">
-                <a:effectLst>
-                  <a:outerShdw blurRad="38100" dist="38100" dir="2700000" algn="tl">
-                    <a:srgbClr val="000000">
-                      <a:alpha val="43137"/>
-                    </a:srgbClr>
-                  </a:outerShdw>
-                </a:effectLst>
-              </a:rPr>
-              <a:t>mahaiza</a:t>
-            </a:r>
-            <a:r>
-              <a:rPr lang="fr-FR" b="1" dirty="0" smtClean="0">
-                <a:effectLst>
-                  <a:outerShdw blurRad="38100" dist="38100" dir="2700000" algn="tl">
-                    <a:srgbClr val="000000">
-                      <a:alpha val="43137"/>
-                    </a:srgbClr>
-                  </a:outerShdw>
-                </a:effectLst>
-              </a:rPr>
-              <a:t>,</a:t>
-            </a:r>
-            <a:br>
-              <a:rPr lang="fr-FR" b="1" dirty="0" smtClean="0">
-                <a:effectLst>
-                  <a:outerShdw blurRad="38100" dist="38100" dir="2700000" algn="tl">
-                    <a:srgbClr val="000000">
-                      <a:alpha val="43137"/>
-                    </a:srgbClr>
-                  </a:outerShdw>
-                </a:effectLst>
-              </a:rPr>
-            </a:br>
-            <a:r>
-              <a:rPr lang="fr-FR" b="1" dirty="0" smtClean="0">
-                <a:effectLst>
-                  <a:outerShdw blurRad="38100" dist="38100" dir="2700000" algn="tl">
-                    <a:srgbClr val="000000">
-                      <a:alpha val="43137"/>
-                    </a:srgbClr>
-                  </a:outerShdw>
-                </a:effectLst>
-              </a:rPr>
-              <a:t>   </a:t>
-            </a:r>
-            <a:r>
-              <a:rPr lang="fr-FR" b="1" dirty="0" err="1" smtClean="0">
-                <a:effectLst>
-                  <a:outerShdw blurRad="38100" dist="38100" dir="2700000" algn="tl">
-                    <a:srgbClr val="000000">
-                      <a:alpha val="43137"/>
-                    </a:srgbClr>
-                  </a:outerShdw>
-                </a:effectLst>
-              </a:rPr>
-              <a:t>Izay</a:t>
-            </a:r>
-            <a:r>
-              <a:rPr lang="fr-FR" b="1" dirty="0" smtClean="0">
-                <a:effectLst>
-                  <a:outerShdw blurRad="38100" dist="38100" dir="2700000" algn="tl">
-                    <a:srgbClr val="000000">
-                      <a:alpha val="43137"/>
-                    </a:srgbClr>
-                  </a:outerShdw>
-                </a:effectLst>
-              </a:rPr>
-              <a:t> </a:t>
-            </a:r>
-            <a:r>
-              <a:rPr lang="fr-FR" b="1" dirty="0" err="1" smtClean="0">
-                <a:effectLst>
-                  <a:outerShdw blurRad="38100" dist="38100" dir="2700000" algn="tl">
-                    <a:srgbClr val="000000">
-                      <a:alpha val="43137"/>
-                    </a:srgbClr>
-                  </a:outerShdw>
-                </a:effectLst>
-              </a:rPr>
-              <a:t>rehetra</a:t>
-            </a:r>
-            <a:r>
-              <a:rPr lang="fr-FR" b="1" dirty="0" smtClean="0">
-                <a:effectLst>
-                  <a:outerShdw blurRad="38100" dist="38100" dir="2700000" algn="tl">
-                    <a:srgbClr val="000000">
-                      <a:alpha val="43137"/>
-                    </a:srgbClr>
-                  </a:outerShdw>
-                </a:effectLst>
-              </a:rPr>
-              <a:t> </a:t>
-            </a:r>
-            <a:r>
-              <a:rPr lang="fr-FR" b="1" dirty="0" err="1" smtClean="0">
-                <a:effectLst>
-                  <a:outerShdw blurRad="38100" dist="38100" dir="2700000" algn="tl">
-                    <a:srgbClr val="000000">
-                      <a:alpha val="43137"/>
-                    </a:srgbClr>
-                  </a:outerShdw>
-                </a:effectLst>
-              </a:rPr>
-              <a:t>mamin’izao</a:t>
-            </a:r>
-            <a:r>
-              <a:rPr lang="fr-FR" b="1" dirty="0">
-                <a:effectLst>
-                  <a:outerShdw blurRad="38100" dist="38100" dir="2700000" algn="tl">
-                    <a:srgbClr val="000000">
-                      <a:alpha val="43137"/>
-                    </a:srgbClr>
-                  </a:outerShdw>
-                </a:effectLst>
-              </a:rPr>
-              <a:t> </a:t>
-            </a:r>
-            <a:r>
-              <a:rPr lang="fr-FR" b="1" dirty="0" err="1" smtClean="0">
-                <a:effectLst>
-                  <a:outerShdw blurRad="38100" dist="38100" dir="2700000" algn="tl">
-                    <a:srgbClr val="000000">
-                      <a:alpha val="43137"/>
-                    </a:srgbClr>
-                  </a:outerShdw>
-                </a:effectLst>
-              </a:rPr>
-              <a:t>tontolo</a:t>
-            </a:r>
-            <a:r>
-              <a:rPr lang="fr-FR" b="1" dirty="0" smtClean="0">
-                <a:effectLst>
-                  <a:outerShdw blurRad="38100" dist="38100" dir="2700000" algn="tl">
-                    <a:srgbClr val="000000">
-                      <a:alpha val="43137"/>
-                    </a:srgbClr>
-                  </a:outerShdw>
-                </a:effectLst>
-              </a:rPr>
-              <a:t> </a:t>
-            </a:r>
-            <a:r>
-              <a:rPr lang="fr-FR" b="1" dirty="0" err="1" smtClean="0">
-                <a:effectLst>
-                  <a:outerShdw blurRad="38100" dist="38100" dir="2700000" algn="tl">
-                    <a:srgbClr val="000000">
-                      <a:alpha val="43137"/>
-                    </a:srgbClr>
-                  </a:outerShdw>
-                </a:effectLst>
-              </a:rPr>
-              <a:t>izao</a:t>
-            </a:r>
-            <a:r>
-              <a:rPr lang="fr-FR" b="1" dirty="0" smtClean="0">
-                <a:effectLst>
-                  <a:outerShdw blurRad="38100" dist="38100" dir="2700000" algn="tl">
-                    <a:srgbClr val="000000">
-                      <a:alpha val="43137"/>
-                    </a:srgbClr>
-                  </a:outerShdw>
-                </a:effectLst>
-              </a:rPr>
-              <a:t/>
-            </a:r>
-            <a:br>
-              <a:rPr lang="fr-FR" b="1" dirty="0" smtClean="0">
-                <a:effectLst>
-                  <a:outerShdw blurRad="38100" dist="38100" dir="2700000" algn="tl">
-                    <a:srgbClr val="000000">
-                      <a:alpha val="43137"/>
-                    </a:srgbClr>
-                  </a:outerShdw>
-                </a:effectLst>
-              </a:rPr>
-            </a:br>
-            <a:r>
-              <a:rPr lang="fr-FR" b="1" dirty="0" smtClean="0">
-                <a:effectLst>
-                  <a:outerShdw blurRad="38100" dist="38100" dir="2700000" algn="tl">
-                    <a:srgbClr val="000000">
-                      <a:alpha val="43137"/>
-                    </a:srgbClr>
-                  </a:outerShdw>
-                </a:effectLst>
-              </a:rPr>
-              <a:t>   Dia </a:t>
-            </a:r>
-            <a:r>
-              <a:rPr lang="fr-FR" b="1" dirty="0" err="1" smtClean="0">
-                <a:effectLst>
-                  <a:outerShdw blurRad="38100" dist="38100" dir="2700000" algn="tl">
-                    <a:srgbClr val="000000">
-                      <a:alpha val="43137"/>
-                    </a:srgbClr>
-                  </a:outerShdw>
-                </a:effectLst>
-              </a:rPr>
-              <a:t>avelao</a:t>
-            </a:r>
-            <a:r>
-              <a:rPr lang="fr-FR" b="1" dirty="0" smtClean="0">
-                <a:effectLst>
-                  <a:outerShdw blurRad="38100" dist="38100" dir="2700000" algn="tl">
-                    <a:srgbClr val="000000">
-                      <a:alpha val="43137"/>
-                    </a:srgbClr>
-                  </a:outerShdw>
-                </a:effectLst>
-              </a:rPr>
-              <a:t>, fa </a:t>
-            </a:r>
-            <a:r>
-              <a:rPr lang="fr-FR" b="1" dirty="0" err="1" smtClean="0">
-                <a:effectLst>
-                  <a:outerShdw blurRad="38100" dist="38100" dir="2700000" algn="tl">
-                    <a:srgbClr val="000000">
-                      <a:alpha val="43137"/>
-                    </a:srgbClr>
-                  </a:outerShdw>
-                </a:effectLst>
-              </a:rPr>
-              <a:t>mamandrika</a:t>
-            </a:r>
-            <a:r>
-              <a:rPr lang="fr-FR" b="1" dirty="0">
-                <a:effectLst>
-                  <a:outerShdw blurRad="38100" dist="38100" dir="2700000" algn="tl">
-                    <a:srgbClr val="000000">
-                      <a:alpha val="43137"/>
-                    </a:srgbClr>
-                  </a:outerShdw>
-                </a:effectLst>
-              </a:rPr>
-              <a:t> </a:t>
-            </a:r>
-            <a:r>
-              <a:rPr lang="fr-FR" b="1" dirty="0" err="1" smtClean="0">
-                <a:effectLst>
-                  <a:outerShdw blurRad="38100" dist="38100" dir="2700000" algn="tl">
-                    <a:srgbClr val="000000">
-                      <a:alpha val="43137"/>
-                    </a:srgbClr>
-                  </a:outerShdw>
-                </a:effectLst>
-              </a:rPr>
-              <a:t>anao</a:t>
-            </a:r>
-            <a:r>
-              <a:rPr lang="fr-FR" b="1" dirty="0" smtClean="0">
-                <a:effectLst>
-                  <a:outerShdw blurRad="38100" dist="38100" dir="2700000" algn="tl">
-                    <a:srgbClr val="000000">
-                      <a:alpha val="43137"/>
-                    </a:srgbClr>
-                  </a:outerShdw>
-                </a:effectLst>
-              </a:rPr>
-              <a:t> ;</a:t>
-            </a:r>
-            <a:br>
-              <a:rPr lang="fr-FR" b="1" dirty="0" smtClean="0">
-                <a:effectLst>
-                  <a:outerShdw blurRad="38100" dist="38100" dir="2700000" algn="tl">
-                    <a:srgbClr val="000000">
-                      <a:alpha val="43137"/>
-                    </a:srgbClr>
-                  </a:outerShdw>
-                </a:effectLst>
-              </a:rPr>
-            </a:br>
-            <a:r>
-              <a:rPr lang="fr-FR" b="1" dirty="0" smtClean="0">
-                <a:effectLst>
-                  <a:outerShdw blurRad="38100" dist="38100" dir="2700000" algn="tl">
-                    <a:srgbClr val="000000">
-                      <a:alpha val="43137"/>
-                    </a:srgbClr>
-                  </a:outerShdw>
-                </a:effectLst>
-              </a:rPr>
-              <a:t>   </a:t>
-            </a:r>
-            <a:r>
-              <a:rPr lang="fr-FR" b="1" dirty="0" err="1" smtClean="0">
-                <a:effectLst>
-                  <a:outerShdw blurRad="38100" dist="38100" dir="2700000" algn="tl">
-                    <a:srgbClr val="000000">
-                      <a:alpha val="43137"/>
-                    </a:srgbClr>
-                  </a:outerShdw>
-                </a:effectLst>
-              </a:rPr>
-              <a:t>Aoka</a:t>
-            </a:r>
-            <a:r>
-              <a:rPr lang="fr-FR" b="1" dirty="0" smtClean="0">
-                <a:effectLst>
-                  <a:outerShdw blurRad="38100" dist="38100" dir="2700000" algn="tl">
-                    <a:srgbClr val="000000">
-                      <a:alpha val="43137"/>
-                    </a:srgbClr>
-                  </a:outerShdw>
-                </a:effectLst>
-              </a:rPr>
-              <a:t> </a:t>
-            </a:r>
-            <a:r>
-              <a:rPr lang="fr-FR" b="1" dirty="0" err="1" smtClean="0">
-                <a:effectLst>
-                  <a:outerShdw blurRad="38100" dist="38100" dir="2700000" algn="tl">
-                    <a:srgbClr val="000000">
-                      <a:alpha val="43137"/>
-                    </a:srgbClr>
-                  </a:outerShdw>
-                </a:effectLst>
-              </a:rPr>
-              <a:t>mba</a:t>
-            </a:r>
-            <a:r>
-              <a:rPr lang="fr-FR" b="1" dirty="0" smtClean="0">
-                <a:effectLst>
-                  <a:outerShdw blurRad="38100" dist="38100" dir="2700000" algn="tl">
-                    <a:srgbClr val="000000">
-                      <a:alpha val="43137"/>
-                    </a:srgbClr>
-                  </a:outerShdw>
-                </a:effectLst>
-              </a:rPr>
-              <a:t> </a:t>
-            </a:r>
-            <a:r>
-              <a:rPr lang="fr-FR" b="1" dirty="0" err="1" smtClean="0">
-                <a:effectLst>
-                  <a:outerShdw blurRad="38100" dist="38100" dir="2700000" algn="tl">
-                    <a:srgbClr val="000000">
-                      <a:alpha val="43137"/>
-                    </a:srgbClr>
-                  </a:outerShdw>
-                </a:effectLst>
-              </a:rPr>
-              <a:t>Jesosy</a:t>
-            </a:r>
-            <a:r>
-              <a:rPr lang="fr-FR" b="1" dirty="0" smtClean="0">
-                <a:effectLst>
-                  <a:outerShdw blurRad="38100" dist="38100" dir="2700000" algn="tl">
-                    <a:srgbClr val="000000">
-                      <a:alpha val="43137"/>
-                    </a:srgbClr>
-                  </a:outerShdw>
-                </a:effectLst>
-              </a:rPr>
-              <a:t> no </a:t>
-            </a:r>
-            <a:r>
-              <a:rPr lang="fr-FR" b="1" dirty="0" err="1" smtClean="0">
-                <a:effectLst>
-                  <a:outerShdw blurRad="38100" dist="38100" dir="2700000" algn="tl">
-                    <a:srgbClr val="000000">
-                      <a:alpha val="43137"/>
-                    </a:srgbClr>
-                  </a:outerShdw>
-                </a:effectLst>
-              </a:rPr>
-              <a:t>hifalianao</a:t>
-            </a:r>
-            <a:r>
-              <a:rPr lang="fr-FR" b="1" dirty="0" smtClean="0">
-                <a:effectLst>
-                  <a:outerShdw blurRad="38100" dist="38100" dir="2700000" algn="tl">
-                    <a:srgbClr val="000000">
-                      <a:alpha val="43137"/>
-                    </a:srgbClr>
-                  </a:outerShdw>
-                </a:effectLst>
-              </a:rPr>
-              <a:t>,</a:t>
-            </a:r>
-            <a:br>
-              <a:rPr lang="fr-FR" b="1" dirty="0" smtClean="0">
-                <a:effectLst>
-                  <a:outerShdw blurRad="38100" dist="38100" dir="2700000" algn="tl">
-                    <a:srgbClr val="000000">
-                      <a:alpha val="43137"/>
-                    </a:srgbClr>
-                  </a:outerShdw>
-                </a:effectLst>
-              </a:rPr>
-            </a:br>
-            <a:r>
-              <a:rPr lang="fr-FR" b="1" dirty="0" smtClean="0">
-                <a:effectLst>
-                  <a:outerShdw blurRad="38100" dist="38100" dir="2700000" algn="tl">
-                    <a:srgbClr val="000000">
-                      <a:alpha val="43137"/>
-                    </a:srgbClr>
-                  </a:outerShdw>
-                </a:effectLst>
-              </a:rPr>
-              <a:t>   </a:t>
-            </a:r>
-            <a:r>
-              <a:rPr lang="fr-FR" b="1" dirty="0" err="1" smtClean="0">
-                <a:effectLst>
-                  <a:outerShdw blurRad="38100" dist="38100" dir="2700000" algn="tl">
-                    <a:srgbClr val="000000">
-                      <a:alpha val="43137"/>
-                    </a:srgbClr>
-                  </a:outerShdw>
-                </a:effectLst>
-              </a:rPr>
-              <a:t>Eny</a:t>
-            </a:r>
-            <a:r>
-              <a:rPr lang="fr-FR" b="1" dirty="0" smtClean="0">
-                <a:effectLst>
-                  <a:outerShdw blurRad="38100" dist="38100" dir="2700000" algn="tl">
-                    <a:srgbClr val="000000">
-                      <a:alpha val="43137"/>
-                    </a:srgbClr>
-                  </a:outerShdw>
-                </a:effectLst>
-              </a:rPr>
-              <a:t> </a:t>
-            </a:r>
-            <a:r>
-              <a:rPr lang="fr-FR" b="1" dirty="0" err="1" smtClean="0">
-                <a:effectLst>
-                  <a:outerShdw blurRad="38100" dist="38100" dir="2700000" algn="tl">
-                    <a:srgbClr val="000000">
-                      <a:alpha val="43137"/>
-                    </a:srgbClr>
-                  </a:outerShdw>
-                </a:effectLst>
-              </a:rPr>
-              <a:t>hifalianao</a:t>
-            </a:r>
-            <a:r>
-              <a:rPr lang="fr-FR" b="1" dirty="0" smtClean="0">
-                <a:effectLst>
-                  <a:outerShdw blurRad="38100" dist="38100" dir="2700000" algn="tl">
-                    <a:srgbClr val="000000">
-                      <a:alpha val="43137"/>
-                    </a:srgbClr>
-                  </a:outerShdw>
-                </a:effectLst>
-              </a:rPr>
-              <a:t> </a:t>
-            </a:r>
-            <a:r>
-              <a:rPr lang="fr-FR" b="1" dirty="0" err="1" smtClean="0">
-                <a:effectLst>
-                  <a:outerShdw blurRad="38100" dist="38100" dir="2700000" algn="tl">
-                    <a:srgbClr val="000000">
-                      <a:alpha val="43137"/>
-                    </a:srgbClr>
-                  </a:outerShdw>
-                </a:effectLst>
-              </a:rPr>
-              <a:t>tokoa</a:t>
-            </a:r>
-            <a:r>
-              <a:rPr lang="fr-FR" b="1" dirty="0" smtClean="0">
-                <a:effectLst>
-                  <a:outerShdw blurRad="38100" dist="38100" dir="2700000" algn="tl">
-                    <a:srgbClr val="000000">
-                      <a:alpha val="43137"/>
-                    </a:srgbClr>
-                  </a:outerShdw>
-                </a:effectLst>
-              </a:rPr>
-              <a:t>.</a:t>
-            </a:r>
-            <a:endParaRPr lang="fr-FR" b="1" dirty="0">
-              <a:effectLst>
-                <a:outerShdw blurRad="38100" dist="38100" dir="2700000" algn="tl">
-                  <a:srgbClr val="000000">
-                    <a:alpha val="43137"/>
-                  </a:srgbClr>
-                </a:outerShdw>
-              </a:effectLst>
-            </a:endParaRPr>
+            <a:endParaRPr lang="fr-FR" sz="5400" dirty="0"/>
           </a:p>
         </p:txBody>
       </p:sp>
     </p:spTree>
     <p:extLst>
       <p:ext uri="{BB962C8B-B14F-4D97-AF65-F5344CB8AC3E}">
-        <p14:creationId xmlns:p14="http://schemas.microsoft.com/office/powerpoint/2010/main" val="2855291783"/>
+        <p14:creationId xmlns:p14="http://schemas.microsoft.com/office/powerpoint/2010/main" val="3496688231"/>
       </p:ext>
     </p:extLst>
   </p:cSld>
@@ -5548,103 +4417,115 @@
           <a:lstStyle/>
           <a:p>
             <a:r>
-              <a:rPr lang="fr-FR" b="1" dirty="0" smtClean="0">
-                <a:effectLst>
-                  <a:outerShdw blurRad="38100" dist="38100" dir="2700000" algn="tl">
-                    <a:srgbClr val="000000">
-                      <a:alpha val="43137"/>
-                    </a:srgbClr>
-                  </a:outerShdw>
-                </a:effectLst>
-              </a:rPr>
-              <a:t>3. </a:t>
-            </a:r>
-            <a:r>
-              <a:rPr lang="fr-FR" b="1" dirty="0" err="1" smtClean="0">
-                <a:effectLst>
-                  <a:outerShdw blurRad="38100" dist="38100" dir="2700000" algn="tl">
-                    <a:srgbClr val="000000">
-                      <a:alpha val="43137"/>
-                    </a:srgbClr>
-                  </a:outerShdw>
-                </a:effectLst>
-              </a:rPr>
-              <a:t>Satroboninahitra</a:t>
-            </a:r>
-            <a:r>
-              <a:rPr lang="fr-FR" b="1" dirty="0" smtClean="0">
-                <a:effectLst>
-                  <a:outerShdw blurRad="38100" dist="38100" dir="2700000" algn="tl">
-                    <a:srgbClr val="000000">
-                      <a:alpha val="43137"/>
-                    </a:srgbClr>
-                  </a:outerShdw>
-                </a:effectLst>
-              </a:rPr>
-              <a:t> </a:t>
-            </a:r>
-            <a:r>
-              <a:rPr lang="fr-FR" b="1" dirty="0" err="1" smtClean="0">
-                <a:effectLst>
-                  <a:outerShdw blurRad="38100" dist="38100" dir="2700000" algn="tl">
-                    <a:srgbClr val="000000">
-                      <a:alpha val="43137"/>
-                    </a:srgbClr>
-                  </a:outerShdw>
-                </a:effectLst>
-              </a:rPr>
-              <a:t>tsy</a:t>
-            </a:r>
-            <a:r>
-              <a:rPr lang="fr-FR" b="1" dirty="0" smtClean="0">
-                <a:effectLst>
-                  <a:outerShdw blurRad="38100" dist="38100" dir="2700000" algn="tl">
-                    <a:srgbClr val="000000">
-                      <a:alpha val="43137"/>
-                    </a:srgbClr>
-                  </a:outerShdw>
-                </a:effectLst>
-              </a:rPr>
-              <a:t> ho</a:t>
-            </a:r>
-            <a:r>
-              <a:rPr lang="fr-FR" b="1" dirty="0">
-                <a:effectLst>
-                  <a:outerShdw blurRad="38100" dist="38100" dir="2700000" algn="tl">
-                    <a:srgbClr val="000000">
-                      <a:alpha val="43137"/>
-                    </a:srgbClr>
-                  </a:outerShdw>
-                </a:effectLst>
-              </a:rPr>
-              <a:t> </a:t>
-            </a:r>
-            <a:r>
-              <a:rPr lang="fr-FR" b="1" dirty="0" err="1" smtClean="0">
-                <a:effectLst>
-                  <a:outerShdw blurRad="38100" dist="38100" dir="2700000" algn="tl">
-                    <a:srgbClr val="000000">
-                      <a:alpha val="43137"/>
-                    </a:srgbClr>
-                  </a:outerShdw>
-                </a:effectLst>
-              </a:rPr>
-              <a:t>azonao</a:t>
-            </a:r>
-            <a:r>
-              <a:rPr lang="fr-FR" b="1" dirty="0" smtClean="0">
-                <a:effectLst>
-                  <a:outerShdw blurRad="38100" dist="38100" dir="2700000" algn="tl">
-                    <a:srgbClr val="000000">
-                      <a:alpha val="43137"/>
-                    </a:srgbClr>
-                  </a:outerShdw>
-                </a:effectLst>
-              </a:rPr>
-              <a:t/>
+              <a:rPr lang="fr-FR" sz="5400" b="1" dirty="0">
+                <a:effectLst>
+                  <a:outerShdw blurRad="38100" dist="38100" dir="2700000" algn="tl">
+                    <a:srgbClr val="000000">
+                      <a:alpha val="43137"/>
+                    </a:srgbClr>
+                  </a:outerShdw>
+                </a:effectLst>
+              </a:rPr>
+              <a:t>2. </a:t>
+            </a:r>
+            <a:r>
+              <a:rPr lang="fr-FR" sz="5400" b="1" dirty="0" err="1">
+                <a:effectLst>
+                  <a:outerShdw blurRad="38100" dist="38100" dir="2700000" algn="tl">
+                    <a:srgbClr val="000000">
+                      <a:alpha val="43137"/>
+                    </a:srgbClr>
+                  </a:outerShdw>
+                </a:effectLst>
+              </a:rPr>
+              <a:t>Maro</a:t>
+            </a:r>
+            <a:r>
+              <a:rPr lang="fr-FR" sz="5400" b="1" dirty="0">
+                <a:effectLst>
+                  <a:outerShdw blurRad="38100" dist="38100" dir="2700000" algn="tl">
+                    <a:srgbClr val="000000">
+                      <a:alpha val="43137"/>
+                    </a:srgbClr>
+                  </a:outerShdw>
+                </a:effectLst>
+              </a:rPr>
+              <a:t> no </a:t>
+            </a:r>
+            <a:r>
+              <a:rPr lang="fr-FR" sz="5400" b="1" dirty="0" err="1">
+                <a:effectLst>
+                  <a:outerShdw blurRad="38100" dist="38100" dir="2700000" algn="tl">
+                    <a:srgbClr val="000000">
+                      <a:alpha val="43137"/>
+                    </a:srgbClr>
+                  </a:outerShdw>
+                </a:effectLst>
+              </a:rPr>
+              <a:t>mitady</a:t>
+            </a:r>
+            <a:r>
+              <a:rPr lang="fr-FR" sz="5400" b="1" dirty="0">
+                <a:effectLst>
+                  <a:outerShdw blurRad="38100" dist="38100" dir="2700000" algn="tl">
+                    <a:srgbClr val="000000">
+                      <a:alpha val="43137"/>
+                    </a:srgbClr>
+                  </a:outerShdw>
+                </a:effectLst>
+              </a:rPr>
+              <a:t> </a:t>
+            </a:r>
+            <a:r>
+              <a:rPr lang="fr-FR" sz="5400" b="1" dirty="0" err="1">
+                <a:effectLst>
+                  <a:outerShdw blurRad="38100" dist="38100" dir="2700000" algn="tl">
+                    <a:srgbClr val="000000">
+                      <a:alpha val="43137"/>
+                    </a:srgbClr>
+                  </a:outerShdw>
+                </a:effectLst>
+              </a:rPr>
+              <a:t>hisakana</a:t>
+            </a:r>
+            <a:r>
+              <a:rPr lang="fr-FR" sz="5400" b="1" dirty="0">
+                <a:effectLst>
+                  <a:outerShdw blurRad="38100" dist="38100" dir="2700000" algn="tl">
+                    <a:srgbClr val="000000">
+                      <a:alpha val="43137"/>
+                    </a:srgbClr>
+                  </a:outerShdw>
+                </a:effectLst>
+              </a:rPr>
+              <a:t> </a:t>
+            </a:r>
+            <a:r>
+              <a:rPr lang="fr-FR" sz="5400" b="1" dirty="0" err="1">
+                <a:effectLst>
+                  <a:outerShdw blurRad="38100" dist="38100" dir="2700000" algn="tl">
+                    <a:srgbClr val="000000">
+                      <a:alpha val="43137"/>
+                    </a:srgbClr>
+                  </a:outerShdw>
+                </a:effectLst>
+              </a:rPr>
+              <a:t>anao</a:t>
+            </a:r>
+            <a:r>
+              <a:rPr lang="fr-FR" sz="5400" b="1" dirty="0">
+                <a:effectLst>
+                  <a:outerShdw blurRad="38100" dist="38100" dir="2700000" algn="tl">
+                    <a:srgbClr val="000000">
+                      <a:alpha val="43137"/>
+                    </a:srgbClr>
+                  </a:outerShdw>
+                </a:effectLst>
+              </a:rPr>
+              <a:t>,</a:t>
             </a:r>
             <a:br>
-              <a:rPr lang="fr-FR" b="1" dirty="0" smtClean="0">
+              <a:rPr lang="fr-FR" sz="5400" b="1" dirty="0">
                 <a:effectLst>
                   <a:outerShdw blurRad="38100" dist="38100" dir="2700000" algn="tl">
                     <a:srgbClr val="000000">
@@ -5655,115 +4536,127 @@
               </a:rPr>
             </a:br>
             <a:r>
-              <a:rPr lang="fr-FR" b="1" dirty="0" smtClean="0">
-                <a:effectLst>
-                  <a:outerShdw blurRad="38100" dist="38100" dir="2700000" algn="tl">
-                    <a:srgbClr val="000000">
-                      <a:alpha val="43137"/>
-                    </a:srgbClr>
-                  </a:outerShdw>
-                </a:effectLst>
-              </a:rPr>
-              <a:t>   </a:t>
-            </a:r>
-            <a:r>
-              <a:rPr lang="fr-FR" b="1" dirty="0" err="1" smtClean="0">
-                <a:effectLst>
-                  <a:outerShdw blurRad="38100" dist="38100" dir="2700000" algn="tl">
-                    <a:srgbClr val="000000">
-                      <a:alpha val="43137"/>
-                    </a:srgbClr>
-                  </a:outerShdw>
-                </a:effectLst>
-              </a:rPr>
-              <a:t>Raha</a:t>
-            </a:r>
-            <a:r>
-              <a:rPr lang="fr-FR" b="1" dirty="0" smtClean="0">
-                <a:effectLst>
-                  <a:outerShdw blurRad="38100" dist="38100" dir="2700000" algn="tl">
-                    <a:srgbClr val="000000">
-                      <a:alpha val="43137"/>
-                    </a:srgbClr>
-                  </a:outerShdw>
-                </a:effectLst>
-              </a:rPr>
-              <a:t> </a:t>
-            </a:r>
-            <a:r>
-              <a:rPr lang="fr-FR" b="1" dirty="0" err="1" smtClean="0">
-                <a:effectLst>
-                  <a:outerShdw blurRad="38100" dist="38100" dir="2700000" algn="tl">
-                    <a:srgbClr val="000000">
-                      <a:alpha val="43137"/>
-                    </a:srgbClr>
-                  </a:outerShdw>
-                </a:effectLst>
-              </a:rPr>
-              <a:t>tsy</a:t>
-            </a:r>
-            <a:r>
-              <a:rPr lang="fr-FR" b="1" dirty="0" smtClean="0">
-                <a:effectLst>
-                  <a:outerShdw blurRad="38100" dist="38100" dir="2700000" algn="tl">
-                    <a:srgbClr val="000000">
-                      <a:alpha val="43137"/>
-                    </a:srgbClr>
-                  </a:outerShdw>
-                </a:effectLst>
-              </a:rPr>
-              <a:t> </a:t>
-            </a:r>
-            <a:r>
-              <a:rPr lang="fr-FR" b="1" dirty="0" err="1" smtClean="0">
-                <a:effectLst>
-                  <a:outerShdw blurRad="38100" dist="38100" dir="2700000" algn="tl">
-                    <a:srgbClr val="000000">
-                      <a:alpha val="43137"/>
-                    </a:srgbClr>
-                  </a:outerShdw>
-                </a:effectLst>
-              </a:rPr>
-              <a:t>katsahinao</a:t>
-            </a:r>
-            <a:r>
-              <a:rPr lang="fr-FR" b="1" dirty="0" smtClean="0">
-                <a:effectLst>
-                  <a:outerShdw blurRad="38100" dist="38100" dir="2700000" algn="tl">
-                    <a:srgbClr val="000000">
-                      <a:alpha val="43137"/>
-                    </a:srgbClr>
-                  </a:outerShdw>
-                </a:effectLst>
-              </a:rPr>
-              <a:t> </a:t>
-            </a:r>
-            <a:r>
-              <a:rPr lang="fr-FR" b="1" dirty="0" err="1" smtClean="0">
-                <a:effectLst>
-                  <a:outerShdw blurRad="38100" dist="38100" dir="2700000" algn="tl">
-                    <a:srgbClr val="000000">
-                      <a:alpha val="43137"/>
-                    </a:srgbClr>
-                  </a:outerShdw>
-                </a:effectLst>
-              </a:rPr>
-              <a:t>tokoa</a:t>
-            </a:r>
-            <a:r>
-              <a:rPr lang="fr-FR" b="1" dirty="0" smtClean="0">
-                <a:effectLst>
-                  <a:outerShdw blurRad="38100" dist="38100" dir="2700000" algn="tl">
-                    <a:srgbClr val="000000">
-                      <a:alpha val="43137"/>
-                    </a:srgbClr>
-                  </a:outerShdw>
-                </a:effectLst>
-              </a:rPr>
-              <a:t/>
+              <a:rPr lang="fr-FR" sz="5400" b="1" dirty="0" err="1">
+                <a:effectLst>
+                  <a:outerShdw blurRad="38100" dist="38100" dir="2700000" algn="tl">
+                    <a:srgbClr val="000000">
+                      <a:alpha val="43137"/>
+                    </a:srgbClr>
+                  </a:outerShdw>
+                </a:effectLst>
+              </a:rPr>
+              <a:t>Koa</a:t>
+            </a:r>
+            <a:r>
+              <a:rPr lang="fr-FR" sz="5400" b="1" dirty="0">
+                <a:effectLst>
+                  <a:outerShdw blurRad="38100" dist="38100" dir="2700000" algn="tl">
+                    <a:srgbClr val="000000">
+                      <a:alpha val="43137"/>
+                    </a:srgbClr>
+                  </a:outerShdw>
+                </a:effectLst>
+              </a:rPr>
+              <a:t> </a:t>
+            </a:r>
+            <a:r>
+              <a:rPr lang="fr-FR" sz="5400" b="1" dirty="0" err="1">
+                <a:effectLst>
+                  <a:outerShdw blurRad="38100" dist="38100" dir="2700000" algn="tl">
+                    <a:srgbClr val="000000">
+                      <a:alpha val="43137"/>
+                    </a:srgbClr>
+                  </a:outerShdw>
+                </a:effectLst>
+              </a:rPr>
+              <a:t>mba</a:t>
+            </a:r>
+            <a:r>
+              <a:rPr lang="fr-FR" sz="5400" b="1" dirty="0">
+                <a:effectLst>
+                  <a:outerShdw blurRad="38100" dist="38100" dir="2700000" algn="tl">
+                    <a:srgbClr val="000000">
+                      <a:alpha val="43137"/>
+                    </a:srgbClr>
+                  </a:outerShdw>
+                </a:effectLst>
+              </a:rPr>
+              <a:t> </a:t>
+            </a:r>
+            <a:r>
+              <a:rPr lang="fr-FR" sz="5400" b="1" dirty="0" err="1">
+                <a:effectLst>
+                  <a:outerShdw blurRad="38100" dist="38100" dir="2700000" algn="tl">
+                    <a:srgbClr val="000000">
+                      <a:alpha val="43137"/>
+                    </a:srgbClr>
+                  </a:outerShdw>
+                </a:effectLst>
+              </a:rPr>
+              <a:t>tohero</a:t>
+            </a:r>
+            <a:r>
+              <a:rPr lang="fr-FR" sz="5400" b="1" dirty="0">
+                <a:effectLst>
+                  <a:outerShdw blurRad="38100" dist="38100" dir="2700000" algn="tl">
+                    <a:srgbClr val="000000">
+                      <a:alpha val="43137"/>
+                    </a:srgbClr>
+                  </a:outerShdw>
+                </a:effectLst>
+              </a:rPr>
+              <a:t>, </a:t>
+            </a:r>
+            <a:r>
+              <a:rPr lang="fr-FR" sz="5400" b="1" dirty="0" err="1">
+                <a:effectLst>
+                  <a:outerShdw blurRad="38100" dist="38100" dir="2700000" algn="tl">
+                    <a:srgbClr val="000000">
+                      <a:alpha val="43137"/>
+                    </a:srgbClr>
+                  </a:outerShdw>
+                </a:effectLst>
+              </a:rPr>
+              <a:t>ry</a:t>
+            </a:r>
+            <a:r>
+              <a:rPr lang="fr-FR" sz="5400" b="1" dirty="0">
+                <a:effectLst>
+                  <a:outerShdw blurRad="38100" dist="38100" dir="2700000" algn="tl">
+                    <a:srgbClr val="000000">
+                      <a:alpha val="43137"/>
+                    </a:srgbClr>
+                  </a:outerShdw>
+                </a:effectLst>
+              </a:rPr>
+              <a:t> </a:t>
+            </a:r>
+            <a:r>
+              <a:rPr lang="fr-FR" sz="5400" b="1" dirty="0" err="1">
+                <a:effectLst>
+                  <a:outerShdw blurRad="38100" dist="38100" dir="2700000" algn="tl">
+                    <a:srgbClr val="000000">
+                      <a:alpha val="43137"/>
+                    </a:srgbClr>
+                  </a:outerShdw>
+                </a:effectLst>
+              </a:rPr>
+              <a:t>sakaiza</a:t>
+            </a:r>
+            <a:r>
+              <a:rPr lang="fr-FR" sz="5400" b="1" dirty="0">
+                <a:effectLst>
+                  <a:outerShdw blurRad="38100" dist="38100" dir="2700000" algn="tl">
+                    <a:srgbClr val="000000">
+                      <a:alpha val="43137"/>
+                    </a:srgbClr>
+                  </a:outerShdw>
+                </a:effectLst>
+              </a:rPr>
+              <a:t> ;</a:t>
             </a:r>
             <a:br>
-              <a:rPr lang="fr-FR" b="1" dirty="0" smtClean="0">
+              <a:rPr lang="fr-FR" sz="5400" b="1" dirty="0">
                 <a:effectLst>
                   <a:outerShdw blurRad="38100" dist="38100" dir="2700000" algn="tl">
                     <a:srgbClr val="000000">
@@ -5774,67 +4667,79 @@
               </a:rPr>
             </a:br>
             <a:r>
-              <a:rPr lang="fr-FR" b="1" dirty="0" smtClean="0">
-                <a:effectLst>
-                  <a:outerShdw blurRad="38100" dist="38100" dir="2700000" algn="tl">
-                    <a:srgbClr val="000000">
-                      <a:alpha val="43137"/>
-                    </a:srgbClr>
-                  </a:outerShdw>
-                </a:effectLst>
-              </a:rPr>
-              <a:t>   Fa </a:t>
-            </a:r>
-            <a:r>
-              <a:rPr lang="fr-FR" b="1" dirty="0" err="1" smtClean="0">
-                <a:effectLst>
-                  <a:outerShdw blurRad="38100" dist="38100" dir="2700000" algn="tl">
-                    <a:srgbClr val="000000">
-                      <a:alpha val="43137"/>
-                    </a:srgbClr>
-                  </a:outerShdw>
-                </a:effectLst>
-              </a:rPr>
-              <a:t>hevero</a:t>
-            </a:r>
-            <a:r>
-              <a:rPr lang="fr-FR" b="1" dirty="0" smtClean="0">
-                <a:effectLst>
-                  <a:outerShdw blurRad="38100" dist="38100" dir="2700000" algn="tl">
-                    <a:srgbClr val="000000">
-                      <a:alpha val="43137"/>
-                    </a:srgbClr>
-                  </a:outerShdw>
-                </a:effectLst>
-              </a:rPr>
-              <a:t> </a:t>
-            </a:r>
-            <a:r>
-              <a:rPr lang="fr-FR" b="1" dirty="0" err="1" smtClean="0">
-                <a:effectLst>
-                  <a:outerShdw blurRad="38100" dist="38100" dir="2700000" algn="tl">
-                    <a:srgbClr val="000000">
-                      <a:alpha val="43137"/>
-                    </a:srgbClr>
-                  </a:outerShdw>
-                </a:effectLst>
-              </a:rPr>
-              <a:t>kosa</a:t>
-            </a:r>
-            <a:r>
-              <a:rPr lang="fr-FR" b="1" dirty="0" smtClean="0">
-                <a:effectLst>
-                  <a:outerShdw blurRad="38100" dist="38100" dir="2700000" algn="tl">
-                    <a:srgbClr val="000000">
-                      <a:alpha val="43137"/>
-                    </a:srgbClr>
-                  </a:outerShdw>
-                </a:effectLst>
-              </a:rPr>
-              <a:t> </a:t>
-            </a:r>
-            <a:r>
-              <a:rPr lang="fr-FR" b="1" dirty="0" err="1" smtClean="0">
+              <a:rPr lang="fr-FR" sz="5400" b="1" dirty="0" err="1">
+                <a:effectLst>
+                  <a:outerShdw blurRad="38100" dist="38100" dir="2700000" algn="tl">
+                    <a:srgbClr val="000000">
+                      <a:alpha val="43137"/>
+                    </a:srgbClr>
+                  </a:outerShdw>
+                </a:effectLst>
+              </a:rPr>
+              <a:t>Mba</a:t>
+            </a:r>
+            <a:r>
+              <a:rPr lang="fr-FR" sz="5400" b="1" dirty="0">
+                <a:effectLst>
+                  <a:outerShdw blurRad="38100" dist="38100" dir="2700000" algn="tl">
+                    <a:srgbClr val="000000">
+                      <a:alpha val="43137"/>
+                    </a:srgbClr>
+                  </a:outerShdw>
+                </a:effectLst>
+              </a:rPr>
+              <a:t> </a:t>
+            </a:r>
+            <a:r>
+              <a:rPr lang="fr-FR" sz="5400" b="1" dirty="0" err="1">
+                <a:effectLst>
+                  <a:outerShdw blurRad="38100" dist="38100" dir="2700000" algn="tl">
+                    <a:srgbClr val="000000">
+                      <a:alpha val="43137"/>
+                    </a:srgbClr>
+                  </a:outerShdw>
+                </a:effectLst>
+              </a:rPr>
+              <a:t>reseo</a:t>
+            </a:r>
+            <a:r>
+              <a:rPr lang="fr-FR" sz="5400" b="1" dirty="0">
+                <a:effectLst>
+                  <a:outerShdw blurRad="38100" dist="38100" dir="2700000" algn="tl">
+                    <a:srgbClr val="000000">
+                      <a:alpha val="43137"/>
+                    </a:srgbClr>
+                  </a:outerShdw>
+                </a:effectLst>
+              </a:rPr>
+              <a:t> </a:t>
+            </a:r>
+            <a:r>
+              <a:rPr lang="fr-FR" sz="5400" b="1" dirty="0" err="1">
+                <a:effectLst>
+                  <a:outerShdw blurRad="38100" dist="38100" dir="2700000" algn="tl">
+                    <a:srgbClr val="000000">
+                      <a:alpha val="43137"/>
+                    </a:srgbClr>
+                  </a:outerShdw>
+                </a:effectLst>
+              </a:rPr>
+              <a:t>mafy</a:t>
+            </a:r>
+            <a:r>
+              <a:rPr lang="fr-FR" sz="5400" b="1" dirty="0">
+                <a:effectLst>
+                  <a:outerShdw blurRad="38100" dist="38100" dir="2700000" algn="tl">
+                    <a:srgbClr val="000000">
+                      <a:alpha val="43137"/>
+                    </a:srgbClr>
+                  </a:outerShdw>
+                </a:effectLst>
+              </a:rPr>
+              <a:t> </a:t>
+            </a:r>
+            <a:r>
+              <a:rPr lang="fr-FR" sz="5400" b="1" dirty="0" err="1">
                 <a:effectLst>
                   <a:outerShdw blurRad="38100" dist="38100" dir="2700000" algn="tl">
                     <a:srgbClr val="000000">
@@ -5846,43 +4751,43 @@
               <a:t>ny</a:t>
             </a:r>
             <a:r>
-              <a:rPr lang="fr-FR" b="1" dirty="0" smtClean="0">
-                <a:effectLst>
-                  <a:outerShdw blurRad="38100" dist="38100" dir="2700000" algn="tl">
-                    <a:srgbClr val="000000">
-                      <a:alpha val="43137"/>
-                    </a:srgbClr>
-                  </a:outerShdw>
-                </a:effectLst>
-              </a:rPr>
-              <a:t> </a:t>
-            </a:r>
-            <a:r>
-              <a:rPr lang="fr-FR" b="1" dirty="0" err="1" smtClean="0">
-                <a:effectLst>
-                  <a:outerShdw blurRad="38100" dist="38100" dir="2700000" algn="tl">
-                    <a:srgbClr val="000000">
-                      <a:alpha val="43137"/>
-                    </a:srgbClr>
-                  </a:outerShdw>
-                </a:effectLst>
-              </a:rPr>
-              <a:t>fifalianao</a:t>
-            </a:r>
-            <a:r>
-              <a:rPr lang="fr-FR" b="1" dirty="0" smtClean="0">
-                <a:effectLst>
-                  <a:outerShdw blurRad="38100" dist="38100" dir="2700000" algn="tl">
-                    <a:srgbClr val="000000">
-                      <a:alpha val="43137"/>
-                    </a:srgbClr>
-                  </a:outerShdw>
-                </a:effectLst>
-              </a:rPr>
-              <a:t/>
+              <a:rPr lang="fr-FR" sz="5400" b="1" dirty="0">
+                <a:effectLst>
+                  <a:outerShdw blurRad="38100" dist="38100" dir="2700000" algn="tl">
+                    <a:srgbClr val="000000">
+                      <a:alpha val="43137"/>
+                    </a:srgbClr>
+                  </a:outerShdw>
+                </a:effectLst>
+              </a:rPr>
+              <a:t> </a:t>
+            </a:r>
+            <a:r>
+              <a:rPr lang="fr-FR" sz="5400" b="1" dirty="0" err="1">
+                <a:effectLst>
+                  <a:outerShdw blurRad="38100" dist="38100" dir="2700000" algn="tl">
+                    <a:srgbClr val="000000">
+                      <a:alpha val="43137"/>
+                    </a:srgbClr>
+                  </a:outerShdw>
+                </a:effectLst>
+              </a:rPr>
+              <a:t>fahavalonao</a:t>
+            </a:r>
+            <a:r>
+              <a:rPr lang="fr-FR" sz="5400" b="1" dirty="0">
+                <a:effectLst>
+                  <a:outerShdw blurRad="38100" dist="38100" dir="2700000" algn="tl">
+                    <a:srgbClr val="000000">
+                      <a:alpha val="43137"/>
+                    </a:srgbClr>
+                  </a:outerShdw>
+                </a:effectLst>
+              </a:rPr>
+              <a:t>.</a:t>
             </a:r>
             <a:br>
-              <a:rPr lang="fr-FR" b="1" dirty="0" smtClean="0">
+              <a:rPr lang="fr-FR" sz="5400" b="1" dirty="0">
                 <a:effectLst>
                   <a:outerShdw blurRad="38100" dist="38100" dir="2700000" algn="tl">
                     <a:srgbClr val="000000">
@@ -5893,127 +4798,91 @@
               </a:rPr>
             </a:br>
             <a:r>
-              <a:rPr lang="fr-FR" b="1" dirty="0" smtClean="0">
-                <a:effectLst>
-                  <a:outerShdw blurRad="38100" dist="38100" dir="2700000" algn="tl">
-                    <a:srgbClr val="000000">
-                      <a:alpha val="43137"/>
-                    </a:srgbClr>
-                  </a:outerShdw>
-                </a:effectLst>
-              </a:rPr>
-              <a:t>   </a:t>
-            </a:r>
-            <a:r>
-              <a:rPr lang="fr-FR" b="1" dirty="0" err="1" smtClean="0">
-                <a:effectLst>
-                  <a:outerShdw blurRad="38100" dist="38100" dir="2700000" algn="tl">
-                    <a:srgbClr val="000000">
-                      <a:alpha val="43137"/>
-                    </a:srgbClr>
-                  </a:outerShdw>
-                </a:effectLst>
-              </a:rPr>
-              <a:t>Raha</a:t>
-            </a:r>
-            <a:r>
-              <a:rPr lang="fr-FR" b="1" dirty="0" smtClean="0">
-                <a:effectLst>
-                  <a:outerShdw blurRad="38100" dist="38100" dir="2700000" algn="tl">
-                    <a:srgbClr val="000000">
-                      <a:alpha val="43137"/>
-                    </a:srgbClr>
-                  </a:outerShdw>
-                </a:effectLst>
-              </a:rPr>
-              <a:t> </a:t>
-            </a:r>
-            <a:r>
-              <a:rPr lang="fr-FR" b="1" dirty="0" err="1" smtClean="0">
-                <a:effectLst>
-                  <a:outerShdw blurRad="38100" dist="38100" dir="2700000" algn="tl">
-                    <a:srgbClr val="000000">
-                      <a:alpha val="43137"/>
-                    </a:srgbClr>
-                  </a:outerShdw>
-                </a:effectLst>
-              </a:rPr>
-              <a:t>tonga</a:t>
-            </a:r>
-            <a:r>
-              <a:rPr lang="fr-FR" b="1" dirty="0" smtClean="0">
-                <a:effectLst>
-                  <a:outerShdw blurRad="38100" dist="38100" dir="2700000" algn="tl">
-                    <a:srgbClr val="000000">
-                      <a:alpha val="43137"/>
-                    </a:srgbClr>
-                  </a:outerShdw>
-                </a:effectLst>
-              </a:rPr>
-              <a:t> </a:t>
-            </a:r>
-            <a:r>
-              <a:rPr lang="fr-FR" b="1" dirty="0" err="1" smtClean="0">
-                <a:effectLst>
-                  <a:outerShdw blurRad="38100" dist="38100" dir="2700000" algn="tl">
-                    <a:srgbClr val="000000">
-                      <a:alpha val="43137"/>
-                    </a:srgbClr>
-                  </a:outerShdw>
-                </a:effectLst>
-              </a:rPr>
-              <a:t>ao</a:t>
-            </a:r>
-            <a:r>
-              <a:rPr lang="fr-FR" b="1" dirty="0" smtClean="0">
-                <a:effectLst>
-                  <a:outerShdw blurRad="38100" dist="38100" dir="2700000" algn="tl">
-                    <a:srgbClr val="000000">
-                      <a:alpha val="43137"/>
-                    </a:srgbClr>
-                  </a:outerShdw>
-                </a:effectLst>
-              </a:rPr>
-              <a:t> an-</a:t>
-            </a:r>
-            <a:r>
-              <a:rPr lang="fr-FR" b="1" dirty="0" err="1" smtClean="0">
-                <a:effectLst>
-                  <a:outerShdw blurRad="38100" dist="38100" dir="2700000" algn="tl">
-                    <a:srgbClr val="000000">
-                      <a:alpha val="43137"/>
-                    </a:srgbClr>
-                  </a:outerShdw>
-                </a:effectLst>
-              </a:rPr>
-              <a:t>dapa</a:t>
-            </a:r>
-            <a:r>
-              <a:rPr lang="fr-FR" b="1" dirty="0" smtClean="0">
-                <a:effectLst>
-                  <a:outerShdw blurRad="38100" dist="38100" dir="2700000" algn="tl">
-                    <a:srgbClr val="000000">
-                      <a:alpha val="43137"/>
-                    </a:srgbClr>
-                  </a:outerShdw>
-                </a:effectLst>
-              </a:rPr>
-              <a:t> </a:t>
-            </a:r>
-            <a:r>
-              <a:rPr lang="fr-FR" b="1" dirty="0" err="1" smtClean="0">
-                <a:effectLst>
-                  <a:outerShdw blurRad="38100" dist="38100" dir="2700000" algn="tl">
-                    <a:srgbClr val="000000">
-                      <a:alpha val="43137"/>
-                    </a:srgbClr>
-                  </a:outerShdw>
-                </a:effectLst>
-              </a:rPr>
-              <a:t>soa</a:t>
-            </a:r>
-            <a:r>
-              <a:rPr lang="fr-FR" b="1" dirty="0" smtClean="0">
+              <a:rPr lang="fr-FR" sz="5400" b="1" dirty="0" err="1">
+                <a:effectLst>
+                  <a:outerShdw blurRad="38100" dist="38100" dir="2700000" algn="tl">
+                    <a:srgbClr val="000000">
+                      <a:alpha val="43137"/>
+                    </a:srgbClr>
+                  </a:outerShdw>
+                </a:effectLst>
+              </a:rPr>
+              <a:t>Fetsy</a:t>
+            </a:r>
+            <a:r>
+              <a:rPr lang="fr-FR" sz="5400" b="1" dirty="0">
+                <a:effectLst>
+                  <a:outerShdw blurRad="38100" dist="38100" dir="2700000" algn="tl">
+                    <a:srgbClr val="000000">
+                      <a:alpha val="43137"/>
+                    </a:srgbClr>
+                  </a:outerShdw>
+                </a:effectLst>
+              </a:rPr>
+              <a:t> </a:t>
+            </a:r>
+            <a:r>
+              <a:rPr lang="fr-FR" sz="5400" b="1" dirty="0" err="1">
+                <a:effectLst>
+                  <a:outerShdw blurRad="38100" dist="38100" dir="2700000" algn="tl">
+                    <a:srgbClr val="000000">
+                      <a:alpha val="43137"/>
+                    </a:srgbClr>
+                  </a:outerShdw>
+                </a:effectLst>
+              </a:rPr>
+              <a:t>izy</a:t>
+            </a:r>
+            <a:r>
+              <a:rPr lang="fr-FR" sz="5400" b="1" dirty="0">
+                <a:effectLst>
+                  <a:outerShdw blurRad="38100" dist="38100" dir="2700000" algn="tl">
+                    <a:srgbClr val="000000">
+                      <a:alpha val="43137"/>
+                    </a:srgbClr>
+                  </a:outerShdw>
+                </a:effectLst>
+              </a:rPr>
+              <a:t>  </a:t>
+            </a:r>
+            <a:r>
+              <a:rPr lang="fr-FR" sz="5400" b="1" dirty="0" err="1">
+                <a:effectLst>
+                  <a:outerShdw blurRad="38100" dist="38100" dir="2700000" algn="tl">
+                    <a:srgbClr val="000000">
+                      <a:alpha val="43137"/>
+                    </a:srgbClr>
+                  </a:outerShdw>
+                </a:effectLst>
+              </a:rPr>
+              <a:t>ireo</a:t>
+            </a:r>
+            <a:r>
+              <a:rPr lang="fr-FR" sz="5400" b="1" dirty="0">
+                <a:effectLst>
+                  <a:outerShdw blurRad="38100" dist="38100" dir="2700000" algn="tl">
+                    <a:srgbClr val="000000">
+                      <a:alpha val="43137"/>
+                    </a:srgbClr>
+                  </a:outerShdw>
+                </a:effectLst>
+              </a:rPr>
+              <a:t> ka </a:t>
+            </a:r>
+            <a:r>
+              <a:rPr lang="fr-FR" sz="5400" b="1" dirty="0" err="1">
+                <a:effectLst>
+                  <a:outerShdw blurRad="38100" dist="38100" dir="2700000" algn="tl">
+                    <a:srgbClr val="000000">
+                      <a:alpha val="43137"/>
+                    </a:srgbClr>
+                  </a:outerShdw>
+                </a:effectLst>
+              </a:rPr>
+              <a:t>mahaiza</a:t>
+            </a:r>
+            <a:r>
+              <a:rPr lang="fr-FR" sz="5400" b="1" dirty="0">
                 <a:effectLst>
                   <a:outerShdw blurRad="38100" dist="38100" dir="2700000" algn="tl">
                     <a:srgbClr val="000000">
@@ -6024,474 +4893,13 @@
               </a:rPr>
               <a:t>,</a:t>
             </a:r>
-            <a:br>
-              <a:rPr lang="fr-FR" b="1" dirty="0" smtClean="0">
-                <a:effectLst>
-                  <a:outerShdw blurRad="38100" dist="38100" dir="2700000" algn="tl">
-                    <a:srgbClr val="000000">
-                      <a:alpha val="43137"/>
-                    </a:srgbClr>
-                  </a:outerShdw>
-                </a:effectLst>
-              </a:rPr>
-            </a:br>
-            <a:r>
-              <a:rPr lang="fr-FR" b="1" dirty="0" smtClean="0">
-                <a:effectLst>
-                  <a:outerShdw blurRad="38100" dist="38100" dir="2700000" algn="tl">
-                    <a:srgbClr val="000000">
-                      <a:alpha val="43137"/>
-                    </a:srgbClr>
-                  </a:outerShdw>
-                </a:effectLst>
-              </a:rPr>
-              <a:t>   Fa </a:t>
-            </a:r>
-            <a:r>
-              <a:rPr lang="fr-FR" b="1" dirty="0" err="1" smtClean="0">
-                <a:effectLst>
-                  <a:outerShdw blurRad="38100" dist="38100" dir="2700000" algn="tl">
-                    <a:srgbClr val="000000">
-                      <a:alpha val="43137"/>
-                    </a:srgbClr>
-                  </a:outerShdw>
-                </a:effectLst>
-              </a:rPr>
-              <a:t>hahita</a:t>
-            </a:r>
-            <a:r>
-              <a:rPr lang="fr-FR" b="1" dirty="0" smtClean="0">
-                <a:effectLst>
-                  <a:outerShdw blurRad="38100" dist="38100" dir="2700000" algn="tl">
-                    <a:srgbClr val="000000">
-                      <a:alpha val="43137"/>
-                    </a:srgbClr>
-                  </a:outerShdw>
-                </a:effectLst>
-              </a:rPr>
-              <a:t> maso </a:t>
-            </a:r>
-            <a:r>
-              <a:rPr lang="fr-FR" b="1" dirty="0" err="1" smtClean="0">
-                <a:effectLst>
-                  <a:outerShdw blurRad="38100" dist="38100" dir="2700000" algn="tl">
-                    <a:srgbClr val="000000">
-                      <a:alpha val="43137"/>
-                    </a:srgbClr>
-                  </a:outerShdw>
-                </a:effectLst>
-              </a:rPr>
-              <a:t>ny</a:t>
-            </a:r>
-            <a:r>
-              <a:rPr lang="fr-FR" b="1" dirty="0" smtClean="0">
-                <a:effectLst>
-                  <a:outerShdw blurRad="38100" dist="38100" dir="2700000" algn="tl">
-                    <a:srgbClr val="000000">
-                      <a:alpha val="43137"/>
-                    </a:srgbClr>
-                  </a:outerShdw>
-                </a:effectLst>
-              </a:rPr>
-              <a:t> </a:t>
-            </a:r>
-            <a:r>
-              <a:rPr lang="fr-FR" b="1" dirty="0" err="1" smtClean="0">
-                <a:effectLst>
-                  <a:outerShdw blurRad="38100" dist="38100" dir="2700000" algn="tl">
-                    <a:srgbClr val="000000">
-                      <a:alpha val="43137"/>
-                    </a:srgbClr>
-                  </a:outerShdw>
-                </a:effectLst>
-              </a:rPr>
-              <a:t>Tompo</a:t>
-            </a:r>
-            <a:r>
-              <a:rPr lang="fr-FR" b="1" dirty="0" smtClean="0">
-                <a:effectLst>
-                  <a:outerShdw blurRad="38100" dist="38100" dir="2700000" algn="tl">
-                    <a:srgbClr val="000000">
-                      <a:alpha val="43137"/>
-                    </a:srgbClr>
-                  </a:outerShdw>
-                </a:effectLst>
-              </a:rPr>
-              <a:t> </a:t>
-            </a:r>
-            <a:r>
-              <a:rPr lang="fr-FR" b="1" dirty="0" err="1" smtClean="0">
-                <a:effectLst>
-                  <a:outerShdw blurRad="38100" dist="38100" dir="2700000" algn="tl">
-                    <a:srgbClr val="000000">
-                      <a:alpha val="43137"/>
-                    </a:srgbClr>
-                  </a:outerShdw>
-                </a:effectLst>
-              </a:rPr>
-              <a:t>hianao</a:t>
-            </a:r>
-            <a:r>
-              <a:rPr lang="fr-FR" b="1" dirty="0" smtClean="0">
-                <a:effectLst>
-                  <a:outerShdw blurRad="38100" dist="38100" dir="2700000" algn="tl">
-                    <a:srgbClr val="000000">
-                      <a:alpha val="43137"/>
-                    </a:srgbClr>
-                  </a:outerShdw>
-                </a:effectLst>
-              </a:rPr>
-              <a:t>,</a:t>
-            </a:r>
-            <a:br>
-              <a:rPr lang="fr-FR" b="1" dirty="0" smtClean="0">
-                <a:effectLst>
-                  <a:outerShdw blurRad="38100" dist="38100" dir="2700000" algn="tl">
-                    <a:srgbClr val="000000">
-                      <a:alpha val="43137"/>
-                    </a:srgbClr>
-                  </a:outerShdw>
-                </a:effectLst>
-              </a:rPr>
-            </a:br>
-            <a:r>
-              <a:rPr lang="fr-FR" b="1" dirty="0" smtClean="0">
-                <a:effectLst>
-                  <a:outerShdw blurRad="38100" dist="38100" dir="2700000" algn="tl">
-                    <a:srgbClr val="000000">
-                      <a:alpha val="43137"/>
-                    </a:srgbClr>
-                  </a:outerShdw>
-                </a:effectLst>
-              </a:rPr>
-              <a:t>   Ka </a:t>
-            </a:r>
-            <a:r>
-              <a:rPr lang="fr-FR" b="1" dirty="0" err="1" smtClean="0">
-                <a:effectLst>
-                  <a:outerShdw blurRad="38100" dist="38100" dir="2700000" algn="tl">
-                    <a:srgbClr val="000000">
-                      <a:alpha val="43137"/>
-                    </a:srgbClr>
-                  </a:outerShdw>
-                </a:effectLst>
-              </a:rPr>
-              <a:t>hifaly</a:t>
-            </a:r>
-            <a:r>
-              <a:rPr lang="fr-FR" b="1" dirty="0" smtClean="0">
-                <a:effectLst>
-                  <a:outerShdw blurRad="38100" dist="38100" dir="2700000" algn="tl">
-                    <a:srgbClr val="000000">
-                      <a:alpha val="43137"/>
-                    </a:srgbClr>
-                  </a:outerShdw>
-                </a:effectLst>
-              </a:rPr>
-              <a:t> </a:t>
-            </a:r>
-            <a:r>
-              <a:rPr lang="fr-FR" b="1" dirty="0" err="1" smtClean="0">
-                <a:effectLst>
-                  <a:outerShdw blurRad="38100" dist="38100" dir="2700000" algn="tl">
-                    <a:srgbClr val="000000">
-                      <a:alpha val="43137"/>
-                    </a:srgbClr>
-                  </a:outerShdw>
-                </a:effectLst>
-              </a:rPr>
-              <a:t>amin</a:t>
-            </a:r>
-            <a:r>
-              <a:rPr lang="fr-FR" b="1" dirty="0" smtClean="0">
-                <a:effectLst>
-                  <a:outerShdw blurRad="38100" dist="38100" dir="2700000" algn="tl">
-                    <a:srgbClr val="000000">
-                      <a:alpha val="43137"/>
-                    </a:srgbClr>
-                  </a:outerShdw>
-                </a:effectLst>
-              </a:rPr>
-              <a:t>’ </a:t>
-            </a:r>
-            <a:r>
-              <a:rPr lang="fr-FR" b="1" dirty="0" err="1" smtClean="0">
-                <a:effectLst>
-                  <a:outerShdw blurRad="38100" dist="38100" dir="2700000" algn="tl">
-                    <a:srgbClr val="000000">
-                      <a:alpha val="43137"/>
-                    </a:srgbClr>
-                  </a:outerShdw>
-                </a:effectLst>
-              </a:rPr>
-              <a:t>Andriamanitrao</a:t>
-            </a:r>
-            <a:r>
-              <a:rPr lang="fr-FR" b="1" dirty="0" smtClean="0">
-                <a:effectLst>
-                  <a:outerShdw blurRad="38100" dist="38100" dir="2700000" algn="tl">
-                    <a:srgbClr val="000000">
-                      <a:alpha val="43137"/>
-                    </a:srgbClr>
-                  </a:outerShdw>
-                </a:effectLst>
-              </a:rPr>
-              <a:t>.</a:t>
-            </a:r>
-            <a:br>
-              <a:rPr lang="fr-FR" b="1" dirty="0" smtClean="0">
-                <a:effectLst>
-                  <a:outerShdw blurRad="38100" dist="38100" dir="2700000" algn="tl">
-                    <a:srgbClr val="000000">
-                      <a:alpha val="43137"/>
-                    </a:srgbClr>
-                  </a:outerShdw>
-                </a:effectLst>
-              </a:rPr>
-            </a:br>
-            <a:r>
-              <a:rPr lang="fr-FR" b="1" dirty="0" smtClean="0">
-                <a:effectLst>
-                  <a:outerShdw blurRad="38100" dist="38100" dir="2700000" algn="tl">
-                    <a:srgbClr val="000000">
-                      <a:alpha val="43137"/>
-                    </a:srgbClr>
-                  </a:outerShdw>
-                </a:effectLst>
-              </a:rPr>
-              <a:t>   </a:t>
-            </a:r>
-            <a:r>
-              <a:rPr lang="fr-FR" b="1" dirty="0" err="1" smtClean="0">
-                <a:effectLst>
-                  <a:outerShdw blurRad="38100" dist="38100" dir="2700000" algn="tl">
-                    <a:srgbClr val="000000">
-                      <a:alpha val="43137"/>
-                    </a:srgbClr>
-                  </a:outerShdw>
-                </a:effectLst>
-              </a:rPr>
-              <a:t>Koa</a:t>
-            </a:r>
-            <a:r>
-              <a:rPr lang="fr-FR" b="1" dirty="0" smtClean="0">
-                <a:effectLst>
-                  <a:outerShdw blurRad="38100" dist="38100" dir="2700000" algn="tl">
-                    <a:srgbClr val="000000">
-                      <a:alpha val="43137"/>
-                    </a:srgbClr>
-                  </a:outerShdw>
-                </a:effectLst>
-              </a:rPr>
-              <a:t> </a:t>
-            </a:r>
-            <a:r>
-              <a:rPr lang="fr-FR" b="1" dirty="0" err="1" smtClean="0">
-                <a:effectLst>
-                  <a:outerShdw blurRad="38100" dist="38100" dir="2700000" algn="tl">
-                    <a:srgbClr val="000000">
-                      <a:alpha val="43137"/>
-                    </a:srgbClr>
-                  </a:outerShdw>
-                </a:effectLst>
-              </a:rPr>
-              <a:t>miomàna</a:t>
-            </a:r>
-            <a:r>
-              <a:rPr lang="fr-FR" b="1" dirty="0" smtClean="0">
-                <a:effectLst>
-                  <a:outerShdw blurRad="38100" dist="38100" dir="2700000" algn="tl">
-                    <a:srgbClr val="000000">
-                      <a:alpha val="43137"/>
-                    </a:srgbClr>
-                  </a:outerShdw>
-                </a:effectLst>
-              </a:rPr>
-              <a:t> </a:t>
-            </a:r>
-            <a:r>
-              <a:rPr lang="fr-FR" b="1" dirty="0" err="1" smtClean="0">
-                <a:effectLst>
-                  <a:outerShdw blurRad="38100" dist="38100" dir="2700000" algn="tl">
-                    <a:srgbClr val="000000">
-                      <a:alpha val="43137"/>
-                    </a:srgbClr>
-                  </a:outerShdw>
-                </a:effectLst>
-              </a:rPr>
-              <a:t>re,ry</a:t>
-            </a:r>
-            <a:r>
-              <a:rPr lang="fr-FR" b="1" dirty="0" smtClean="0">
-                <a:effectLst>
-                  <a:outerShdw blurRad="38100" dist="38100" dir="2700000" algn="tl">
-                    <a:srgbClr val="000000">
-                      <a:alpha val="43137"/>
-                    </a:srgbClr>
-                  </a:outerShdw>
-                </a:effectLst>
-              </a:rPr>
-              <a:t> </a:t>
-            </a:r>
-            <a:r>
-              <a:rPr lang="fr-FR" b="1" dirty="0" err="1" smtClean="0">
-                <a:effectLst>
-                  <a:outerShdw blurRad="38100" dist="38100" dir="2700000" algn="tl">
-                    <a:srgbClr val="000000">
-                      <a:alpha val="43137"/>
-                    </a:srgbClr>
-                  </a:outerShdw>
-                </a:effectLst>
-              </a:rPr>
-              <a:t>sakaiza</a:t>
-            </a:r>
-            <a:r>
-              <a:rPr lang="fr-FR" b="1" dirty="0" smtClean="0">
-                <a:effectLst>
-                  <a:outerShdw blurRad="38100" dist="38100" dir="2700000" algn="tl">
-                    <a:srgbClr val="000000">
-                      <a:alpha val="43137"/>
-                    </a:srgbClr>
-                  </a:outerShdw>
-                </a:effectLst>
-              </a:rPr>
-              <a:t> ô !</a:t>
-            </a:r>
-            <a:br>
-              <a:rPr lang="fr-FR" b="1" dirty="0" smtClean="0">
-                <a:effectLst>
-                  <a:outerShdw blurRad="38100" dist="38100" dir="2700000" algn="tl">
-                    <a:srgbClr val="000000">
-                      <a:alpha val="43137"/>
-                    </a:srgbClr>
-                  </a:outerShdw>
-                </a:effectLst>
-              </a:rPr>
-            </a:br>
-            <a:r>
-              <a:rPr lang="fr-FR" b="1" dirty="0" smtClean="0">
-                <a:effectLst>
-                  <a:outerShdw blurRad="38100" dist="38100" dir="2700000" algn="tl">
-                    <a:srgbClr val="000000">
-                      <a:alpha val="43137"/>
-                    </a:srgbClr>
-                  </a:outerShdw>
-                </a:effectLst>
-              </a:rPr>
-              <a:t>   </a:t>
-            </a:r>
-            <a:r>
-              <a:rPr lang="fr-FR" b="1" dirty="0" err="1" smtClean="0">
-                <a:effectLst>
-                  <a:outerShdw blurRad="38100" dist="38100" dir="2700000" algn="tl">
-                    <a:srgbClr val="000000">
-                      <a:alpha val="43137"/>
-                    </a:srgbClr>
-                  </a:outerShdw>
-                </a:effectLst>
-              </a:rPr>
-              <a:t>Mba</a:t>
-            </a:r>
-            <a:r>
-              <a:rPr lang="fr-FR" b="1" dirty="0" smtClean="0">
-                <a:effectLst>
-                  <a:outerShdw blurRad="38100" dist="38100" dir="2700000" algn="tl">
-                    <a:srgbClr val="000000">
-                      <a:alpha val="43137"/>
-                    </a:srgbClr>
-                  </a:outerShdw>
-                </a:effectLst>
-              </a:rPr>
-              <a:t> ho </a:t>
-            </a:r>
-            <a:r>
-              <a:rPr lang="fr-FR" b="1" dirty="0" err="1" smtClean="0">
-                <a:effectLst>
-                  <a:outerShdw blurRad="38100" dist="38100" dir="2700000" algn="tl">
-                    <a:srgbClr val="000000">
-                      <a:alpha val="43137"/>
-                    </a:srgbClr>
-                  </a:outerShdw>
-                </a:effectLst>
-              </a:rPr>
-              <a:t>faly</a:t>
-            </a:r>
-            <a:r>
-              <a:rPr lang="fr-FR" b="1" dirty="0" smtClean="0">
-                <a:effectLst>
-                  <a:outerShdw blurRad="38100" dist="38100" dir="2700000" algn="tl">
-                    <a:srgbClr val="000000">
-                      <a:alpha val="43137"/>
-                    </a:srgbClr>
-                  </a:outerShdw>
-                </a:effectLst>
-              </a:rPr>
-              <a:t> </a:t>
-            </a:r>
-            <a:r>
-              <a:rPr lang="fr-FR" b="1" dirty="0" err="1" smtClean="0">
-                <a:effectLst>
-                  <a:outerShdw blurRad="38100" dist="38100" dir="2700000" algn="tl">
-                    <a:srgbClr val="000000">
-                      <a:alpha val="43137"/>
-                    </a:srgbClr>
-                  </a:outerShdw>
-                </a:effectLst>
-              </a:rPr>
-              <a:t>ao</a:t>
-            </a:r>
-            <a:r>
-              <a:rPr lang="fr-FR" b="1" dirty="0" smtClean="0">
-                <a:effectLst>
-                  <a:outerShdw blurRad="38100" dist="38100" dir="2700000" algn="tl">
-                    <a:srgbClr val="000000">
-                      <a:alpha val="43137"/>
-                    </a:srgbClr>
-                  </a:outerShdw>
-                </a:effectLst>
-              </a:rPr>
-              <a:t> </a:t>
-            </a:r>
-            <a:r>
-              <a:rPr lang="fr-FR" b="1" dirty="0" err="1" smtClean="0">
-                <a:effectLst>
-                  <a:outerShdw blurRad="38100" dist="38100" dir="2700000" algn="tl">
-                    <a:srgbClr val="000000">
-                      <a:alpha val="43137"/>
-                    </a:srgbClr>
-                  </a:outerShdw>
-                </a:effectLst>
-              </a:rPr>
-              <a:t>am-pitsarana</a:t>
-            </a:r>
-            <a:r>
-              <a:rPr lang="fr-FR" b="1" dirty="0" smtClean="0">
-                <a:effectLst>
-                  <a:outerShdw blurRad="38100" dist="38100" dir="2700000" algn="tl">
-                    <a:srgbClr val="000000">
-                      <a:alpha val="43137"/>
-                    </a:srgbClr>
-                  </a:outerShdw>
-                </a:effectLst>
-              </a:rPr>
-              <a:t>.</a:t>
-            </a:r>
-            <a:endParaRPr lang="fr-FR" b="1" dirty="0">
-              <a:effectLst>
-                <a:outerShdw blurRad="38100" dist="38100" dir="2700000" algn="tl">
-                  <a:srgbClr val="000000">
-                    <a:alpha val="43137"/>
-                  </a:srgbClr>
-                </a:outerShdw>
-              </a:effectLst>
-            </a:endParaRPr>
           </a:p>
         </p:txBody>
       </p:sp>
     </p:spTree>
     <p:extLst>
       <p:ext uri="{BB962C8B-B14F-4D97-AF65-F5344CB8AC3E}">
-        <p14:creationId xmlns:p14="http://schemas.microsoft.com/office/powerpoint/2010/main" val="2903854035"/>
+        <p14:creationId xmlns:p14="http://schemas.microsoft.com/office/powerpoint/2010/main" val="2855291783"/>
       </p:ext>
     </p:extLst>
   </p:cSld>
@@ -6502,6 +4910,462 @@
 </file>
 
 <file path=ppt/slides/slide5.xml><?xml version="1.0" encoding="utf-8"?>
+<p:sld xmlns:a="http://schemas.openxmlformats.org/drawingml/2006/main" xmlns:r="http://schemas.openxmlformats.org/officeDocument/2006/relationships" xmlns:p="http://schemas.openxmlformats.org/presentationml/2006/main">
+  <p:cSld>
+    <p:spTree>
+      <p:nvGrpSpPr>
+        <p:cNvPr id="1" name=""/>
+        <p:cNvGrpSpPr/>
+        <p:nvPr/>
+      </p:nvGrpSpPr>
+      <p:grpSpPr>
+        <a:xfrm>
+          <a:off x="0" y="0"/>
+          <a:ext cx="0" cy="0"/>
+          <a:chOff x="0" y="0"/>
+          <a:chExt cx="0" cy="0"/>
+        </a:xfrm>
+      </p:grpSpPr>
+      <p:sp>
+        <p:nvSpPr>
+          <p:cNvPr id="5" name="ZoneTexte 4">
+            <a:extLst>
+              <a:ext uri="{FF2B5EF4-FFF2-40B4-BE49-F238E27FC236}">
+                <a16:creationId xmlns:a16="http://schemas.microsoft.com/office/drawing/2014/main" id="{1D6F3F52-4622-8CBE-480A-2EDCB4AC6596}"/>
+              </a:ext>
+            </a:extLst>
+          </p:cNvPr>
+          <p:cNvSpPr txBox="1"/>
+          <p:nvPr/>
+        </p:nvSpPr>
+        <p:spPr>
+          <a:xfrm>
+            <a:off x="0" y="1"/>
+            <a:ext cx="9144000" cy="5078313"/>
+          </a:xfrm>
+          <a:prstGeom prst="rect">
+            <a:avLst/>
+          </a:prstGeom>
+          <a:noFill/>
+        </p:spPr>
+        <p:txBody>
+          <a:bodyPr wrap="square">
+            <a:spAutoFit/>
+          </a:bodyPr>
+          <a:lstStyle/>
+          <a:p>
+            <a:pPr algn="ctr"/>
+            <a:r>
+              <a:rPr lang="fr-FR" sz="5400" b="1" dirty="0" err="1">
+                <a:effectLst>
+                  <a:outerShdw blurRad="38100" dist="38100" dir="2700000" algn="tl">
+                    <a:srgbClr val="000000">
+                      <a:alpha val="43137"/>
+                    </a:srgbClr>
+                  </a:outerShdw>
+                </a:effectLst>
+              </a:rPr>
+              <a:t>Izay</a:t>
+            </a:r>
+            <a:r>
+              <a:rPr lang="fr-FR" sz="5400" b="1" dirty="0">
+                <a:effectLst>
+                  <a:outerShdw blurRad="38100" dist="38100" dir="2700000" algn="tl">
+                    <a:srgbClr val="000000">
+                      <a:alpha val="43137"/>
+                    </a:srgbClr>
+                  </a:outerShdw>
+                </a:effectLst>
+              </a:rPr>
+              <a:t> </a:t>
+            </a:r>
+            <a:r>
+              <a:rPr lang="fr-FR" sz="5400" b="1" dirty="0" err="1">
+                <a:effectLst>
+                  <a:outerShdw blurRad="38100" dist="38100" dir="2700000" algn="tl">
+                    <a:srgbClr val="000000">
+                      <a:alpha val="43137"/>
+                    </a:srgbClr>
+                  </a:outerShdw>
+                </a:effectLst>
+              </a:rPr>
+              <a:t>rehetra</a:t>
+            </a:r>
+            <a:r>
+              <a:rPr lang="fr-FR" sz="5400" b="1" dirty="0">
+                <a:effectLst>
+                  <a:outerShdw blurRad="38100" dist="38100" dir="2700000" algn="tl">
+                    <a:srgbClr val="000000">
+                      <a:alpha val="43137"/>
+                    </a:srgbClr>
+                  </a:outerShdw>
+                </a:effectLst>
+              </a:rPr>
+              <a:t> </a:t>
+            </a:r>
+            <a:r>
+              <a:rPr lang="fr-FR" sz="5400" b="1" dirty="0" err="1">
+                <a:effectLst>
+                  <a:outerShdw blurRad="38100" dist="38100" dir="2700000" algn="tl">
+                    <a:srgbClr val="000000">
+                      <a:alpha val="43137"/>
+                    </a:srgbClr>
+                  </a:outerShdw>
+                </a:effectLst>
+              </a:rPr>
+              <a:t>mamin’izao</a:t>
+            </a:r>
+            <a:r>
+              <a:rPr lang="fr-FR" sz="5400" b="1" dirty="0">
+                <a:effectLst>
+                  <a:outerShdw blurRad="38100" dist="38100" dir="2700000" algn="tl">
+                    <a:srgbClr val="000000">
+                      <a:alpha val="43137"/>
+                    </a:srgbClr>
+                  </a:outerShdw>
+                </a:effectLst>
+              </a:rPr>
+              <a:t> </a:t>
+            </a:r>
+            <a:r>
+              <a:rPr lang="fr-FR" sz="5400" b="1" dirty="0" err="1">
+                <a:effectLst>
+                  <a:outerShdw blurRad="38100" dist="38100" dir="2700000" algn="tl">
+                    <a:srgbClr val="000000">
+                      <a:alpha val="43137"/>
+                    </a:srgbClr>
+                  </a:outerShdw>
+                </a:effectLst>
+              </a:rPr>
+              <a:t>tontolo</a:t>
+            </a:r>
+            <a:r>
+              <a:rPr lang="fr-FR" sz="5400" b="1" dirty="0">
+                <a:effectLst>
+                  <a:outerShdw blurRad="38100" dist="38100" dir="2700000" algn="tl">
+                    <a:srgbClr val="000000">
+                      <a:alpha val="43137"/>
+                    </a:srgbClr>
+                  </a:outerShdw>
+                </a:effectLst>
+              </a:rPr>
+              <a:t> </a:t>
+            </a:r>
+            <a:r>
+              <a:rPr lang="fr-FR" sz="5400" b="1" dirty="0" err="1">
+                <a:effectLst>
+                  <a:outerShdw blurRad="38100" dist="38100" dir="2700000" algn="tl">
+                    <a:srgbClr val="000000">
+                      <a:alpha val="43137"/>
+                    </a:srgbClr>
+                  </a:outerShdw>
+                </a:effectLst>
+              </a:rPr>
+              <a:t>izao</a:t>
+            </a:r>
+            <a:br>
+              <a:rPr lang="fr-FR" sz="5400" b="1" dirty="0">
+                <a:effectLst>
+                  <a:outerShdw blurRad="38100" dist="38100" dir="2700000" algn="tl">
+                    <a:srgbClr val="000000">
+                      <a:alpha val="43137"/>
+                    </a:srgbClr>
+                  </a:outerShdw>
+                </a:effectLst>
+              </a:rPr>
+            </a:br>
+            <a:r>
+              <a:rPr lang="fr-FR" sz="5400" b="1" dirty="0">
+                <a:effectLst>
+                  <a:outerShdw blurRad="38100" dist="38100" dir="2700000" algn="tl">
+                    <a:srgbClr val="000000">
+                      <a:alpha val="43137"/>
+                    </a:srgbClr>
+                  </a:outerShdw>
+                </a:effectLst>
+              </a:rPr>
+              <a:t>Dia </a:t>
+            </a:r>
+            <a:r>
+              <a:rPr lang="fr-FR" sz="5400" b="1" dirty="0" err="1">
+                <a:effectLst>
+                  <a:outerShdw blurRad="38100" dist="38100" dir="2700000" algn="tl">
+                    <a:srgbClr val="000000">
+                      <a:alpha val="43137"/>
+                    </a:srgbClr>
+                  </a:outerShdw>
+                </a:effectLst>
+              </a:rPr>
+              <a:t>avelao</a:t>
+            </a:r>
+            <a:r>
+              <a:rPr lang="fr-FR" sz="5400" b="1" dirty="0">
+                <a:effectLst>
+                  <a:outerShdw blurRad="38100" dist="38100" dir="2700000" algn="tl">
+                    <a:srgbClr val="000000">
+                      <a:alpha val="43137"/>
+                    </a:srgbClr>
+                  </a:outerShdw>
+                </a:effectLst>
+              </a:rPr>
+              <a:t>, fa </a:t>
+            </a:r>
+            <a:r>
+              <a:rPr lang="fr-FR" sz="5400" b="1" dirty="0" err="1">
+                <a:effectLst>
+                  <a:outerShdw blurRad="38100" dist="38100" dir="2700000" algn="tl">
+                    <a:srgbClr val="000000">
+                      <a:alpha val="43137"/>
+                    </a:srgbClr>
+                  </a:outerShdw>
+                </a:effectLst>
+              </a:rPr>
+              <a:t>mamandrika</a:t>
+            </a:r>
+            <a:r>
+              <a:rPr lang="fr-FR" sz="5400" b="1" dirty="0">
+                <a:effectLst>
+                  <a:outerShdw blurRad="38100" dist="38100" dir="2700000" algn="tl">
+                    <a:srgbClr val="000000">
+                      <a:alpha val="43137"/>
+                    </a:srgbClr>
+                  </a:outerShdw>
+                </a:effectLst>
+              </a:rPr>
+              <a:t> </a:t>
+            </a:r>
+            <a:r>
+              <a:rPr lang="fr-FR" sz="5400" b="1" dirty="0" err="1">
+                <a:effectLst>
+                  <a:outerShdw blurRad="38100" dist="38100" dir="2700000" algn="tl">
+                    <a:srgbClr val="000000">
+                      <a:alpha val="43137"/>
+                    </a:srgbClr>
+                  </a:outerShdw>
+                </a:effectLst>
+              </a:rPr>
+              <a:t>anao</a:t>
+            </a:r>
+            <a:r>
+              <a:rPr lang="fr-FR" sz="5400" b="1" dirty="0">
+                <a:effectLst>
+                  <a:outerShdw blurRad="38100" dist="38100" dir="2700000" algn="tl">
+                    <a:srgbClr val="000000">
+                      <a:alpha val="43137"/>
+                    </a:srgbClr>
+                  </a:outerShdw>
+                </a:effectLst>
+              </a:rPr>
+              <a:t> ;</a:t>
+            </a:r>
+            <a:br>
+              <a:rPr lang="fr-FR" sz="5400" b="1" dirty="0">
+                <a:effectLst>
+                  <a:outerShdw blurRad="38100" dist="38100" dir="2700000" algn="tl">
+                    <a:srgbClr val="000000">
+                      <a:alpha val="43137"/>
+                    </a:srgbClr>
+                  </a:outerShdw>
+                </a:effectLst>
+              </a:rPr>
+            </a:br>
+            <a:r>
+              <a:rPr lang="fr-FR" sz="5400" b="1" dirty="0" err="1">
+                <a:effectLst>
+                  <a:outerShdw blurRad="38100" dist="38100" dir="2700000" algn="tl">
+                    <a:srgbClr val="000000">
+                      <a:alpha val="43137"/>
+                    </a:srgbClr>
+                  </a:outerShdw>
+                </a:effectLst>
+              </a:rPr>
+              <a:t>Aoka</a:t>
+            </a:r>
+            <a:r>
+              <a:rPr lang="fr-FR" sz="5400" b="1" dirty="0">
+                <a:effectLst>
+                  <a:outerShdw blurRad="38100" dist="38100" dir="2700000" algn="tl">
+                    <a:srgbClr val="000000">
+                      <a:alpha val="43137"/>
+                    </a:srgbClr>
+                  </a:outerShdw>
+                </a:effectLst>
+              </a:rPr>
+              <a:t> </a:t>
+            </a:r>
+            <a:r>
+              <a:rPr lang="fr-FR" sz="5400" b="1" dirty="0" err="1">
+                <a:effectLst>
+                  <a:outerShdw blurRad="38100" dist="38100" dir="2700000" algn="tl">
+                    <a:srgbClr val="000000">
+                      <a:alpha val="43137"/>
+                    </a:srgbClr>
+                  </a:outerShdw>
+                </a:effectLst>
+              </a:rPr>
+              <a:t>mba</a:t>
+            </a:r>
+            <a:r>
+              <a:rPr lang="fr-FR" sz="5400" b="1" dirty="0">
+                <a:effectLst>
+                  <a:outerShdw blurRad="38100" dist="38100" dir="2700000" algn="tl">
+                    <a:srgbClr val="000000">
+                      <a:alpha val="43137"/>
+                    </a:srgbClr>
+                  </a:outerShdw>
+                </a:effectLst>
+              </a:rPr>
+              <a:t> </a:t>
+            </a:r>
+            <a:r>
+              <a:rPr lang="fr-FR" sz="5400" b="1" dirty="0" err="1">
+                <a:effectLst>
+                  <a:outerShdw blurRad="38100" dist="38100" dir="2700000" algn="tl">
+                    <a:srgbClr val="000000">
+                      <a:alpha val="43137"/>
+                    </a:srgbClr>
+                  </a:outerShdw>
+                </a:effectLst>
+              </a:rPr>
+              <a:t>Jesosy</a:t>
+            </a:r>
+            <a:r>
+              <a:rPr lang="fr-FR" sz="5400" b="1" dirty="0">
+                <a:effectLst>
+                  <a:outerShdw blurRad="38100" dist="38100" dir="2700000" algn="tl">
+                    <a:srgbClr val="000000">
+                      <a:alpha val="43137"/>
+                    </a:srgbClr>
+                  </a:outerShdw>
+                </a:effectLst>
+              </a:rPr>
+              <a:t> no </a:t>
+            </a:r>
+            <a:r>
+              <a:rPr lang="fr-FR" sz="5400" b="1" dirty="0" err="1">
+                <a:effectLst>
+                  <a:outerShdw blurRad="38100" dist="38100" dir="2700000" algn="tl">
+                    <a:srgbClr val="000000">
+                      <a:alpha val="43137"/>
+                    </a:srgbClr>
+                  </a:outerShdw>
+                </a:effectLst>
+              </a:rPr>
+              <a:t>hifalianao</a:t>
+            </a:r>
+            <a:r>
+              <a:rPr lang="fr-FR" sz="5400" b="1" dirty="0">
+                <a:effectLst>
+                  <a:outerShdw blurRad="38100" dist="38100" dir="2700000" algn="tl">
+                    <a:srgbClr val="000000">
+                      <a:alpha val="43137"/>
+                    </a:srgbClr>
+                  </a:outerShdw>
+                </a:effectLst>
+              </a:rPr>
+              <a:t>,</a:t>
+            </a:r>
+            <a:br>
+              <a:rPr lang="fr-FR" sz="5400" b="1" dirty="0">
+                <a:effectLst>
+                  <a:outerShdw blurRad="38100" dist="38100" dir="2700000" algn="tl">
+                    <a:srgbClr val="000000">
+                      <a:alpha val="43137"/>
+                    </a:srgbClr>
+                  </a:outerShdw>
+                </a:effectLst>
+              </a:rPr>
+            </a:br>
+            <a:r>
+              <a:rPr lang="fr-FR" sz="5400" b="1" dirty="0" err="1">
+                <a:effectLst>
+                  <a:outerShdw blurRad="38100" dist="38100" dir="2700000" algn="tl">
+                    <a:srgbClr val="000000">
+                      <a:alpha val="43137"/>
+                    </a:srgbClr>
+                  </a:outerShdw>
+                </a:effectLst>
+              </a:rPr>
+              <a:t>Eny</a:t>
+            </a:r>
+            <a:r>
+              <a:rPr lang="fr-FR" sz="5400" b="1" dirty="0">
+                <a:effectLst>
+                  <a:outerShdw blurRad="38100" dist="38100" dir="2700000" algn="tl">
+                    <a:srgbClr val="000000">
+                      <a:alpha val="43137"/>
+                    </a:srgbClr>
+                  </a:outerShdw>
+                </a:effectLst>
+              </a:rPr>
+              <a:t> </a:t>
+            </a:r>
+            <a:r>
+              <a:rPr lang="fr-FR" sz="5400" b="1" dirty="0" err="1">
+                <a:effectLst>
+                  <a:outerShdw blurRad="38100" dist="38100" dir="2700000" algn="tl">
+                    <a:srgbClr val="000000">
+                      <a:alpha val="43137"/>
+                    </a:srgbClr>
+                  </a:outerShdw>
+                </a:effectLst>
+              </a:rPr>
+              <a:t>hifalianao</a:t>
+            </a:r>
+            <a:r>
+              <a:rPr lang="fr-FR" sz="5400" b="1" dirty="0">
+                <a:effectLst>
+                  <a:outerShdw blurRad="38100" dist="38100" dir="2700000" algn="tl">
+                    <a:srgbClr val="000000">
+                      <a:alpha val="43137"/>
+                    </a:srgbClr>
+                  </a:outerShdw>
+                </a:effectLst>
+              </a:rPr>
+              <a:t> </a:t>
+            </a:r>
+            <a:r>
+              <a:rPr lang="fr-FR" sz="5400" b="1" dirty="0" err="1">
+                <a:effectLst>
+                  <a:outerShdw blurRad="38100" dist="38100" dir="2700000" algn="tl">
+                    <a:srgbClr val="000000">
+                      <a:alpha val="43137"/>
+                    </a:srgbClr>
+                  </a:outerShdw>
+                </a:effectLst>
+              </a:rPr>
+              <a:t>tokoa</a:t>
+            </a:r>
+            <a:r>
+              <a:rPr lang="fr-FR" sz="5400" b="1" dirty="0">
+                <a:effectLst>
+                  <a:outerShdw blurRad="38100" dist="38100" dir="2700000" algn="tl">
+                    <a:srgbClr val="000000">
+                      <a:alpha val="43137"/>
+                    </a:srgbClr>
+                  </a:outerShdw>
+                </a:effectLst>
+              </a:rPr>
+              <a:t>.</a:t>
+            </a:r>
+            <a:endParaRPr lang="fr-FR" sz="5400" dirty="0"/>
+          </a:p>
+        </p:txBody>
+      </p:sp>
+    </p:spTree>
+    <p:extLst>
+      <p:ext uri="{BB962C8B-B14F-4D97-AF65-F5344CB8AC3E}">
+        <p14:creationId xmlns:p14="http://schemas.microsoft.com/office/powerpoint/2010/main" val="3276218234"/>
+      </p:ext>
+    </p:extLst>
+  </p:cSld>
+  <p:clrMapOvr>
+    <a:masterClrMapping/>
+  </p:clrMapOvr>
+</p:sld>
+</file>
+
+<file path=ppt/slides/slide6.xml><?xml version="1.0" encoding="utf-8"?>
 <p:sld xmlns:a="http://schemas.openxmlformats.org/drawingml/2006/main" xmlns:r="http://schemas.openxmlformats.org/officeDocument/2006/relationships" xmlns:p="http://schemas.openxmlformats.org/presentationml/2006/main">
   <p:cSld>
     <p:spTree>
@@ -6541,7 +5405,851 @@
           <a:lstStyle/>
           <a:p>
             <a:r>
-              <a:rPr lang="fr-FR" sz="4000" b="1" dirty="0" smtClean="0">
+              <a:rPr lang="fr-FR" sz="6000" b="1" dirty="0">
+                <a:effectLst>
+                  <a:outerShdw blurRad="38100" dist="38100" dir="2700000" algn="tl">
+                    <a:srgbClr val="000000">
+                      <a:alpha val="43137"/>
+                    </a:srgbClr>
+                  </a:outerShdw>
+                </a:effectLst>
+              </a:rPr>
+              <a:t>3. </a:t>
+            </a:r>
+            <a:r>
+              <a:rPr lang="fr-FR" sz="6000" b="1" dirty="0" err="1">
+                <a:effectLst>
+                  <a:outerShdw blurRad="38100" dist="38100" dir="2700000" algn="tl">
+                    <a:srgbClr val="000000">
+                      <a:alpha val="43137"/>
+                    </a:srgbClr>
+                  </a:outerShdw>
+                </a:effectLst>
+              </a:rPr>
+              <a:t>Satroboninahitra</a:t>
+            </a:r>
+            <a:r>
+              <a:rPr lang="fr-FR" sz="6000" b="1" dirty="0">
+                <a:effectLst>
+                  <a:outerShdw blurRad="38100" dist="38100" dir="2700000" algn="tl">
+                    <a:srgbClr val="000000">
+                      <a:alpha val="43137"/>
+                    </a:srgbClr>
+                  </a:outerShdw>
+                </a:effectLst>
+              </a:rPr>
+              <a:t> </a:t>
+            </a:r>
+            <a:r>
+              <a:rPr lang="fr-FR" sz="6000" b="1" dirty="0" err="1">
+                <a:effectLst>
+                  <a:outerShdw blurRad="38100" dist="38100" dir="2700000" algn="tl">
+                    <a:srgbClr val="000000">
+                      <a:alpha val="43137"/>
+                    </a:srgbClr>
+                  </a:outerShdw>
+                </a:effectLst>
+              </a:rPr>
+              <a:t>tsy</a:t>
+            </a:r>
+            <a:r>
+              <a:rPr lang="fr-FR" sz="6000" b="1" dirty="0">
+                <a:effectLst>
+                  <a:outerShdw blurRad="38100" dist="38100" dir="2700000" algn="tl">
+                    <a:srgbClr val="000000">
+                      <a:alpha val="43137"/>
+                    </a:srgbClr>
+                  </a:outerShdw>
+                </a:effectLst>
+              </a:rPr>
+              <a:t> ho </a:t>
+            </a:r>
+            <a:r>
+              <a:rPr lang="fr-FR" sz="6000" b="1" dirty="0" err="1">
+                <a:effectLst>
+                  <a:outerShdw blurRad="38100" dist="38100" dir="2700000" algn="tl">
+                    <a:srgbClr val="000000">
+                      <a:alpha val="43137"/>
+                    </a:srgbClr>
+                  </a:outerShdw>
+                </a:effectLst>
+              </a:rPr>
+              <a:t>azonao</a:t>
+            </a:r>
+            <a:br>
+              <a:rPr lang="fr-FR" sz="6000" b="1" dirty="0">
+                <a:effectLst>
+                  <a:outerShdw blurRad="38100" dist="38100" dir="2700000" algn="tl">
+                    <a:srgbClr val="000000">
+                      <a:alpha val="43137"/>
+                    </a:srgbClr>
+                  </a:outerShdw>
+                </a:effectLst>
+              </a:rPr>
+            </a:br>
+            <a:r>
+              <a:rPr lang="fr-FR" sz="6000" b="1" dirty="0" err="1">
+                <a:effectLst>
+                  <a:outerShdw blurRad="38100" dist="38100" dir="2700000" algn="tl">
+                    <a:srgbClr val="000000">
+                      <a:alpha val="43137"/>
+                    </a:srgbClr>
+                  </a:outerShdw>
+                </a:effectLst>
+              </a:rPr>
+              <a:t>Raha</a:t>
+            </a:r>
+            <a:r>
+              <a:rPr lang="fr-FR" sz="6000" b="1" dirty="0">
+                <a:effectLst>
+                  <a:outerShdw blurRad="38100" dist="38100" dir="2700000" algn="tl">
+                    <a:srgbClr val="000000">
+                      <a:alpha val="43137"/>
+                    </a:srgbClr>
+                  </a:outerShdw>
+                </a:effectLst>
+              </a:rPr>
+              <a:t> </a:t>
+            </a:r>
+            <a:r>
+              <a:rPr lang="fr-FR" sz="6000" b="1" dirty="0" err="1">
+                <a:effectLst>
+                  <a:outerShdw blurRad="38100" dist="38100" dir="2700000" algn="tl">
+                    <a:srgbClr val="000000">
+                      <a:alpha val="43137"/>
+                    </a:srgbClr>
+                  </a:outerShdw>
+                </a:effectLst>
+              </a:rPr>
+              <a:t>tsy</a:t>
+            </a:r>
+            <a:r>
+              <a:rPr lang="fr-FR" sz="6000" b="1" dirty="0">
+                <a:effectLst>
+                  <a:outerShdw blurRad="38100" dist="38100" dir="2700000" algn="tl">
+                    <a:srgbClr val="000000">
+                      <a:alpha val="43137"/>
+                    </a:srgbClr>
+                  </a:outerShdw>
+                </a:effectLst>
+              </a:rPr>
+              <a:t> </a:t>
+            </a:r>
+            <a:r>
+              <a:rPr lang="fr-FR" sz="6000" b="1" dirty="0" err="1">
+                <a:effectLst>
+                  <a:outerShdw blurRad="38100" dist="38100" dir="2700000" algn="tl">
+                    <a:srgbClr val="000000">
+                      <a:alpha val="43137"/>
+                    </a:srgbClr>
+                  </a:outerShdw>
+                </a:effectLst>
+              </a:rPr>
+              <a:t>katsahinao</a:t>
+            </a:r>
+            <a:r>
+              <a:rPr lang="fr-FR" sz="6000" b="1" dirty="0">
+                <a:effectLst>
+                  <a:outerShdw blurRad="38100" dist="38100" dir="2700000" algn="tl">
+                    <a:srgbClr val="000000">
+                      <a:alpha val="43137"/>
+                    </a:srgbClr>
+                  </a:outerShdw>
+                </a:effectLst>
+              </a:rPr>
+              <a:t> </a:t>
+            </a:r>
+            <a:r>
+              <a:rPr lang="fr-FR" sz="6000" b="1" dirty="0" err="1">
+                <a:effectLst>
+                  <a:outerShdw blurRad="38100" dist="38100" dir="2700000" algn="tl">
+                    <a:srgbClr val="000000">
+                      <a:alpha val="43137"/>
+                    </a:srgbClr>
+                  </a:outerShdw>
+                </a:effectLst>
+              </a:rPr>
+              <a:t>tokoa</a:t>
+            </a:r>
+            <a:br>
+              <a:rPr lang="fr-FR" sz="6000" b="1" dirty="0">
+                <a:effectLst>
+                  <a:outerShdw blurRad="38100" dist="38100" dir="2700000" algn="tl">
+                    <a:srgbClr val="000000">
+                      <a:alpha val="43137"/>
+                    </a:srgbClr>
+                  </a:outerShdw>
+                </a:effectLst>
+              </a:rPr>
+            </a:br>
+            <a:r>
+              <a:rPr lang="fr-FR" sz="6000" b="1" dirty="0">
+                <a:effectLst>
+                  <a:outerShdw blurRad="38100" dist="38100" dir="2700000" algn="tl">
+                    <a:srgbClr val="000000">
+                      <a:alpha val="43137"/>
+                    </a:srgbClr>
+                  </a:outerShdw>
+                </a:effectLst>
+              </a:rPr>
+              <a:t>Fa </a:t>
+            </a:r>
+            <a:r>
+              <a:rPr lang="fr-FR" sz="6000" b="1" dirty="0" err="1">
+                <a:effectLst>
+                  <a:outerShdw blurRad="38100" dist="38100" dir="2700000" algn="tl">
+                    <a:srgbClr val="000000">
+                      <a:alpha val="43137"/>
+                    </a:srgbClr>
+                  </a:outerShdw>
+                </a:effectLst>
+              </a:rPr>
+              <a:t>hevero</a:t>
+            </a:r>
+            <a:r>
+              <a:rPr lang="fr-FR" sz="6000" b="1" dirty="0">
+                <a:effectLst>
+                  <a:outerShdw blurRad="38100" dist="38100" dir="2700000" algn="tl">
+                    <a:srgbClr val="000000">
+                      <a:alpha val="43137"/>
+                    </a:srgbClr>
+                  </a:outerShdw>
+                </a:effectLst>
+              </a:rPr>
+              <a:t> </a:t>
+            </a:r>
+            <a:r>
+              <a:rPr lang="fr-FR" sz="6000" b="1" dirty="0" err="1">
+                <a:effectLst>
+                  <a:outerShdw blurRad="38100" dist="38100" dir="2700000" algn="tl">
+                    <a:srgbClr val="000000">
+                      <a:alpha val="43137"/>
+                    </a:srgbClr>
+                  </a:outerShdw>
+                </a:effectLst>
+              </a:rPr>
+              <a:t>kosa</a:t>
+            </a:r>
+            <a:r>
+              <a:rPr lang="fr-FR" sz="6000" b="1" dirty="0">
+                <a:effectLst>
+                  <a:outerShdw blurRad="38100" dist="38100" dir="2700000" algn="tl">
+                    <a:srgbClr val="000000">
+                      <a:alpha val="43137"/>
+                    </a:srgbClr>
+                  </a:outerShdw>
+                </a:effectLst>
+              </a:rPr>
+              <a:t> </a:t>
+            </a:r>
+            <a:r>
+              <a:rPr lang="fr-FR" sz="6000" b="1" dirty="0" err="1">
+                <a:effectLst>
+                  <a:outerShdw blurRad="38100" dist="38100" dir="2700000" algn="tl">
+                    <a:srgbClr val="000000">
+                      <a:alpha val="43137"/>
+                    </a:srgbClr>
+                  </a:outerShdw>
+                </a:effectLst>
+              </a:rPr>
+              <a:t>ny</a:t>
+            </a:r>
+            <a:r>
+              <a:rPr lang="fr-FR" sz="6000" b="1" dirty="0">
+                <a:effectLst>
+                  <a:outerShdw blurRad="38100" dist="38100" dir="2700000" algn="tl">
+                    <a:srgbClr val="000000">
+                      <a:alpha val="43137"/>
+                    </a:srgbClr>
+                  </a:outerShdw>
+                </a:effectLst>
+              </a:rPr>
+              <a:t> </a:t>
+            </a:r>
+            <a:r>
+              <a:rPr lang="fr-FR" sz="6000" b="1" dirty="0" err="1">
+                <a:effectLst>
+                  <a:outerShdw blurRad="38100" dist="38100" dir="2700000" algn="tl">
+                    <a:srgbClr val="000000">
+                      <a:alpha val="43137"/>
+                    </a:srgbClr>
+                  </a:outerShdw>
+                </a:effectLst>
+              </a:rPr>
+              <a:t>fifalianao</a:t>
+            </a:r>
+            <a:br>
+              <a:rPr lang="fr-FR" sz="6000" b="1" dirty="0">
+                <a:effectLst>
+                  <a:outerShdw blurRad="38100" dist="38100" dir="2700000" algn="tl">
+                    <a:srgbClr val="000000">
+                      <a:alpha val="43137"/>
+                    </a:srgbClr>
+                  </a:outerShdw>
+                </a:effectLst>
+              </a:rPr>
+            </a:br>
+            <a:r>
+              <a:rPr lang="fr-FR" sz="6000" b="1" dirty="0" err="1">
+                <a:effectLst>
+                  <a:outerShdw blurRad="38100" dist="38100" dir="2700000" algn="tl">
+                    <a:srgbClr val="000000">
+                      <a:alpha val="43137"/>
+                    </a:srgbClr>
+                  </a:outerShdw>
+                </a:effectLst>
+              </a:rPr>
+              <a:t>Raha</a:t>
+            </a:r>
+            <a:r>
+              <a:rPr lang="fr-FR" sz="6000" b="1" dirty="0">
+                <a:effectLst>
+                  <a:outerShdw blurRad="38100" dist="38100" dir="2700000" algn="tl">
+                    <a:srgbClr val="000000">
+                      <a:alpha val="43137"/>
+                    </a:srgbClr>
+                  </a:outerShdw>
+                </a:effectLst>
+              </a:rPr>
+              <a:t> tonga ao an-</a:t>
+            </a:r>
+            <a:r>
+              <a:rPr lang="fr-FR" sz="6000" b="1" dirty="0" err="1">
+                <a:effectLst>
+                  <a:outerShdw blurRad="38100" dist="38100" dir="2700000" algn="tl">
+                    <a:srgbClr val="000000">
+                      <a:alpha val="43137"/>
+                    </a:srgbClr>
+                  </a:outerShdw>
+                </a:effectLst>
+              </a:rPr>
+              <a:t>dapa</a:t>
+            </a:r>
+            <a:r>
+              <a:rPr lang="fr-FR" sz="6000" b="1" dirty="0">
+                <a:effectLst>
+                  <a:outerShdw blurRad="38100" dist="38100" dir="2700000" algn="tl">
+                    <a:srgbClr val="000000">
+                      <a:alpha val="43137"/>
+                    </a:srgbClr>
+                  </a:outerShdw>
+                </a:effectLst>
+              </a:rPr>
+              <a:t> </a:t>
+            </a:r>
+            <a:r>
+              <a:rPr lang="fr-FR" sz="6000" b="1" dirty="0" err="1">
+                <a:effectLst>
+                  <a:outerShdw blurRad="38100" dist="38100" dir="2700000" algn="tl">
+                    <a:srgbClr val="000000">
+                      <a:alpha val="43137"/>
+                    </a:srgbClr>
+                  </a:outerShdw>
+                </a:effectLst>
+              </a:rPr>
+              <a:t>soa</a:t>
+            </a:r>
+            <a:r>
+              <a:rPr lang="fr-FR" sz="6000" b="1" dirty="0">
+                <a:effectLst>
+                  <a:outerShdw blurRad="38100" dist="38100" dir="2700000" algn="tl">
+                    <a:srgbClr val="000000">
+                      <a:alpha val="43137"/>
+                    </a:srgbClr>
+                  </a:outerShdw>
+                </a:effectLst>
+              </a:rPr>
+              <a:t>,</a:t>
+            </a:r>
+          </a:p>
+        </p:txBody>
+      </p:sp>
+    </p:spTree>
+    <p:extLst>
+      <p:ext uri="{BB962C8B-B14F-4D97-AF65-F5344CB8AC3E}">
+        <p14:creationId xmlns:p14="http://schemas.microsoft.com/office/powerpoint/2010/main" val="2903854035"/>
+      </p:ext>
+    </p:extLst>
+  </p:cSld>
+  <p:clrMapOvr>
+    <a:masterClrMapping/>
+  </p:clrMapOvr>
+</p:sld>
+</file>
+
+<file path=ppt/slides/slide7.xml><?xml version="1.0" encoding="utf-8"?>
+<p:sld xmlns:a="http://schemas.openxmlformats.org/drawingml/2006/main" xmlns:r="http://schemas.openxmlformats.org/officeDocument/2006/relationships" xmlns:p="http://schemas.openxmlformats.org/presentationml/2006/main">
+  <p:cSld>
+    <p:spTree>
+      <p:nvGrpSpPr>
+        <p:cNvPr id="1" name=""/>
+        <p:cNvGrpSpPr/>
+        <p:nvPr/>
+      </p:nvGrpSpPr>
+      <p:grpSpPr>
+        <a:xfrm>
+          <a:off x="0" y="0"/>
+          <a:ext cx="0" cy="0"/>
+          <a:chOff x="0" y="0"/>
+          <a:chExt cx="0" cy="0"/>
+        </a:xfrm>
+      </p:grpSpPr>
+      <p:sp>
+        <p:nvSpPr>
+          <p:cNvPr id="5" name="ZoneTexte 4">
+            <a:extLst>
+              <a:ext uri="{FF2B5EF4-FFF2-40B4-BE49-F238E27FC236}">
+                <a16:creationId xmlns:a16="http://schemas.microsoft.com/office/drawing/2014/main" id="{A49516BC-530F-195F-F4FE-DD21F6A2342D}"/>
+              </a:ext>
+            </a:extLst>
+          </p:cNvPr>
+          <p:cNvSpPr txBox="1"/>
+          <p:nvPr/>
+        </p:nvSpPr>
+        <p:spPr>
+          <a:xfrm>
+            <a:off x="0" y="1"/>
+            <a:ext cx="9144000" cy="5078313"/>
+          </a:xfrm>
+          <a:prstGeom prst="rect">
+            <a:avLst/>
+          </a:prstGeom>
+          <a:noFill/>
+        </p:spPr>
+        <p:txBody>
+          <a:bodyPr wrap="square">
+            <a:spAutoFit/>
+          </a:bodyPr>
+          <a:lstStyle/>
+          <a:p>
+            <a:pPr algn="ctr"/>
+            <a:r>
+              <a:rPr lang="fr-FR" sz="5400" b="1" dirty="0">
+                <a:effectLst>
+                  <a:outerShdw blurRad="38100" dist="38100" dir="2700000" algn="tl">
+                    <a:srgbClr val="000000">
+                      <a:alpha val="43137"/>
+                    </a:srgbClr>
+                  </a:outerShdw>
+                </a:effectLst>
+              </a:rPr>
+              <a:t>Fa </a:t>
+            </a:r>
+            <a:r>
+              <a:rPr lang="fr-FR" sz="5400" b="1" dirty="0" err="1">
+                <a:effectLst>
+                  <a:outerShdw blurRad="38100" dist="38100" dir="2700000" algn="tl">
+                    <a:srgbClr val="000000">
+                      <a:alpha val="43137"/>
+                    </a:srgbClr>
+                  </a:outerShdw>
+                </a:effectLst>
+              </a:rPr>
+              <a:t>hahita</a:t>
+            </a:r>
+            <a:r>
+              <a:rPr lang="fr-FR" sz="5400" b="1" dirty="0">
+                <a:effectLst>
+                  <a:outerShdw blurRad="38100" dist="38100" dir="2700000" algn="tl">
+                    <a:srgbClr val="000000">
+                      <a:alpha val="43137"/>
+                    </a:srgbClr>
+                  </a:outerShdw>
+                </a:effectLst>
+              </a:rPr>
+              <a:t> maso </a:t>
+            </a:r>
+            <a:r>
+              <a:rPr lang="fr-FR" sz="5400" b="1" dirty="0" err="1">
+                <a:effectLst>
+                  <a:outerShdw blurRad="38100" dist="38100" dir="2700000" algn="tl">
+                    <a:srgbClr val="000000">
+                      <a:alpha val="43137"/>
+                    </a:srgbClr>
+                  </a:outerShdw>
+                </a:effectLst>
+              </a:rPr>
+              <a:t>ny</a:t>
+            </a:r>
+            <a:r>
+              <a:rPr lang="fr-FR" sz="5400" b="1" dirty="0">
+                <a:effectLst>
+                  <a:outerShdw blurRad="38100" dist="38100" dir="2700000" algn="tl">
+                    <a:srgbClr val="000000">
+                      <a:alpha val="43137"/>
+                    </a:srgbClr>
+                  </a:outerShdw>
+                </a:effectLst>
+              </a:rPr>
+              <a:t> </a:t>
+            </a:r>
+            <a:r>
+              <a:rPr lang="fr-FR" sz="5400" b="1" dirty="0" err="1">
+                <a:effectLst>
+                  <a:outerShdw blurRad="38100" dist="38100" dir="2700000" algn="tl">
+                    <a:srgbClr val="000000">
+                      <a:alpha val="43137"/>
+                    </a:srgbClr>
+                  </a:outerShdw>
+                </a:effectLst>
+              </a:rPr>
+              <a:t>Tompo</a:t>
+            </a:r>
+            <a:r>
+              <a:rPr lang="fr-FR" sz="5400" b="1" dirty="0">
+                <a:effectLst>
+                  <a:outerShdw blurRad="38100" dist="38100" dir="2700000" algn="tl">
+                    <a:srgbClr val="000000">
+                      <a:alpha val="43137"/>
+                    </a:srgbClr>
+                  </a:outerShdw>
+                </a:effectLst>
+              </a:rPr>
+              <a:t> </a:t>
+            </a:r>
+            <a:r>
+              <a:rPr lang="fr-FR" sz="5400" b="1" dirty="0" err="1">
+                <a:effectLst>
+                  <a:outerShdw blurRad="38100" dist="38100" dir="2700000" algn="tl">
+                    <a:srgbClr val="000000">
+                      <a:alpha val="43137"/>
+                    </a:srgbClr>
+                  </a:outerShdw>
+                </a:effectLst>
+              </a:rPr>
+              <a:t>hianao</a:t>
+            </a:r>
+            <a:r>
+              <a:rPr lang="fr-FR" sz="5400" b="1" dirty="0">
+                <a:effectLst>
+                  <a:outerShdw blurRad="38100" dist="38100" dir="2700000" algn="tl">
+                    <a:srgbClr val="000000">
+                      <a:alpha val="43137"/>
+                    </a:srgbClr>
+                  </a:outerShdw>
+                </a:effectLst>
+              </a:rPr>
+              <a:t>,</a:t>
+            </a:r>
+            <a:br>
+              <a:rPr lang="fr-FR" sz="5400" b="1" dirty="0">
+                <a:effectLst>
+                  <a:outerShdw blurRad="38100" dist="38100" dir="2700000" algn="tl">
+                    <a:srgbClr val="000000">
+                      <a:alpha val="43137"/>
+                    </a:srgbClr>
+                  </a:outerShdw>
+                </a:effectLst>
+              </a:rPr>
+            </a:br>
+            <a:r>
+              <a:rPr lang="fr-FR" sz="5400" b="1" dirty="0">
+                <a:effectLst>
+                  <a:outerShdw blurRad="38100" dist="38100" dir="2700000" algn="tl">
+                    <a:srgbClr val="000000">
+                      <a:alpha val="43137"/>
+                    </a:srgbClr>
+                  </a:outerShdw>
+                </a:effectLst>
+              </a:rPr>
+              <a:t>Ka </a:t>
+            </a:r>
+            <a:r>
+              <a:rPr lang="fr-FR" sz="5400" b="1" dirty="0" err="1">
+                <a:effectLst>
+                  <a:outerShdw blurRad="38100" dist="38100" dir="2700000" algn="tl">
+                    <a:srgbClr val="000000">
+                      <a:alpha val="43137"/>
+                    </a:srgbClr>
+                  </a:outerShdw>
+                </a:effectLst>
+              </a:rPr>
+              <a:t>hifaly</a:t>
+            </a:r>
+            <a:r>
+              <a:rPr lang="fr-FR" sz="5400" b="1" dirty="0">
+                <a:effectLst>
+                  <a:outerShdw blurRad="38100" dist="38100" dir="2700000" algn="tl">
+                    <a:srgbClr val="000000">
+                      <a:alpha val="43137"/>
+                    </a:srgbClr>
+                  </a:outerShdw>
+                </a:effectLst>
+              </a:rPr>
+              <a:t> amin’ </a:t>
+            </a:r>
+            <a:r>
+              <a:rPr lang="fr-FR" sz="5400" b="1" dirty="0" err="1">
+                <a:effectLst>
+                  <a:outerShdw blurRad="38100" dist="38100" dir="2700000" algn="tl">
+                    <a:srgbClr val="000000">
+                      <a:alpha val="43137"/>
+                    </a:srgbClr>
+                  </a:outerShdw>
+                </a:effectLst>
+              </a:rPr>
+              <a:t>Andriamanitrao</a:t>
+            </a:r>
+            <a:r>
+              <a:rPr lang="fr-FR" sz="5400" b="1" dirty="0">
+                <a:effectLst>
+                  <a:outerShdw blurRad="38100" dist="38100" dir="2700000" algn="tl">
+                    <a:srgbClr val="000000">
+                      <a:alpha val="43137"/>
+                    </a:srgbClr>
+                  </a:outerShdw>
+                </a:effectLst>
+              </a:rPr>
+              <a:t>.</a:t>
+            </a:r>
+            <a:br>
+              <a:rPr lang="fr-FR" sz="5400" b="1" dirty="0">
+                <a:effectLst>
+                  <a:outerShdw blurRad="38100" dist="38100" dir="2700000" algn="tl">
+                    <a:srgbClr val="000000">
+                      <a:alpha val="43137"/>
+                    </a:srgbClr>
+                  </a:outerShdw>
+                </a:effectLst>
+              </a:rPr>
+            </a:br>
+            <a:r>
+              <a:rPr lang="fr-FR" sz="5400" b="1" dirty="0" err="1">
+                <a:effectLst>
+                  <a:outerShdw blurRad="38100" dist="38100" dir="2700000" algn="tl">
+                    <a:srgbClr val="000000">
+                      <a:alpha val="43137"/>
+                    </a:srgbClr>
+                  </a:outerShdw>
+                </a:effectLst>
+              </a:rPr>
+              <a:t>Koa</a:t>
+            </a:r>
+            <a:r>
+              <a:rPr lang="fr-FR" sz="5400" b="1" dirty="0">
+                <a:effectLst>
+                  <a:outerShdw blurRad="38100" dist="38100" dir="2700000" algn="tl">
+                    <a:srgbClr val="000000">
+                      <a:alpha val="43137"/>
+                    </a:srgbClr>
+                  </a:outerShdw>
+                </a:effectLst>
+              </a:rPr>
+              <a:t> </a:t>
+            </a:r>
+            <a:r>
+              <a:rPr lang="fr-FR" sz="5400" b="1" dirty="0" err="1">
+                <a:effectLst>
+                  <a:outerShdw blurRad="38100" dist="38100" dir="2700000" algn="tl">
+                    <a:srgbClr val="000000">
+                      <a:alpha val="43137"/>
+                    </a:srgbClr>
+                  </a:outerShdw>
+                </a:effectLst>
+              </a:rPr>
+              <a:t>miomàna</a:t>
+            </a:r>
+            <a:r>
+              <a:rPr lang="fr-FR" sz="5400" b="1" dirty="0">
+                <a:effectLst>
+                  <a:outerShdw blurRad="38100" dist="38100" dir="2700000" algn="tl">
+                    <a:srgbClr val="000000">
+                      <a:alpha val="43137"/>
+                    </a:srgbClr>
+                  </a:outerShdw>
+                </a:effectLst>
+              </a:rPr>
+              <a:t> re, </a:t>
+            </a:r>
+            <a:r>
+              <a:rPr lang="fr-FR" sz="5400" b="1" dirty="0" err="1">
+                <a:effectLst>
+                  <a:outerShdw blurRad="38100" dist="38100" dir="2700000" algn="tl">
+                    <a:srgbClr val="000000">
+                      <a:alpha val="43137"/>
+                    </a:srgbClr>
+                  </a:outerShdw>
+                </a:effectLst>
+              </a:rPr>
+              <a:t>ry</a:t>
+            </a:r>
+            <a:r>
+              <a:rPr lang="fr-FR" sz="5400" b="1" dirty="0">
+                <a:effectLst>
+                  <a:outerShdw blurRad="38100" dist="38100" dir="2700000" algn="tl">
+                    <a:srgbClr val="000000">
+                      <a:alpha val="43137"/>
+                    </a:srgbClr>
+                  </a:outerShdw>
+                </a:effectLst>
+              </a:rPr>
+              <a:t> </a:t>
+            </a:r>
+            <a:r>
+              <a:rPr lang="fr-FR" sz="5400" b="1" dirty="0" err="1">
+                <a:effectLst>
+                  <a:outerShdw blurRad="38100" dist="38100" dir="2700000" algn="tl">
+                    <a:srgbClr val="000000">
+                      <a:alpha val="43137"/>
+                    </a:srgbClr>
+                  </a:outerShdw>
+                </a:effectLst>
+              </a:rPr>
+              <a:t>sakaiza</a:t>
+            </a:r>
+            <a:r>
+              <a:rPr lang="fr-FR" sz="5400" b="1" dirty="0">
+                <a:effectLst>
+                  <a:outerShdw blurRad="38100" dist="38100" dir="2700000" algn="tl">
+                    <a:srgbClr val="000000">
+                      <a:alpha val="43137"/>
+                    </a:srgbClr>
+                  </a:outerShdw>
+                </a:effectLst>
+              </a:rPr>
+              <a:t> ô !</a:t>
+            </a:r>
+            <a:br>
+              <a:rPr lang="fr-FR" sz="5400" b="1" dirty="0">
+                <a:effectLst>
+                  <a:outerShdw blurRad="38100" dist="38100" dir="2700000" algn="tl">
+                    <a:srgbClr val="000000">
+                      <a:alpha val="43137"/>
+                    </a:srgbClr>
+                  </a:outerShdw>
+                </a:effectLst>
+              </a:rPr>
+            </a:br>
+            <a:r>
+              <a:rPr lang="fr-FR" sz="5400" b="1" dirty="0" err="1">
+                <a:effectLst>
+                  <a:outerShdw blurRad="38100" dist="38100" dir="2700000" algn="tl">
+                    <a:srgbClr val="000000">
+                      <a:alpha val="43137"/>
+                    </a:srgbClr>
+                  </a:outerShdw>
+                </a:effectLst>
+              </a:rPr>
+              <a:t>Mba</a:t>
+            </a:r>
+            <a:r>
+              <a:rPr lang="fr-FR" sz="5400" b="1" dirty="0">
+                <a:effectLst>
+                  <a:outerShdw blurRad="38100" dist="38100" dir="2700000" algn="tl">
+                    <a:srgbClr val="000000">
+                      <a:alpha val="43137"/>
+                    </a:srgbClr>
+                  </a:outerShdw>
+                </a:effectLst>
+              </a:rPr>
+              <a:t> ho </a:t>
+            </a:r>
+            <a:r>
+              <a:rPr lang="fr-FR" sz="5400" b="1" dirty="0" err="1">
+                <a:effectLst>
+                  <a:outerShdw blurRad="38100" dist="38100" dir="2700000" algn="tl">
+                    <a:srgbClr val="000000">
+                      <a:alpha val="43137"/>
+                    </a:srgbClr>
+                  </a:outerShdw>
+                </a:effectLst>
+              </a:rPr>
+              <a:t>faly</a:t>
+            </a:r>
+            <a:r>
+              <a:rPr lang="fr-FR" sz="5400" b="1" dirty="0">
+                <a:effectLst>
+                  <a:outerShdw blurRad="38100" dist="38100" dir="2700000" algn="tl">
+                    <a:srgbClr val="000000">
+                      <a:alpha val="43137"/>
+                    </a:srgbClr>
+                  </a:outerShdw>
+                </a:effectLst>
+              </a:rPr>
+              <a:t> ao </a:t>
+            </a:r>
+            <a:r>
+              <a:rPr lang="fr-FR" sz="5400" b="1" dirty="0" err="1">
+                <a:effectLst>
+                  <a:outerShdw blurRad="38100" dist="38100" dir="2700000" algn="tl">
+                    <a:srgbClr val="000000">
+                      <a:alpha val="43137"/>
+                    </a:srgbClr>
+                  </a:outerShdw>
+                </a:effectLst>
+              </a:rPr>
+              <a:t>am-pitsarana</a:t>
+            </a:r>
+            <a:r>
+              <a:rPr lang="fr-FR" sz="5400" b="1" dirty="0">
+                <a:effectLst>
+                  <a:outerShdw blurRad="38100" dist="38100" dir="2700000" algn="tl">
+                    <a:srgbClr val="000000">
+                      <a:alpha val="43137"/>
+                    </a:srgbClr>
+                  </a:outerShdw>
+                </a:effectLst>
+              </a:rPr>
+              <a:t>.</a:t>
+            </a:r>
+            <a:endParaRPr lang="fr-FR" sz="5400" dirty="0"/>
+          </a:p>
+        </p:txBody>
+      </p:sp>
+    </p:spTree>
+    <p:extLst>
+      <p:ext uri="{BB962C8B-B14F-4D97-AF65-F5344CB8AC3E}">
+        <p14:creationId xmlns:p14="http://schemas.microsoft.com/office/powerpoint/2010/main" val="1288479606"/>
+      </p:ext>
+    </p:extLst>
+  </p:cSld>
+  <p:clrMapOvr>
+    <a:masterClrMapping/>
+  </p:clrMapOvr>
+</p:sld>
+</file>
+
+<file path=ppt/slides/slide8.xml><?xml version="1.0" encoding="utf-8"?>
+<p:sld xmlns:a="http://schemas.openxmlformats.org/drawingml/2006/main" xmlns:r="http://schemas.openxmlformats.org/officeDocument/2006/relationships" xmlns:p="http://schemas.openxmlformats.org/presentationml/2006/main">
+  <p:cSld>
+    <p:spTree>
+      <p:nvGrpSpPr>
+        <p:cNvPr id="1" name=""/>
+        <p:cNvGrpSpPr/>
+        <p:nvPr/>
+      </p:nvGrpSpPr>
+      <p:grpSpPr>
+        <a:xfrm>
+          <a:off x="0" y="0"/>
+          <a:ext cx="0" cy="0"/>
+          <a:chOff x="0" y="0"/>
+          <a:chExt cx="0" cy="0"/>
+        </a:xfrm>
+      </p:grpSpPr>
+      <p:sp>
+        <p:nvSpPr>
+          <p:cNvPr id="2" name="Titre 1"/>
+          <p:cNvSpPr>
+            <a:spLocks noGrp="1"/>
+          </p:cNvSpPr>
+          <p:nvPr>
+            <p:ph type="ctrTitle"/>
+          </p:nvPr>
+        </p:nvSpPr>
+        <p:spPr>
+          <a:xfrm>
+            <a:off x="0" y="0"/>
+            <a:ext cx="9144000" cy="5143499"/>
+          </a:xfrm>
+        </p:spPr>
+        <p:txBody>
+          <a:bodyPr>
+            <a:noAutofit/>
+          </a:bodyPr>
+          <a:lstStyle/>
+          <a:p>
+            <a:r>
+              <a:rPr lang="fr-FR" sz="5400" b="1" dirty="0">
                 <a:effectLst>
                   <a:outerShdw blurRad="38100" dist="38100" dir="2700000" algn="tl">
                     <a:srgbClr val="000000">
@@ -6553,7 +6261,7 @@
               <a:t>4. Dia </a:t>
             </a:r>
             <a:r>
-              <a:rPr lang="fr-FR" sz="4000" b="1" dirty="0" err="1" smtClean="0">
+              <a:rPr lang="fr-FR" sz="5400" b="1" dirty="0" err="1">
                 <a:effectLst>
                   <a:outerShdw blurRad="38100" dist="38100" dir="2700000" algn="tl">
                     <a:srgbClr val="000000">
@@ -6565,7 +6273,7 @@
               <a:t>miangavy</a:t>
             </a:r>
             <a:r>
-              <a:rPr lang="fr-FR" sz="4000" b="1" dirty="0" smtClean="0">
+              <a:rPr lang="fr-FR" sz="5400" b="1" dirty="0">
                 <a:effectLst>
                   <a:outerShdw blurRad="38100" dist="38100" dir="2700000" algn="tl">
                     <a:srgbClr val="000000">
@@ -6577,7 +6285,7 @@
               <a:t>, </a:t>
             </a:r>
             <a:r>
-              <a:rPr lang="fr-FR" sz="4000" b="1" dirty="0" err="1" smtClean="0">
+              <a:rPr lang="fr-FR" sz="5400" b="1" dirty="0" err="1">
                 <a:effectLst>
                   <a:outerShdw blurRad="38100" dist="38100" dir="2700000" algn="tl">
                     <a:srgbClr val="000000">
@@ -6589,19 +6297,19 @@
               <a:t>mangataka</a:t>
             </a:r>
             <a:r>
-              <a:rPr lang="fr-FR" sz="4000" b="1" dirty="0" smtClean="0">
-                <a:effectLst>
-                  <a:outerShdw blurRad="38100" dist="38100" dir="2700000" algn="tl">
-                    <a:srgbClr val="000000">
-                      <a:alpha val="43137"/>
-                    </a:srgbClr>
-                  </a:outerShdw>
-                </a:effectLst>
-              </a:rPr>
-              <a:t> </a:t>
-            </a:r>
-            <a:r>
-              <a:rPr lang="fr-FR" sz="4000" b="1" dirty="0" err="1" smtClean="0">
+              <a:rPr lang="fr-FR" sz="5400" b="1" dirty="0">
+                <a:effectLst>
+                  <a:outerShdw blurRad="38100" dist="38100" dir="2700000" algn="tl">
+                    <a:srgbClr val="000000">
+                      <a:alpha val="43137"/>
+                    </a:srgbClr>
+                  </a:outerShdw>
+                </a:effectLst>
+              </a:rPr>
+              <a:t> </a:t>
+            </a:r>
+            <a:r>
+              <a:rPr lang="fr-FR" sz="5400" b="1" dirty="0" err="1">
                 <a:effectLst>
                   <a:outerShdw blurRad="38100" dist="38100" dir="2700000" algn="tl">
                     <a:srgbClr val="000000">
@@ -6613,7 +6321,7 @@
               <a:t>aminao</a:t>
             </a:r>
             <a:r>
-              <a:rPr lang="fr-FR" sz="4000" b="1" dirty="0" smtClean="0">
+              <a:rPr lang="fr-FR" sz="5400" b="1" dirty="0">
                 <a:effectLst>
                   <a:outerShdw blurRad="38100" dist="38100" dir="2700000" algn="tl">
                     <a:srgbClr val="000000">
@@ -6625,7 +6333,7 @@
               <a:t>,</a:t>
             </a:r>
             <a:br>
-              <a:rPr lang="fr-FR" sz="4000" b="1" dirty="0" smtClean="0">
+              <a:rPr lang="fr-FR" sz="5400" b="1" dirty="0">
                 <a:effectLst>
                   <a:outerShdw blurRad="38100" dist="38100" dir="2700000" algn="tl">
                     <a:srgbClr val="000000">
@@ -6636,19 +6344,7 @@
               </a:rPr>
             </a:br>
             <a:r>
-              <a:rPr lang="fr-FR" sz="4000" b="1" dirty="0" smtClean="0">
-                <a:effectLst>
-                  <a:outerShdw blurRad="38100" dist="38100" dir="2700000" algn="tl">
-                    <a:srgbClr val="000000">
-                      <a:alpha val="43137"/>
-                    </a:srgbClr>
-                  </a:outerShdw>
-                </a:effectLst>
-              </a:rPr>
-              <a:t>   </a:t>
-            </a:r>
-            <a:r>
-              <a:rPr lang="fr-FR" sz="4000" b="1" dirty="0" err="1" smtClean="0">
+              <a:rPr lang="fr-FR" sz="5400" b="1" dirty="0" err="1">
                 <a:effectLst>
                   <a:outerShdw blurRad="38100" dist="38100" dir="2700000" algn="tl">
                     <a:srgbClr val="000000">
@@ -6660,19 +6356,19 @@
               <a:t>Mba</a:t>
             </a:r>
             <a:r>
-              <a:rPr lang="fr-FR" sz="4000" b="1" dirty="0" smtClean="0">
-                <a:effectLst>
-                  <a:outerShdw blurRad="38100" dist="38100" dir="2700000" algn="tl">
-                    <a:srgbClr val="000000">
-                      <a:alpha val="43137"/>
-                    </a:srgbClr>
-                  </a:outerShdw>
-                </a:effectLst>
-              </a:rPr>
-              <a:t> </a:t>
-            </a:r>
-            <a:r>
-              <a:rPr lang="fr-FR" sz="4000" b="1" dirty="0" err="1" smtClean="0">
+              <a:rPr lang="fr-FR" sz="5400" b="1" dirty="0">
+                <a:effectLst>
+                  <a:outerShdw blurRad="38100" dist="38100" dir="2700000" algn="tl">
+                    <a:srgbClr val="000000">
+                      <a:alpha val="43137"/>
+                    </a:srgbClr>
+                  </a:outerShdw>
+                </a:effectLst>
+              </a:rPr>
+              <a:t> </a:t>
+            </a:r>
+            <a:r>
+              <a:rPr lang="fr-FR" sz="5400" b="1" dirty="0" err="1">
                 <a:effectLst>
                   <a:outerShdw blurRad="38100" dist="38100" dir="2700000" algn="tl">
                     <a:srgbClr val="000000">
@@ -6684,7 +6380,7 @@
               <a:t>modia</a:t>
             </a:r>
             <a:r>
-              <a:rPr lang="fr-FR" sz="4000" b="1" dirty="0" smtClean="0">
+              <a:rPr lang="fr-FR" sz="5400" b="1" dirty="0">
                 <a:effectLst>
                   <a:outerShdw blurRad="38100" dist="38100" dir="2700000" algn="tl">
                     <a:srgbClr val="000000">
@@ -6696,7 +6392,7 @@
               <a:t>, </a:t>
             </a:r>
             <a:r>
-              <a:rPr lang="fr-FR" sz="4000" b="1" dirty="0" err="1" smtClean="0">
+              <a:rPr lang="fr-FR" sz="5400" b="1" dirty="0" err="1">
                 <a:effectLst>
                   <a:outerShdw blurRad="38100" dist="38100" dir="2700000" algn="tl">
                     <a:srgbClr val="000000">
@@ -6708,19 +6404,19 @@
               <a:t>ry</a:t>
             </a:r>
             <a:r>
-              <a:rPr lang="fr-FR" sz="4000" b="1" dirty="0" smtClean="0">
-                <a:effectLst>
-                  <a:outerShdw blurRad="38100" dist="38100" dir="2700000" algn="tl">
-                    <a:srgbClr val="000000">
-                      <a:alpha val="43137"/>
-                    </a:srgbClr>
-                  </a:outerShdw>
-                </a:effectLst>
-              </a:rPr>
-              <a:t> </a:t>
-            </a:r>
-            <a:r>
-              <a:rPr lang="fr-FR" sz="4000" b="1" dirty="0" err="1" smtClean="0">
+              <a:rPr lang="fr-FR" sz="5400" b="1" dirty="0">
+                <a:effectLst>
+                  <a:outerShdw blurRad="38100" dist="38100" dir="2700000" algn="tl">
+                    <a:srgbClr val="000000">
+                      <a:alpha val="43137"/>
+                    </a:srgbClr>
+                  </a:outerShdw>
+                </a:effectLst>
+              </a:rPr>
+              <a:t> </a:t>
+            </a:r>
+            <a:r>
+              <a:rPr lang="fr-FR" sz="5400" b="1" dirty="0" err="1">
                 <a:effectLst>
                   <a:outerShdw blurRad="38100" dist="38100" dir="2700000" algn="tl">
                     <a:srgbClr val="000000">
@@ -6732,7 +6428,7 @@
               <a:t>mpirenireny</a:t>
             </a:r>
             <a:r>
-              <a:rPr lang="fr-FR" sz="4000" b="1" dirty="0" smtClean="0">
+              <a:rPr lang="fr-FR" sz="5400" b="1" dirty="0">
                 <a:effectLst>
                   <a:outerShdw blurRad="38100" dist="38100" dir="2700000" algn="tl">
                     <a:srgbClr val="000000">
@@ -6744,7 +6440,7 @@
               <a:t> !</a:t>
             </a:r>
             <a:br>
-              <a:rPr lang="fr-FR" sz="4000" b="1" dirty="0" smtClean="0">
+              <a:rPr lang="fr-FR" sz="5400" b="1" dirty="0">
                 <a:effectLst>
                   <a:outerShdw blurRad="38100" dist="38100" dir="2700000" algn="tl">
                     <a:srgbClr val="000000">
@@ -6755,19 +6451,19 @@
               </a:rPr>
             </a:br>
             <a:r>
-              <a:rPr lang="fr-FR" sz="4000" b="1" dirty="0" smtClean="0">
-                <a:effectLst>
-                  <a:outerShdw blurRad="38100" dist="38100" dir="2700000" algn="tl">
-                    <a:srgbClr val="000000">
-                      <a:alpha val="43137"/>
-                    </a:srgbClr>
-                  </a:outerShdw>
-                </a:effectLst>
-              </a:rPr>
-              <a:t>   Fa </a:t>
-            </a:r>
-            <a:r>
-              <a:rPr lang="fr-FR" sz="4000" b="1" dirty="0" err="1" smtClean="0">
+              <a:rPr lang="fr-FR" sz="5400" b="1" dirty="0">
+                <a:effectLst>
+                  <a:outerShdw blurRad="38100" dist="38100" dir="2700000" algn="tl">
+                    <a:srgbClr val="000000">
+                      <a:alpha val="43137"/>
+                    </a:srgbClr>
+                  </a:outerShdw>
+                </a:effectLst>
+              </a:rPr>
+              <a:t>Fa </a:t>
+            </a:r>
+            <a:r>
+              <a:rPr lang="fr-FR" sz="5400" b="1" dirty="0" err="1">
                 <a:effectLst>
                   <a:outerShdw blurRad="38100" dist="38100" dir="2700000" algn="tl">
                     <a:srgbClr val="000000">
@@ -6779,19 +6475,19 @@
               <a:t>ny</a:t>
             </a:r>
             <a:r>
-              <a:rPr lang="fr-FR" sz="4000" b="1" dirty="0" smtClean="0">
-                <a:effectLst>
-                  <a:outerShdw blurRad="38100" dist="38100" dir="2700000" algn="tl">
-                    <a:srgbClr val="000000">
-                      <a:alpha val="43137"/>
-                    </a:srgbClr>
-                  </a:outerShdw>
-                </a:effectLst>
-              </a:rPr>
-              <a:t> </a:t>
-            </a:r>
-            <a:r>
-              <a:rPr lang="fr-FR" sz="4000" b="1" dirty="0" err="1" smtClean="0">
+              <a:rPr lang="fr-FR" sz="5400" b="1" dirty="0">
+                <a:effectLst>
+                  <a:outerShdw blurRad="38100" dist="38100" dir="2700000" algn="tl">
+                    <a:srgbClr val="000000">
+                      <a:alpha val="43137"/>
+                    </a:srgbClr>
+                  </a:outerShdw>
+                </a:effectLst>
+              </a:rPr>
+              <a:t> </a:t>
+            </a:r>
+            <a:r>
+              <a:rPr lang="fr-FR" sz="5400" b="1" dirty="0" err="1">
                 <a:effectLst>
                   <a:outerShdw blurRad="38100" dist="38100" dir="2700000" algn="tl">
                     <a:srgbClr val="000000">
@@ -6803,7 +6499,7 @@
               <a:t>Tomponao</a:t>
             </a:r>
             <a:r>
-              <a:rPr lang="fr-FR" sz="4000" b="1" dirty="0" smtClean="0">
+              <a:rPr lang="fr-FR" sz="5400" b="1" dirty="0">
                 <a:effectLst>
                   <a:outerShdw blurRad="38100" dist="38100" dir="2700000" algn="tl">
                     <a:srgbClr val="000000">
@@ -6815,7 +6511,7 @@
               <a:t> ta-</a:t>
             </a:r>
             <a:r>
-              <a:rPr lang="fr-FR" sz="4000" b="1" dirty="0" err="1" smtClean="0">
+              <a:rPr lang="fr-FR" sz="5400" b="1" dirty="0" err="1">
                 <a:effectLst>
                   <a:outerShdw blurRad="38100" dist="38100" dir="2700000" algn="tl">
                     <a:srgbClr val="000000">
@@ -6827,19 +6523,19 @@
               <a:t>handray</a:t>
             </a:r>
             <a:r>
-              <a:rPr lang="fr-FR" sz="4000" b="1" dirty="0">
-                <a:effectLst>
-                  <a:outerShdw blurRad="38100" dist="38100" dir="2700000" algn="tl">
-                    <a:srgbClr val="000000">
-                      <a:alpha val="43137"/>
-                    </a:srgbClr>
-                  </a:outerShdw>
-                </a:effectLst>
-              </a:rPr>
-              <a:t> </a:t>
-            </a:r>
-            <a:r>
-              <a:rPr lang="fr-FR" sz="4000" b="1" dirty="0" err="1" smtClean="0">
+              <a:rPr lang="fr-FR" sz="5400" b="1" dirty="0">
+                <a:effectLst>
+                  <a:outerShdw blurRad="38100" dist="38100" dir="2700000" algn="tl">
+                    <a:srgbClr val="000000">
+                      <a:alpha val="43137"/>
+                    </a:srgbClr>
+                  </a:outerShdw>
+                </a:effectLst>
+              </a:rPr>
+              <a:t> </a:t>
+            </a:r>
+            <a:r>
+              <a:rPr lang="fr-FR" sz="5400" b="1" dirty="0" err="1">
                 <a:effectLst>
                   <a:outerShdw blurRad="38100" dist="38100" dir="2700000" algn="tl">
                     <a:srgbClr val="000000">
@@ -6851,19 +6547,19 @@
               <a:t>anao</a:t>
             </a:r>
             <a:r>
-              <a:rPr lang="fr-FR" sz="4000" b="1" dirty="0">
-                <a:effectLst>
-                  <a:outerShdw blurRad="38100" dist="38100" dir="2700000" algn="tl">
-                    <a:srgbClr val="000000">
-                      <a:alpha val="43137"/>
-                    </a:srgbClr>
-                  </a:outerShdw>
-                </a:effectLst>
-              </a:rPr>
-              <a:t> </a:t>
-            </a:r>
-            <a:r>
-              <a:rPr lang="fr-FR" sz="4000" b="1" dirty="0" err="1" smtClean="0">
+              <a:rPr lang="fr-FR" sz="5400" b="1" dirty="0">
+                <a:effectLst>
+                  <a:outerShdw blurRad="38100" dist="38100" dir="2700000" algn="tl">
+                    <a:srgbClr val="000000">
+                      <a:alpha val="43137"/>
+                    </a:srgbClr>
+                  </a:outerShdw>
+                </a:effectLst>
+              </a:rPr>
+              <a:t> </a:t>
+            </a:r>
+            <a:r>
+              <a:rPr lang="fr-FR" sz="5400" b="1" dirty="0" err="1">
                 <a:effectLst>
                   <a:outerShdw blurRad="38100" dist="38100" dir="2700000" algn="tl">
                     <a:srgbClr val="000000">
@@ -6875,7 +6571,7 @@
               <a:t>izao</a:t>
             </a:r>
             <a:r>
-              <a:rPr lang="fr-FR" sz="4000" b="1" dirty="0" smtClean="0">
+              <a:rPr lang="fr-FR" sz="5400" b="1" dirty="0">
                 <a:effectLst>
                   <a:outerShdw blurRad="38100" dist="38100" dir="2700000" algn="tl">
                     <a:srgbClr val="000000">
@@ -6887,7 +6583,7 @@
               <a:t>.</a:t>
             </a:r>
             <a:br>
-              <a:rPr lang="fr-FR" sz="4000" b="1" dirty="0" smtClean="0">
+              <a:rPr lang="fr-FR" sz="5400" b="1" dirty="0">
                 <a:effectLst>
                   <a:outerShdw blurRad="38100" dist="38100" dir="2700000" algn="tl">
                     <a:srgbClr val="000000">
@@ -6898,19 +6594,7 @@
               </a:rPr>
             </a:br>
             <a:r>
-              <a:rPr lang="fr-FR" sz="4000" b="1" dirty="0" smtClean="0">
-                <a:effectLst>
-                  <a:outerShdw blurRad="38100" dist="38100" dir="2700000" algn="tl">
-                    <a:srgbClr val="000000">
-                      <a:alpha val="43137"/>
-                    </a:srgbClr>
-                  </a:outerShdw>
-                </a:effectLst>
-              </a:rPr>
-              <a:t>   </a:t>
-            </a:r>
-            <a:r>
-              <a:rPr lang="fr-FR" sz="4000" b="1" dirty="0" err="1" smtClean="0">
+              <a:rPr lang="fr-FR" sz="5400" b="1" dirty="0" err="1">
                 <a:effectLst>
                   <a:outerShdw blurRad="38100" dist="38100" dir="2700000" algn="tl">
                     <a:srgbClr val="000000">
@@ -6922,19 +6606,19 @@
               <a:t>Hianao</a:t>
             </a:r>
             <a:r>
-              <a:rPr lang="fr-FR" sz="4000" b="1" dirty="0" smtClean="0">
-                <a:effectLst>
-                  <a:outerShdw blurRad="38100" dist="38100" dir="2700000" algn="tl">
-                    <a:srgbClr val="000000">
-                      <a:alpha val="43137"/>
-                    </a:srgbClr>
-                  </a:outerShdw>
-                </a:effectLst>
-              </a:rPr>
-              <a:t> </a:t>
-            </a:r>
-            <a:r>
-              <a:rPr lang="fr-FR" sz="4000" b="1" dirty="0" err="1" smtClean="0">
+              <a:rPr lang="fr-FR" sz="5400" b="1" dirty="0">
+                <a:effectLst>
+                  <a:outerShdw blurRad="38100" dist="38100" dir="2700000" algn="tl">
+                    <a:srgbClr val="000000">
+                      <a:alpha val="43137"/>
+                    </a:srgbClr>
+                  </a:outerShdw>
+                </a:effectLst>
+              </a:rPr>
+              <a:t> </a:t>
+            </a:r>
+            <a:r>
+              <a:rPr lang="fr-FR" sz="5400" b="1" dirty="0" err="1">
                 <a:effectLst>
                   <a:outerShdw blurRad="38100" dist="38100" dir="2700000" algn="tl">
                     <a:srgbClr val="000000">
@@ -6946,19 +6630,19 @@
               <a:t>tsy</a:t>
             </a:r>
             <a:r>
-              <a:rPr lang="fr-FR" sz="4000" b="1" dirty="0" smtClean="0">
-                <a:effectLst>
-                  <a:outerShdw blurRad="38100" dist="38100" dir="2700000" algn="tl">
-                    <a:srgbClr val="000000">
-                      <a:alpha val="43137"/>
-                    </a:srgbClr>
-                  </a:outerShdw>
-                </a:effectLst>
-              </a:rPr>
-              <a:t> </a:t>
-            </a:r>
-            <a:r>
-              <a:rPr lang="fr-FR" sz="4000" b="1" dirty="0" err="1" smtClean="0">
+              <a:rPr lang="fr-FR" sz="5400" b="1" dirty="0">
+                <a:effectLst>
+                  <a:outerShdw blurRad="38100" dist="38100" dir="2700000" algn="tl">
+                    <a:srgbClr val="000000">
+                      <a:alpha val="43137"/>
+                    </a:srgbClr>
+                  </a:outerShdw>
+                </a:effectLst>
+              </a:rPr>
+              <a:t> </a:t>
+            </a:r>
+            <a:r>
+              <a:rPr lang="fr-FR" sz="5400" b="1" dirty="0" err="1">
                 <a:effectLst>
                   <a:outerShdw blurRad="38100" dist="38100" dir="2700000" algn="tl">
                     <a:srgbClr val="000000">
@@ -6970,7 +6654,7 @@
               <a:t>sitrany</a:t>
             </a:r>
             <a:r>
-              <a:rPr lang="fr-FR" sz="4000" b="1" dirty="0" smtClean="0">
+              <a:rPr lang="fr-FR" sz="5400" b="1" dirty="0">
                 <a:effectLst>
                   <a:outerShdw blurRad="38100" dist="38100" dir="2700000" algn="tl">
                     <a:srgbClr val="000000">
@@ -6982,7 +6666,7 @@
               <a:t> ho </a:t>
             </a:r>
             <a:r>
-              <a:rPr lang="fr-FR" sz="4000" b="1" dirty="0" err="1" smtClean="0">
+              <a:rPr lang="fr-FR" sz="5400" b="1" dirty="0" err="1">
                 <a:effectLst>
                   <a:outerShdw blurRad="38100" dist="38100" dir="2700000" algn="tl">
                     <a:srgbClr val="000000">
@@ -6994,7 +6678,7 @@
               <a:t>very</a:t>
             </a:r>
             <a:r>
-              <a:rPr lang="fr-FR" sz="4000" b="1" dirty="0" smtClean="0">
+              <a:rPr lang="fr-FR" sz="5400" b="1" dirty="0">
                 <a:effectLst>
                   <a:outerShdw blurRad="38100" dist="38100" dir="2700000" algn="tl">
                     <a:srgbClr val="000000">
@@ -7005,611 +6689,6 @@
               </a:rPr>
               <a:t>.</a:t>
             </a:r>
-            <a:br>
-              <a:rPr lang="fr-FR" sz="4000" b="1" dirty="0" smtClean="0">
-                <a:effectLst>
-                  <a:outerShdw blurRad="38100" dist="38100" dir="2700000" algn="tl">
-                    <a:srgbClr val="000000">
-                      <a:alpha val="43137"/>
-                    </a:srgbClr>
-                  </a:outerShdw>
-                </a:effectLst>
-              </a:rPr>
-            </a:br>
-            <a:r>
-              <a:rPr lang="fr-FR" sz="4000" b="1" dirty="0" smtClean="0">
-                <a:effectLst>
-                  <a:outerShdw blurRad="38100" dist="38100" dir="2700000" algn="tl">
-                    <a:srgbClr val="000000">
-                      <a:alpha val="43137"/>
-                    </a:srgbClr>
-                  </a:outerShdw>
-                </a:effectLst>
-              </a:rPr>
-              <a:t>   </a:t>
-            </a:r>
-            <a:r>
-              <a:rPr lang="fr-FR" sz="4000" b="1" dirty="0" err="1" smtClean="0">
-                <a:effectLst>
-                  <a:outerShdw blurRad="38100" dist="38100" dir="2700000" algn="tl">
-                    <a:srgbClr val="000000">
-                      <a:alpha val="43137"/>
-                    </a:srgbClr>
-                  </a:outerShdw>
-                </a:effectLst>
-              </a:rPr>
-              <a:t>Izy</a:t>
-            </a:r>
-            <a:r>
-              <a:rPr lang="fr-FR" sz="4000" b="1" dirty="0" smtClean="0">
-                <a:effectLst>
-                  <a:outerShdw blurRad="38100" dist="38100" dir="2700000" algn="tl">
-                    <a:srgbClr val="000000">
-                      <a:alpha val="43137"/>
-                    </a:srgbClr>
-                  </a:outerShdw>
-                </a:effectLst>
-              </a:rPr>
-              <a:t> dia </a:t>
-            </a:r>
-            <a:r>
-              <a:rPr lang="fr-FR" sz="4000" b="1" dirty="0" err="1" smtClean="0">
-                <a:effectLst>
-                  <a:outerShdw blurRad="38100" dist="38100" dir="2700000" algn="tl">
-                    <a:srgbClr val="000000">
-                      <a:alpha val="43137"/>
-                    </a:srgbClr>
-                  </a:outerShdw>
-                </a:effectLst>
-              </a:rPr>
-              <a:t>mananty</a:t>
-            </a:r>
-            <a:r>
-              <a:rPr lang="fr-FR" sz="4000" b="1" dirty="0" smtClean="0">
-                <a:effectLst>
-                  <a:outerShdw blurRad="38100" dist="38100" dir="2700000" algn="tl">
-                    <a:srgbClr val="000000">
-                      <a:alpha val="43137"/>
-                    </a:srgbClr>
-                  </a:outerShdw>
-                </a:effectLst>
-              </a:rPr>
-              <a:t> </a:t>
-            </a:r>
-            <a:r>
-              <a:rPr lang="fr-FR" sz="4000" b="1" dirty="0" err="1" smtClean="0">
-                <a:effectLst>
-                  <a:outerShdw blurRad="38100" dist="38100" dir="2700000" algn="tl">
-                    <a:srgbClr val="000000">
-                      <a:alpha val="43137"/>
-                    </a:srgbClr>
-                  </a:outerShdw>
-                </a:effectLst>
-              </a:rPr>
-              <a:t>ny</a:t>
-            </a:r>
-            <a:r>
-              <a:rPr lang="fr-FR" sz="4000" b="1" dirty="0" smtClean="0">
-                <a:effectLst>
-                  <a:outerShdw blurRad="38100" dist="38100" dir="2700000" algn="tl">
-                    <a:srgbClr val="000000">
-                      <a:alpha val="43137"/>
-                    </a:srgbClr>
-                  </a:outerShdw>
-                </a:effectLst>
-              </a:rPr>
-              <a:t> </a:t>
-            </a:r>
-            <a:r>
-              <a:rPr lang="fr-FR" sz="4000" b="1" dirty="0" err="1" smtClean="0">
-                <a:effectLst>
-                  <a:outerShdw blurRad="38100" dist="38100" dir="2700000" algn="tl">
-                    <a:srgbClr val="000000">
-                      <a:alpha val="43137"/>
-                    </a:srgbClr>
-                  </a:outerShdw>
-                </a:effectLst>
-              </a:rPr>
-              <a:t>tanany</a:t>
-            </a:r>
-            <a:r>
-              <a:rPr lang="fr-FR" sz="4000" b="1" dirty="0">
-                <a:effectLst>
-                  <a:outerShdw blurRad="38100" dist="38100" dir="2700000" algn="tl">
-                    <a:srgbClr val="000000">
-                      <a:alpha val="43137"/>
-                    </a:srgbClr>
-                  </a:outerShdw>
-                </a:effectLst>
-              </a:rPr>
-              <a:t> </a:t>
-            </a:r>
-            <a:r>
-              <a:rPr lang="fr-FR" sz="4000" b="1" dirty="0" err="1" smtClean="0">
-                <a:effectLst>
-                  <a:outerShdw blurRad="38100" dist="38100" dir="2700000" algn="tl">
-                    <a:srgbClr val="000000">
-                      <a:alpha val="43137"/>
-                    </a:srgbClr>
-                  </a:outerShdw>
-                </a:effectLst>
-              </a:rPr>
-              <a:t>izao</a:t>
-            </a:r>
-            <a:r>
-              <a:rPr lang="fr-FR" sz="4000" b="1" dirty="0" smtClean="0">
-                <a:effectLst>
-                  <a:outerShdw blurRad="38100" dist="38100" dir="2700000" algn="tl">
-                    <a:srgbClr val="000000">
-                      <a:alpha val="43137"/>
-                    </a:srgbClr>
-                  </a:outerShdw>
-                </a:effectLst>
-              </a:rPr>
-              <a:t/>
-            </a:r>
-            <a:br>
-              <a:rPr lang="fr-FR" sz="4000" b="1" dirty="0" smtClean="0">
-                <a:effectLst>
-                  <a:outerShdw blurRad="38100" dist="38100" dir="2700000" algn="tl">
-                    <a:srgbClr val="000000">
-                      <a:alpha val="43137"/>
-                    </a:srgbClr>
-                  </a:outerShdw>
-                </a:effectLst>
-              </a:rPr>
-            </a:br>
-            <a:r>
-              <a:rPr lang="fr-FR" sz="4000" b="1" dirty="0" smtClean="0">
-                <a:effectLst>
-                  <a:outerShdw blurRad="38100" dist="38100" dir="2700000" algn="tl">
-                    <a:srgbClr val="000000">
-                      <a:alpha val="43137"/>
-                    </a:srgbClr>
-                  </a:outerShdw>
-                </a:effectLst>
-              </a:rPr>
-              <a:t>   Ka </a:t>
-            </a:r>
-            <a:r>
-              <a:rPr lang="fr-FR" sz="4000" b="1" dirty="0" err="1" smtClean="0">
-                <a:effectLst>
-                  <a:outerShdw blurRad="38100" dist="38100" dir="2700000" algn="tl">
-                    <a:srgbClr val="000000">
-                      <a:alpha val="43137"/>
-                    </a:srgbClr>
-                  </a:outerShdw>
-                </a:effectLst>
-              </a:rPr>
-              <a:t>ny</a:t>
-            </a:r>
-            <a:r>
-              <a:rPr lang="fr-FR" sz="4000" b="1" dirty="0" smtClean="0">
-                <a:effectLst>
-                  <a:outerShdw blurRad="38100" dist="38100" dir="2700000" algn="tl">
-                    <a:srgbClr val="000000">
-                      <a:alpha val="43137"/>
-                    </a:srgbClr>
-                  </a:outerShdw>
-                </a:effectLst>
-              </a:rPr>
-              <a:t> </a:t>
-            </a:r>
-            <a:r>
-              <a:rPr lang="fr-FR" sz="4000" b="1" dirty="0" err="1" smtClean="0">
-                <a:effectLst>
-                  <a:outerShdw blurRad="38100" dist="38100" dir="2700000" algn="tl">
-                    <a:srgbClr val="000000">
-                      <a:alpha val="43137"/>
-                    </a:srgbClr>
-                  </a:outerShdw>
-                </a:effectLst>
-              </a:rPr>
-              <a:t>fonao</a:t>
-            </a:r>
-            <a:r>
-              <a:rPr lang="fr-FR" sz="4000" b="1" dirty="0" smtClean="0">
-                <a:effectLst>
-                  <a:outerShdw blurRad="38100" dist="38100" dir="2700000" algn="tl">
-                    <a:srgbClr val="000000">
-                      <a:alpha val="43137"/>
-                    </a:srgbClr>
-                  </a:outerShdw>
-                </a:effectLst>
-              </a:rPr>
-              <a:t> </a:t>
-            </a:r>
-            <a:r>
-              <a:rPr lang="fr-FR" sz="4000" b="1" dirty="0" err="1" smtClean="0">
-                <a:effectLst>
-                  <a:outerShdw blurRad="38100" dist="38100" dir="2700000" algn="tl">
-                    <a:srgbClr val="000000">
-                      <a:alpha val="43137"/>
-                    </a:srgbClr>
-                  </a:outerShdw>
-                </a:effectLst>
-              </a:rPr>
-              <a:t>simba</a:t>
-            </a:r>
-            <a:r>
-              <a:rPr lang="fr-FR" sz="4000" b="1" dirty="0" smtClean="0">
-                <a:effectLst>
-                  <a:outerShdw blurRad="38100" dist="38100" dir="2700000" algn="tl">
-                    <a:srgbClr val="000000">
-                      <a:alpha val="43137"/>
-                    </a:srgbClr>
-                  </a:outerShdw>
-                </a:effectLst>
-              </a:rPr>
-              <a:t> </a:t>
-            </a:r>
-            <a:r>
-              <a:rPr lang="fr-FR" sz="4000" b="1" dirty="0" err="1" smtClean="0">
-                <a:effectLst>
-                  <a:outerShdw blurRad="38100" dist="38100" dir="2700000" algn="tl">
-                    <a:srgbClr val="000000">
-                      <a:alpha val="43137"/>
-                    </a:srgbClr>
-                  </a:outerShdw>
-                </a:effectLst>
-              </a:rPr>
-              <a:t>mba</a:t>
-            </a:r>
-            <a:r>
-              <a:rPr lang="fr-FR" sz="4000" b="1" dirty="0">
-                <a:effectLst>
-                  <a:outerShdw blurRad="38100" dist="38100" dir="2700000" algn="tl">
-                    <a:srgbClr val="000000">
-                      <a:alpha val="43137"/>
-                    </a:srgbClr>
-                  </a:outerShdw>
-                </a:effectLst>
-              </a:rPr>
-              <a:t> </a:t>
-            </a:r>
-            <a:r>
-              <a:rPr lang="fr-FR" sz="4000" b="1" dirty="0" err="1" smtClean="0">
-                <a:effectLst>
-                  <a:outerShdw blurRad="38100" dist="38100" dir="2700000" algn="tl">
-                    <a:srgbClr val="000000">
-                      <a:alpha val="43137"/>
-                    </a:srgbClr>
-                  </a:outerShdw>
-                </a:effectLst>
-              </a:rPr>
-              <a:t>atolorinao</a:t>
-            </a:r>
-            <a:r>
-              <a:rPr lang="fr-FR" sz="4000" b="1" dirty="0" smtClean="0">
-                <a:effectLst>
-                  <a:outerShdw blurRad="38100" dist="38100" dir="2700000" algn="tl">
-                    <a:srgbClr val="000000">
-                      <a:alpha val="43137"/>
-                    </a:srgbClr>
-                  </a:outerShdw>
-                </a:effectLst>
-              </a:rPr>
-              <a:t/>
-            </a:r>
-            <a:br>
-              <a:rPr lang="fr-FR" sz="4000" b="1" dirty="0" smtClean="0">
-                <a:effectLst>
-                  <a:outerShdw blurRad="38100" dist="38100" dir="2700000" algn="tl">
-                    <a:srgbClr val="000000">
-                      <a:alpha val="43137"/>
-                    </a:srgbClr>
-                  </a:outerShdw>
-                </a:effectLst>
-              </a:rPr>
-            </a:br>
-            <a:r>
-              <a:rPr lang="fr-FR" sz="4000" b="1" dirty="0" smtClean="0">
-                <a:effectLst>
-                  <a:outerShdw blurRad="38100" dist="38100" dir="2700000" algn="tl">
-                    <a:srgbClr val="000000">
-                      <a:alpha val="43137"/>
-                    </a:srgbClr>
-                  </a:outerShdw>
-                </a:effectLst>
-              </a:rPr>
-              <a:t>   </a:t>
-            </a:r>
-            <a:r>
-              <a:rPr lang="fr-FR" sz="4000" b="1" dirty="0" err="1" smtClean="0">
-                <a:effectLst>
-                  <a:outerShdw blurRad="38100" dist="38100" dir="2700000" algn="tl">
-                    <a:srgbClr val="000000">
-                      <a:alpha val="43137"/>
-                    </a:srgbClr>
-                  </a:outerShdw>
-                </a:effectLst>
-              </a:rPr>
-              <a:t>Hosoloan’i</a:t>
-            </a:r>
-            <a:r>
-              <a:rPr lang="fr-FR" sz="4000" b="1" dirty="0" smtClean="0">
-                <a:effectLst>
-                  <a:outerShdw blurRad="38100" dist="38100" dir="2700000" algn="tl">
-                    <a:srgbClr val="000000">
-                      <a:alpha val="43137"/>
-                    </a:srgbClr>
-                  </a:outerShdw>
-                </a:effectLst>
-              </a:rPr>
-              <a:t> </a:t>
-            </a:r>
-            <a:r>
-              <a:rPr lang="fr-FR" sz="4000" b="1" dirty="0" err="1" smtClean="0">
-                <a:effectLst>
-                  <a:outerShdw blurRad="38100" dist="38100" dir="2700000" algn="tl">
-                    <a:srgbClr val="000000">
-                      <a:alpha val="43137"/>
-                    </a:srgbClr>
-                  </a:outerShdw>
-                </a:effectLst>
-              </a:rPr>
-              <a:t>Jeso</a:t>
-            </a:r>
-            <a:r>
-              <a:rPr lang="fr-FR" sz="4000" b="1" dirty="0" smtClean="0">
-                <a:effectLst>
-                  <a:outerShdw blurRad="38100" dist="38100" dir="2700000" algn="tl">
-                    <a:srgbClr val="000000">
-                      <a:alpha val="43137"/>
-                    </a:srgbClr>
-                  </a:outerShdw>
-                </a:effectLst>
-              </a:rPr>
-              <a:t> </a:t>
-            </a:r>
-            <a:r>
-              <a:rPr lang="fr-FR" sz="4000" b="1" dirty="0" err="1" smtClean="0">
-                <a:effectLst>
-                  <a:outerShdw blurRad="38100" dist="38100" dir="2700000" algn="tl">
-                    <a:srgbClr val="000000">
-                      <a:alpha val="43137"/>
-                    </a:srgbClr>
-                  </a:outerShdw>
-                </a:effectLst>
-              </a:rPr>
-              <a:t>fo</a:t>
-            </a:r>
-            <a:r>
-              <a:rPr lang="fr-FR" sz="4000" b="1" dirty="0" smtClean="0">
-                <a:effectLst>
-                  <a:outerShdw blurRad="38100" dist="38100" dir="2700000" algn="tl">
-                    <a:srgbClr val="000000">
-                      <a:alpha val="43137"/>
-                    </a:srgbClr>
-                  </a:outerShdw>
-                </a:effectLst>
-              </a:rPr>
-              <a:t> </a:t>
-            </a:r>
-            <a:r>
-              <a:rPr lang="fr-FR" sz="4000" b="1" dirty="0" err="1" smtClean="0">
-                <a:effectLst>
-                  <a:outerShdw blurRad="38100" dist="38100" dir="2700000" algn="tl">
-                    <a:srgbClr val="000000">
-                      <a:alpha val="43137"/>
-                    </a:srgbClr>
-                  </a:outerShdw>
-                </a:effectLst>
-              </a:rPr>
-              <a:t>tsara</a:t>
-            </a:r>
-            <a:r>
-              <a:rPr lang="fr-FR" sz="4000" b="1" dirty="0" smtClean="0">
-                <a:effectLst>
-                  <a:outerShdw blurRad="38100" dist="38100" dir="2700000" algn="tl">
-                    <a:srgbClr val="000000">
-                      <a:alpha val="43137"/>
-                    </a:srgbClr>
-                  </a:outerShdw>
-                </a:effectLst>
-              </a:rPr>
-              <a:t> </a:t>
-            </a:r>
-            <a:r>
-              <a:rPr lang="fr-FR" sz="4000" b="1" dirty="0" err="1" smtClean="0">
-                <a:effectLst>
-                  <a:outerShdw blurRad="38100" dist="38100" dir="2700000" algn="tl">
-                    <a:srgbClr val="000000">
-                      <a:alpha val="43137"/>
-                    </a:srgbClr>
-                  </a:outerShdw>
-                </a:effectLst>
-              </a:rPr>
-              <a:t>sy</a:t>
-            </a:r>
-            <a:r>
-              <a:rPr lang="fr-FR" sz="4000" b="1" dirty="0" smtClean="0">
-                <a:effectLst>
-                  <a:outerShdw blurRad="38100" dist="38100" dir="2700000" algn="tl">
-                    <a:srgbClr val="000000">
-                      <a:alpha val="43137"/>
-                    </a:srgbClr>
-                  </a:outerShdw>
-                </a:effectLst>
-              </a:rPr>
-              <a:t> </a:t>
-            </a:r>
-            <a:r>
-              <a:rPr lang="fr-FR" sz="4000" b="1" dirty="0" err="1" smtClean="0">
-                <a:effectLst>
-                  <a:outerShdw blurRad="38100" dist="38100" dir="2700000" algn="tl">
-                    <a:srgbClr val="000000">
-                      <a:alpha val="43137"/>
-                    </a:srgbClr>
-                  </a:outerShdw>
-                </a:effectLst>
-              </a:rPr>
-              <a:t>vaovao</a:t>
-            </a:r>
-            <a:r>
-              <a:rPr lang="fr-FR" sz="4000" b="1" dirty="0" smtClean="0">
-                <a:effectLst>
-                  <a:outerShdw blurRad="38100" dist="38100" dir="2700000" algn="tl">
-                    <a:srgbClr val="000000">
-                      <a:alpha val="43137"/>
-                    </a:srgbClr>
-                  </a:outerShdw>
-                </a:effectLst>
-              </a:rPr>
-              <a:t> ;</a:t>
-            </a:r>
-            <a:br>
-              <a:rPr lang="fr-FR" sz="4000" b="1" dirty="0" smtClean="0">
-                <a:effectLst>
-                  <a:outerShdw blurRad="38100" dist="38100" dir="2700000" algn="tl">
-                    <a:srgbClr val="000000">
-                      <a:alpha val="43137"/>
-                    </a:srgbClr>
-                  </a:outerShdw>
-                </a:effectLst>
-              </a:rPr>
-            </a:br>
-            <a:r>
-              <a:rPr lang="fr-FR" sz="4000" b="1" dirty="0" smtClean="0">
-                <a:effectLst>
-                  <a:outerShdw blurRad="38100" dist="38100" dir="2700000" algn="tl">
-                    <a:srgbClr val="000000">
-                      <a:alpha val="43137"/>
-                    </a:srgbClr>
-                  </a:outerShdw>
-                </a:effectLst>
-              </a:rPr>
-              <a:t>   </a:t>
-            </a:r>
-            <a:r>
-              <a:rPr lang="fr-FR" sz="4000" b="1" dirty="0" err="1" smtClean="0">
-                <a:effectLst>
-                  <a:outerShdw blurRad="38100" dist="38100" dir="2700000" algn="tl">
-                    <a:srgbClr val="000000">
-                      <a:alpha val="43137"/>
-                    </a:srgbClr>
-                  </a:outerShdw>
-                </a:effectLst>
-              </a:rPr>
-              <a:t>Izany</a:t>
-            </a:r>
-            <a:r>
-              <a:rPr lang="fr-FR" sz="4000" b="1" dirty="0" smtClean="0">
-                <a:effectLst>
-                  <a:outerShdw blurRad="38100" dist="38100" dir="2700000" algn="tl">
-                    <a:srgbClr val="000000">
-                      <a:alpha val="43137"/>
-                    </a:srgbClr>
-                  </a:outerShdw>
-                </a:effectLst>
-              </a:rPr>
-              <a:t> </a:t>
-            </a:r>
-            <a:r>
-              <a:rPr lang="fr-FR" sz="4000" b="1" dirty="0" err="1" smtClean="0">
-                <a:effectLst>
-                  <a:outerShdw blurRad="38100" dist="38100" dir="2700000" algn="tl">
-                    <a:srgbClr val="000000">
-                      <a:alpha val="43137"/>
-                    </a:srgbClr>
-                  </a:outerShdw>
-                </a:effectLst>
-              </a:rPr>
-              <a:t>mba</a:t>
-            </a:r>
-            <a:r>
-              <a:rPr lang="fr-FR" sz="4000" b="1" dirty="0" smtClean="0">
-                <a:effectLst>
-                  <a:outerShdw blurRad="38100" dist="38100" dir="2700000" algn="tl">
-                    <a:srgbClr val="000000">
-                      <a:alpha val="43137"/>
-                    </a:srgbClr>
-                  </a:outerShdw>
-                </a:effectLst>
-              </a:rPr>
-              <a:t> </a:t>
-            </a:r>
-            <a:r>
-              <a:rPr lang="fr-FR" sz="4000" b="1" dirty="0" err="1" smtClean="0">
-                <a:effectLst>
-                  <a:outerShdw blurRad="38100" dist="38100" dir="2700000" algn="tl">
-                    <a:srgbClr val="000000">
-                      <a:alpha val="43137"/>
-                    </a:srgbClr>
-                  </a:outerShdw>
-                </a:effectLst>
-              </a:rPr>
-              <a:t>hevero</a:t>
-            </a:r>
-            <a:r>
-              <a:rPr lang="fr-FR" sz="4000" b="1" dirty="0" smtClean="0">
-                <a:effectLst>
-                  <a:outerShdw blurRad="38100" dist="38100" dir="2700000" algn="tl">
-                    <a:srgbClr val="000000">
-                      <a:alpha val="43137"/>
-                    </a:srgbClr>
-                  </a:outerShdw>
-                </a:effectLst>
-              </a:rPr>
-              <a:t>, </a:t>
-            </a:r>
-            <a:r>
-              <a:rPr lang="fr-FR" sz="4000" b="1" dirty="0" err="1" smtClean="0">
-                <a:effectLst>
-                  <a:outerShdw blurRad="38100" dist="38100" dir="2700000" algn="tl">
-                    <a:srgbClr val="000000">
-                      <a:alpha val="43137"/>
-                    </a:srgbClr>
-                  </a:outerShdw>
-                </a:effectLst>
-              </a:rPr>
-              <a:t>ry</a:t>
-            </a:r>
-            <a:r>
-              <a:rPr lang="fr-FR" sz="4000" b="1" dirty="0" smtClean="0">
-                <a:effectLst>
-                  <a:outerShdw blurRad="38100" dist="38100" dir="2700000" algn="tl">
-                    <a:srgbClr val="000000">
-                      <a:alpha val="43137"/>
-                    </a:srgbClr>
-                  </a:outerShdw>
-                </a:effectLst>
-              </a:rPr>
-              <a:t> </a:t>
-            </a:r>
-            <a:r>
-              <a:rPr lang="fr-FR" sz="4000" b="1" dirty="0" err="1" smtClean="0">
-                <a:effectLst>
-                  <a:outerShdw blurRad="38100" dist="38100" dir="2700000" algn="tl">
-                    <a:srgbClr val="000000">
-                      <a:alpha val="43137"/>
-                    </a:srgbClr>
-                  </a:outerShdw>
-                </a:effectLst>
-              </a:rPr>
-              <a:t>sakaiza</a:t>
-            </a:r>
-            <a:r>
-              <a:rPr lang="fr-FR" sz="4000" b="1" dirty="0" smtClean="0">
-                <a:effectLst>
-                  <a:outerShdw blurRad="38100" dist="38100" dir="2700000" algn="tl">
-                    <a:srgbClr val="000000">
-                      <a:alpha val="43137"/>
-                    </a:srgbClr>
-                  </a:outerShdw>
-                </a:effectLst>
-              </a:rPr>
-              <a:t> !</a:t>
-            </a:r>
-            <a:endParaRPr lang="fr-FR" sz="4000" b="1" dirty="0">
-              <a:effectLst>
-                <a:outerShdw blurRad="38100" dist="38100" dir="2700000" algn="tl">
-                  <a:srgbClr val="000000">
-                    <a:alpha val="43137"/>
-                  </a:srgbClr>
-                </a:outerShdw>
-              </a:effectLst>
-            </a:endParaRPr>
           </a:p>
         </p:txBody>
       </p:sp>
@@ -7617,6 +6696,594 @@
     <p:extLst>
       <p:ext uri="{BB962C8B-B14F-4D97-AF65-F5344CB8AC3E}">
         <p14:creationId xmlns:p14="http://schemas.microsoft.com/office/powerpoint/2010/main" val="3764634547"/>
+      </p:ext>
+    </p:extLst>
+  </p:cSld>
+  <p:clrMapOvr>
+    <a:masterClrMapping/>
+  </p:clrMapOvr>
+</p:sld>
+</file>
+
+<file path=ppt/slides/slide9.xml><?xml version="1.0" encoding="utf-8"?>
+<p:sld xmlns:a="http://schemas.openxmlformats.org/drawingml/2006/main" xmlns:r="http://schemas.openxmlformats.org/officeDocument/2006/relationships" xmlns:p="http://schemas.openxmlformats.org/presentationml/2006/main">
+  <p:cSld>
+    <p:spTree>
+      <p:nvGrpSpPr>
+        <p:cNvPr id="1" name=""/>
+        <p:cNvGrpSpPr/>
+        <p:nvPr/>
+      </p:nvGrpSpPr>
+      <p:grpSpPr>
+        <a:xfrm>
+          <a:off x="0" y="0"/>
+          <a:ext cx="0" cy="0"/>
+          <a:chOff x="0" y="0"/>
+          <a:chExt cx="0" cy="0"/>
+        </a:xfrm>
+      </p:grpSpPr>
+      <p:sp>
+        <p:nvSpPr>
+          <p:cNvPr id="5" name="ZoneTexte 4">
+            <a:extLst>
+              <a:ext uri="{FF2B5EF4-FFF2-40B4-BE49-F238E27FC236}">
+                <a16:creationId xmlns:a16="http://schemas.microsoft.com/office/drawing/2014/main" id="{E2D0F19E-38C3-F4F1-F7CC-7B6F02C56BAC}"/>
+              </a:ext>
+            </a:extLst>
+          </p:cNvPr>
+          <p:cNvSpPr txBox="1"/>
+          <p:nvPr/>
+        </p:nvSpPr>
+        <p:spPr>
+          <a:xfrm>
+            <a:off x="0" y="1"/>
+            <a:ext cx="9144000" cy="5078313"/>
+          </a:xfrm>
+          <a:prstGeom prst="rect">
+            <a:avLst/>
+          </a:prstGeom>
+          <a:noFill/>
+        </p:spPr>
+        <p:txBody>
+          <a:bodyPr wrap="square">
+            <a:spAutoFit/>
+          </a:bodyPr>
+          <a:lstStyle/>
+          <a:p>
+            <a:pPr algn="ctr"/>
+            <a:r>
+              <a:rPr lang="fr-FR" sz="5400" b="1" dirty="0" err="1">
+                <a:effectLst>
+                  <a:outerShdw blurRad="38100" dist="38100" dir="2700000" algn="tl">
+                    <a:srgbClr val="000000">
+                      <a:alpha val="43137"/>
+                    </a:srgbClr>
+                  </a:outerShdw>
+                </a:effectLst>
+              </a:rPr>
+              <a:t>Izy</a:t>
+            </a:r>
+            <a:r>
+              <a:rPr lang="fr-FR" sz="5400" b="1" dirty="0">
+                <a:effectLst>
+                  <a:outerShdw blurRad="38100" dist="38100" dir="2700000" algn="tl">
+                    <a:srgbClr val="000000">
+                      <a:alpha val="43137"/>
+                    </a:srgbClr>
+                  </a:outerShdw>
+                </a:effectLst>
+              </a:rPr>
+              <a:t> dia </a:t>
+            </a:r>
+            <a:r>
+              <a:rPr lang="fr-FR" sz="5400" b="1" dirty="0" err="1">
+                <a:effectLst>
+                  <a:outerShdw blurRad="38100" dist="38100" dir="2700000" algn="tl">
+                    <a:srgbClr val="000000">
+                      <a:alpha val="43137"/>
+                    </a:srgbClr>
+                  </a:outerShdw>
+                </a:effectLst>
+              </a:rPr>
+              <a:t>mananty</a:t>
+            </a:r>
+            <a:r>
+              <a:rPr lang="fr-FR" sz="5400" b="1" dirty="0">
+                <a:effectLst>
+                  <a:outerShdw blurRad="38100" dist="38100" dir="2700000" algn="tl">
+                    <a:srgbClr val="000000">
+                      <a:alpha val="43137"/>
+                    </a:srgbClr>
+                  </a:outerShdw>
+                </a:effectLst>
+              </a:rPr>
+              <a:t> </a:t>
+            </a:r>
+            <a:r>
+              <a:rPr lang="fr-FR" sz="5400" b="1" dirty="0" err="1">
+                <a:effectLst>
+                  <a:outerShdw blurRad="38100" dist="38100" dir="2700000" algn="tl">
+                    <a:srgbClr val="000000">
+                      <a:alpha val="43137"/>
+                    </a:srgbClr>
+                  </a:outerShdw>
+                </a:effectLst>
+              </a:rPr>
+              <a:t>ny</a:t>
+            </a:r>
+            <a:r>
+              <a:rPr lang="fr-FR" sz="5400" b="1" dirty="0">
+                <a:effectLst>
+                  <a:outerShdw blurRad="38100" dist="38100" dir="2700000" algn="tl">
+                    <a:srgbClr val="000000">
+                      <a:alpha val="43137"/>
+                    </a:srgbClr>
+                  </a:outerShdw>
+                </a:effectLst>
+              </a:rPr>
+              <a:t> </a:t>
+            </a:r>
+            <a:r>
+              <a:rPr lang="fr-FR" sz="5400" b="1" dirty="0" err="1">
+                <a:effectLst>
+                  <a:outerShdw blurRad="38100" dist="38100" dir="2700000" algn="tl">
+                    <a:srgbClr val="000000">
+                      <a:alpha val="43137"/>
+                    </a:srgbClr>
+                  </a:outerShdw>
+                </a:effectLst>
+              </a:rPr>
+              <a:t>tanany</a:t>
+            </a:r>
+            <a:r>
+              <a:rPr lang="fr-FR" sz="5400" b="1" dirty="0">
+                <a:effectLst>
+                  <a:outerShdw blurRad="38100" dist="38100" dir="2700000" algn="tl">
+                    <a:srgbClr val="000000">
+                      <a:alpha val="43137"/>
+                    </a:srgbClr>
+                  </a:outerShdw>
+                </a:effectLst>
+              </a:rPr>
+              <a:t> </a:t>
+            </a:r>
+            <a:r>
+              <a:rPr lang="fr-FR" sz="5400" b="1" dirty="0" err="1">
+                <a:effectLst>
+                  <a:outerShdw blurRad="38100" dist="38100" dir="2700000" algn="tl">
+                    <a:srgbClr val="000000">
+                      <a:alpha val="43137"/>
+                    </a:srgbClr>
+                  </a:outerShdw>
+                </a:effectLst>
+              </a:rPr>
+              <a:t>izao</a:t>
+            </a:r>
+            <a:br>
+              <a:rPr lang="fr-FR" sz="5400" b="1" dirty="0">
+                <a:effectLst>
+                  <a:outerShdw blurRad="38100" dist="38100" dir="2700000" algn="tl">
+                    <a:srgbClr val="000000">
+                      <a:alpha val="43137"/>
+                    </a:srgbClr>
+                  </a:outerShdw>
+                </a:effectLst>
+              </a:rPr>
+            </a:br>
+            <a:r>
+              <a:rPr lang="fr-FR" sz="5400" b="1" dirty="0">
+                <a:effectLst>
+                  <a:outerShdw blurRad="38100" dist="38100" dir="2700000" algn="tl">
+                    <a:srgbClr val="000000">
+                      <a:alpha val="43137"/>
+                    </a:srgbClr>
+                  </a:outerShdw>
+                </a:effectLst>
+              </a:rPr>
+              <a:t>Ka </a:t>
+            </a:r>
+            <a:r>
+              <a:rPr lang="fr-FR" sz="5400" b="1" dirty="0" err="1">
+                <a:effectLst>
+                  <a:outerShdw blurRad="38100" dist="38100" dir="2700000" algn="tl">
+                    <a:srgbClr val="000000">
+                      <a:alpha val="43137"/>
+                    </a:srgbClr>
+                  </a:outerShdw>
+                </a:effectLst>
+              </a:rPr>
+              <a:t>ny</a:t>
+            </a:r>
+            <a:r>
+              <a:rPr lang="fr-FR" sz="5400" b="1" dirty="0">
+                <a:effectLst>
+                  <a:outerShdw blurRad="38100" dist="38100" dir="2700000" algn="tl">
+                    <a:srgbClr val="000000">
+                      <a:alpha val="43137"/>
+                    </a:srgbClr>
+                  </a:outerShdw>
+                </a:effectLst>
+              </a:rPr>
+              <a:t> </a:t>
+            </a:r>
+            <a:r>
+              <a:rPr lang="fr-FR" sz="5400" b="1" dirty="0" err="1">
+                <a:effectLst>
+                  <a:outerShdw blurRad="38100" dist="38100" dir="2700000" algn="tl">
+                    <a:srgbClr val="000000">
+                      <a:alpha val="43137"/>
+                    </a:srgbClr>
+                  </a:outerShdw>
+                </a:effectLst>
+              </a:rPr>
+              <a:t>fonao</a:t>
+            </a:r>
+            <a:r>
+              <a:rPr lang="fr-FR" sz="5400" b="1" dirty="0">
+                <a:effectLst>
+                  <a:outerShdw blurRad="38100" dist="38100" dir="2700000" algn="tl">
+                    <a:srgbClr val="000000">
+                      <a:alpha val="43137"/>
+                    </a:srgbClr>
+                  </a:outerShdw>
+                </a:effectLst>
+              </a:rPr>
+              <a:t> </a:t>
+            </a:r>
+            <a:r>
+              <a:rPr lang="fr-FR" sz="5400" b="1" dirty="0" err="1">
+                <a:effectLst>
+                  <a:outerShdw blurRad="38100" dist="38100" dir="2700000" algn="tl">
+                    <a:srgbClr val="000000">
+                      <a:alpha val="43137"/>
+                    </a:srgbClr>
+                  </a:outerShdw>
+                </a:effectLst>
+              </a:rPr>
+              <a:t>simba</a:t>
+            </a:r>
+            <a:r>
+              <a:rPr lang="fr-FR" sz="5400" b="1" dirty="0">
+                <a:effectLst>
+                  <a:outerShdw blurRad="38100" dist="38100" dir="2700000" algn="tl">
+                    <a:srgbClr val="000000">
+                      <a:alpha val="43137"/>
+                    </a:srgbClr>
+                  </a:outerShdw>
+                </a:effectLst>
+              </a:rPr>
+              <a:t> </a:t>
+            </a:r>
+            <a:r>
+              <a:rPr lang="fr-FR" sz="5400" b="1" dirty="0" err="1">
+                <a:effectLst>
+                  <a:outerShdw blurRad="38100" dist="38100" dir="2700000" algn="tl">
+                    <a:srgbClr val="000000">
+                      <a:alpha val="43137"/>
+                    </a:srgbClr>
+                  </a:outerShdw>
+                </a:effectLst>
+              </a:rPr>
+              <a:t>mba</a:t>
+            </a:r>
+            <a:r>
+              <a:rPr lang="fr-FR" sz="5400" b="1" dirty="0">
+                <a:effectLst>
+                  <a:outerShdw blurRad="38100" dist="38100" dir="2700000" algn="tl">
+                    <a:srgbClr val="000000">
+                      <a:alpha val="43137"/>
+                    </a:srgbClr>
+                  </a:outerShdw>
+                </a:effectLst>
+              </a:rPr>
+              <a:t> </a:t>
+            </a:r>
+            <a:r>
+              <a:rPr lang="fr-FR" sz="5400" b="1" dirty="0" err="1">
+                <a:effectLst>
+                  <a:outerShdw blurRad="38100" dist="38100" dir="2700000" algn="tl">
+                    <a:srgbClr val="000000">
+                      <a:alpha val="43137"/>
+                    </a:srgbClr>
+                  </a:outerShdw>
+                </a:effectLst>
+              </a:rPr>
+              <a:t>atolorinao</a:t>
+            </a:r>
+            <a:br>
+              <a:rPr lang="fr-FR" sz="5400" b="1" dirty="0">
+                <a:effectLst>
+                  <a:outerShdw blurRad="38100" dist="38100" dir="2700000" algn="tl">
+                    <a:srgbClr val="000000">
+                      <a:alpha val="43137"/>
+                    </a:srgbClr>
+                  </a:outerShdw>
+                </a:effectLst>
+              </a:rPr>
+            </a:br>
+            <a:r>
+              <a:rPr lang="fr-FR" sz="5400" b="1" dirty="0" err="1">
+                <a:effectLst>
+                  <a:outerShdw blurRad="38100" dist="38100" dir="2700000" algn="tl">
+                    <a:srgbClr val="000000">
+                      <a:alpha val="43137"/>
+                    </a:srgbClr>
+                  </a:outerShdw>
+                </a:effectLst>
+              </a:rPr>
+              <a:t>Hosoloan’i</a:t>
+            </a:r>
+            <a:r>
+              <a:rPr lang="fr-FR" sz="5400" b="1" dirty="0">
+                <a:effectLst>
+                  <a:outerShdw blurRad="38100" dist="38100" dir="2700000" algn="tl">
+                    <a:srgbClr val="000000">
+                      <a:alpha val="43137"/>
+                    </a:srgbClr>
+                  </a:outerShdw>
+                </a:effectLst>
+              </a:rPr>
+              <a:t> </a:t>
+            </a:r>
+            <a:r>
+              <a:rPr lang="fr-FR" sz="5400" b="1" dirty="0" err="1">
+                <a:effectLst>
+                  <a:outerShdw blurRad="38100" dist="38100" dir="2700000" algn="tl">
+                    <a:srgbClr val="000000">
+                      <a:alpha val="43137"/>
+                    </a:srgbClr>
+                  </a:outerShdw>
+                </a:effectLst>
+              </a:rPr>
+              <a:t>Jeso</a:t>
+            </a:r>
+            <a:r>
+              <a:rPr lang="fr-FR" sz="5400" b="1" dirty="0">
+                <a:effectLst>
+                  <a:outerShdw blurRad="38100" dist="38100" dir="2700000" algn="tl">
+                    <a:srgbClr val="000000">
+                      <a:alpha val="43137"/>
+                    </a:srgbClr>
+                  </a:outerShdw>
+                </a:effectLst>
+              </a:rPr>
+              <a:t> </a:t>
+            </a:r>
+            <a:r>
+              <a:rPr lang="fr-FR" sz="5400" b="1" dirty="0" err="1">
+                <a:effectLst>
+                  <a:outerShdw blurRad="38100" dist="38100" dir="2700000" algn="tl">
+                    <a:srgbClr val="000000">
+                      <a:alpha val="43137"/>
+                    </a:srgbClr>
+                  </a:outerShdw>
+                </a:effectLst>
+              </a:rPr>
+              <a:t>fo</a:t>
+            </a:r>
+            <a:r>
+              <a:rPr lang="fr-FR" sz="5400" b="1" dirty="0">
+                <a:effectLst>
+                  <a:outerShdw blurRad="38100" dist="38100" dir="2700000" algn="tl">
+                    <a:srgbClr val="000000">
+                      <a:alpha val="43137"/>
+                    </a:srgbClr>
+                  </a:outerShdw>
+                </a:effectLst>
+              </a:rPr>
+              <a:t> </a:t>
+            </a:r>
+            <a:r>
+              <a:rPr lang="fr-FR" sz="5400" b="1" dirty="0" err="1">
+                <a:effectLst>
+                  <a:outerShdw blurRad="38100" dist="38100" dir="2700000" algn="tl">
+                    <a:srgbClr val="000000">
+                      <a:alpha val="43137"/>
+                    </a:srgbClr>
+                  </a:outerShdw>
+                </a:effectLst>
+              </a:rPr>
+              <a:t>tsara</a:t>
+            </a:r>
+            <a:r>
+              <a:rPr lang="fr-FR" sz="5400" b="1" dirty="0">
+                <a:effectLst>
+                  <a:outerShdw blurRad="38100" dist="38100" dir="2700000" algn="tl">
+                    <a:srgbClr val="000000">
+                      <a:alpha val="43137"/>
+                    </a:srgbClr>
+                  </a:outerShdw>
+                </a:effectLst>
+              </a:rPr>
+              <a:t> </a:t>
+            </a:r>
+            <a:r>
+              <a:rPr lang="fr-FR" sz="5400" b="1" dirty="0" err="1">
+                <a:effectLst>
+                  <a:outerShdw blurRad="38100" dist="38100" dir="2700000" algn="tl">
+                    <a:srgbClr val="000000">
+                      <a:alpha val="43137"/>
+                    </a:srgbClr>
+                  </a:outerShdw>
+                </a:effectLst>
+              </a:rPr>
+              <a:t>sy</a:t>
+            </a:r>
+            <a:r>
+              <a:rPr lang="fr-FR" sz="5400" b="1" dirty="0">
+                <a:effectLst>
+                  <a:outerShdw blurRad="38100" dist="38100" dir="2700000" algn="tl">
+                    <a:srgbClr val="000000">
+                      <a:alpha val="43137"/>
+                    </a:srgbClr>
+                  </a:outerShdw>
+                </a:effectLst>
+              </a:rPr>
+              <a:t> </a:t>
+            </a:r>
+            <a:r>
+              <a:rPr lang="fr-FR" sz="5400" b="1" dirty="0" err="1">
+                <a:effectLst>
+                  <a:outerShdw blurRad="38100" dist="38100" dir="2700000" algn="tl">
+                    <a:srgbClr val="000000">
+                      <a:alpha val="43137"/>
+                    </a:srgbClr>
+                  </a:outerShdw>
+                </a:effectLst>
+              </a:rPr>
+              <a:t>vaovao</a:t>
+            </a:r>
+            <a:r>
+              <a:rPr lang="fr-FR" sz="5400" b="1" dirty="0">
+                <a:effectLst>
+                  <a:outerShdw blurRad="38100" dist="38100" dir="2700000" algn="tl">
+                    <a:srgbClr val="000000">
+                      <a:alpha val="43137"/>
+                    </a:srgbClr>
+                  </a:outerShdw>
+                </a:effectLst>
+              </a:rPr>
+              <a:t> ;</a:t>
+            </a:r>
+            <a:br>
+              <a:rPr lang="fr-FR" sz="5400" b="1" dirty="0">
+                <a:effectLst>
+                  <a:outerShdw blurRad="38100" dist="38100" dir="2700000" algn="tl">
+                    <a:srgbClr val="000000">
+                      <a:alpha val="43137"/>
+                    </a:srgbClr>
+                  </a:outerShdw>
+                </a:effectLst>
+              </a:rPr>
+            </a:br>
+            <a:r>
+              <a:rPr lang="fr-FR" sz="5400" b="1" dirty="0" err="1">
+                <a:effectLst>
+                  <a:outerShdw blurRad="38100" dist="38100" dir="2700000" algn="tl">
+                    <a:srgbClr val="000000">
+                      <a:alpha val="43137"/>
+                    </a:srgbClr>
+                  </a:outerShdw>
+                </a:effectLst>
+              </a:rPr>
+              <a:t>Izany</a:t>
+            </a:r>
+            <a:r>
+              <a:rPr lang="fr-FR" sz="5400" b="1" dirty="0">
+                <a:effectLst>
+                  <a:outerShdw blurRad="38100" dist="38100" dir="2700000" algn="tl">
+                    <a:srgbClr val="000000">
+                      <a:alpha val="43137"/>
+                    </a:srgbClr>
+                  </a:outerShdw>
+                </a:effectLst>
+              </a:rPr>
+              <a:t> </a:t>
+            </a:r>
+            <a:r>
+              <a:rPr lang="fr-FR" sz="5400" b="1" dirty="0" err="1">
+                <a:effectLst>
+                  <a:outerShdw blurRad="38100" dist="38100" dir="2700000" algn="tl">
+                    <a:srgbClr val="000000">
+                      <a:alpha val="43137"/>
+                    </a:srgbClr>
+                  </a:outerShdw>
+                </a:effectLst>
+              </a:rPr>
+              <a:t>mba</a:t>
+            </a:r>
+            <a:r>
+              <a:rPr lang="fr-FR" sz="5400" b="1" dirty="0">
+                <a:effectLst>
+                  <a:outerShdw blurRad="38100" dist="38100" dir="2700000" algn="tl">
+                    <a:srgbClr val="000000">
+                      <a:alpha val="43137"/>
+                    </a:srgbClr>
+                  </a:outerShdw>
+                </a:effectLst>
+              </a:rPr>
+              <a:t> </a:t>
+            </a:r>
+            <a:r>
+              <a:rPr lang="fr-FR" sz="5400" b="1" dirty="0" err="1">
+                <a:effectLst>
+                  <a:outerShdw blurRad="38100" dist="38100" dir="2700000" algn="tl">
+                    <a:srgbClr val="000000">
+                      <a:alpha val="43137"/>
+                    </a:srgbClr>
+                  </a:outerShdw>
+                </a:effectLst>
+              </a:rPr>
+              <a:t>hevero</a:t>
+            </a:r>
+            <a:r>
+              <a:rPr lang="fr-FR" sz="5400" b="1" dirty="0">
+                <a:effectLst>
+                  <a:outerShdw blurRad="38100" dist="38100" dir="2700000" algn="tl">
+                    <a:srgbClr val="000000">
+                      <a:alpha val="43137"/>
+                    </a:srgbClr>
+                  </a:outerShdw>
+                </a:effectLst>
+              </a:rPr>
+              <a:t>, </a:t>
+            </a:r>
+            <a:r>
+              <a:rPr lang="fr-FR" sz="5400" b="1" dirty="0" err="1">
+                <a:effectLst>
+                  <a:outerShdw blurRad="38100" dist="38100" dir="2700000" algn="tl">
+                    <a:srgbClr val="000000">
+                      <a:alpha val="43137"/>
+                    </a:srgbClr>
+                  </a:outerShdw>
+                </a:effectLst>
+              </a:rPr>
+              <a:t>ry</a:t>
+            </a:r>
+            <a:r>
+              <a:rPr lang="fr-FR" sz="5400" b="1" dirty="0">
+                <a:effectLst>
+                  <a:outerShdw blurRad="38100" dist="38100" dir="2700000" algn="tl">
+                    <a:srgbClr val="000000">
+                      <a:alpha val="43137"/>
+                    </a:srgbClr>
+                  </a:outerShdw>
+                </a:effectLst>
+              </a:rPr>
+              <a:t> </a:t>
+            </a:r>
+            <a:r>
+              <a:rPr lang="fr-FR" sz="5400" b="1" dirty="0" err="1">
+                <a:effectLst>
+                  <a:outerShdw blurRad="38100" dist="38100" dir="2700000" algn="tl">
+                    <a:srgbClr val="000000">
+                      <a:alpha val="43137"/>
+                    </a:srgbClr>
+                  </a:outerShdw>
+                </a:effectLst>
+              </a:rPr>
+              <a:t>sakaiza</a:t>
+            </a:r>
+            <a:r>
+              <a:rPr lang="fr-FR" sz="5400" b="1" dirty="0">
+                <a:effectLst>
+                  <a:outerShdw blurRad="38100" dist="38100" dir="2700000" algn="tl">
+                    <a:srgbClr val="000000">
+                      <a:alpha val="43137"/>
+                    </a:srgbClr>
+                  </a:outerShdw>
+                </a:effectLst>
+              </a:rPr>
+              <a:t> !</a:t>
+            </a:r>
+            <a:endParaRPr lang="fr-FR" sz="5400" dirty="0"/>
+          </a:p>
+        </p:txBody>
+      </p:sp>
+    </p:spTree>
+    <p:extLst>
+      <p:ext uri="{BB962C8B-B14F-4D97-AF65-F5344CB8AC3E}">
+        <p14:creationId xmlns:p14="http://schemas.microsoft.com/office/powerpoint/2010/main" val="3419676113"/>
       </p:ext>
     </p:extLst>
   </p:cSld>
